--- a/2023/pic.pptx
+++ b/2023/pic.pptx
@@ -5,16 +5,16 @@
     <p:sldMasterId id="2147483672" r:id="rId1"/>
   </p:sldMasterIdLst>
   <p:sldIdLst>
-    <p:sldId id="256" r:id="rId2"/>
-    <p:sldId id="257" r:id="rId3"/>
-    <p:sldId id="258" r:id="rId4"/>
-    <p:sldId id="259" r:id="rId5"/>
-    <p:sldId id="260" r:id="rId6"/>
-    <p:sldId id="261" r:id="rId7"/>
-    <p:sldId id="262" r:id="rId8"/>
-    <p:sldId id="263" r:id="rId9"/>
-    <p:sldId id="264" r:id="rId10"/>
-    <p:sldId id="955" r:id="rId11"/>
+    <p:sldId id="955" r:id="rId2"/>
+    <p:sldId id="256" r:id="rId3"/>
+    <p:sldId id="257" r:id="rId4"/>
+    <p:sldId id="258" r:id="rId5"/>
+    <p:sldId id="259" r:id="rId6"/>
+    <p:sldId id="260" r:id="rId7"/>
+    <p:sldId id="261" r:id="rId8"/>
+    <p:sldId id="262" r:id="rId9"/>
+    <p:sldId id="263" r:id="rId10"/>
+    <p:sldId id="264" r:id="rId11"/>
     <p:sldId id="268" r:id="rId12"/>
     <p:sldId id="267" r:id="rId13"/>
     <p:sldId id="266" r:id="rId14"/>
@@ -261,7 +261,7 @@
           <a:p>
             <a:fld id="{D40FED22-406B-4E52-BD5B-2C6469F7D342}" type="datetimeFigureOut">
               <a:rPr lang="en-US" smtClean="0"/>
-              <a:t>12/18/2023</a:t>
+              <a:t>12/19/2023</a:t>
             </a:fld>
             <a:endParaRPr lang="en-US"/>
           </a:p>
@@ -431,7 +431,7 @@
           <a:p>
             <a:fld id="{D40FED22-406B-4E52-BD5B-2C6469F7D342}" type="datetimeFigureOut">
               <a:rPr lang="en-US" smtClean="0"/>
-              <a:t>12/18/2023</a:t>
+              <a:t>12/19/2023</a:t>
             </a:fld>
             <a:endParaRPr lang="en-US"/>
           </a:p>
@@ -611,7 +611,7 @@
           <a:p>
             <a:fld id="{D40FED22-406B-4E52-BD5B-2C6469F7D342}" type="datetimeFigureOut">
               <a:rPr lang="en-US" smtClean="0"/>
-              <a:t>12/18/2023</a:t>
+              <a:t>12/19/2023</a:t>
             </a:fld>
             <a:endParaRPr lang="en-US"/>
           </a:p>
@@ -781,7 +781,7 @@
           <a:p>
             <a:fld id="{D40FED22-406B-4E52-BD5B-2C6469F7D342}" type="datetimeFigureOut">
               <a:rPr lang="en-US" smtClean="0"/>
-              <a:t>12/18/2023</a:t>
+              <a:t>12/19/2023</a:t>
             </a:fld>
             <a:endParaRPr lang="en-US"/>
           </a:p>
@@ -1027,7 +1027,7 @@
           <a:p>
             <a:fld id="{D40FED22-406B-4E52-BD5B-2C6469F7D342}" type="datetimeFigureOut">
               <a:rPr lang="en-US" smtClean="0"/>
-              <a:t>12/18/2023</a:t>
+              <a:t>12/19/2023</a:t>
             </a:fld>
             <a:endParaRPr lang="en-US"/>
           </a:p>
@@ -1259,7 +1259,7 @@
           <a:p>
             <a:fld id="{D40FED22-406B-4E52-BD5B-2C6469F7D342}" type="datetimeFigureOut">
               <a:rPr lang="en-US" smtClean="0"/>
-              <a:t>12/18/2023</a:t>
+              <a:t>12/19/2023</a:t>
             </a:fld>
             <a:endParaRPr lang="en-US"/>
           </a:p>
@@ -1626,7 +1626,7 @@
           <a:p>
             <a:fld id="{D40FED22-406B-4E52-BD5B-2C6469F7D342}" type="datetimeFigureOut">
               <a:rPr lang="en-US" smtClean="0"/>
-              <a:t>12/18/2023</a:t>
+              <a:t>12/19/2023</a:t>
             </a:fld>
             <a:endParaRPr lang="en-US"/>
           </a:p>
@@ -1744,7 +1744,7 @@
           <a:p>
             <a:fld id="{D40FED22-406B-4E52-BD5B-2C6469F7D342}" type="datetimeFigureOut">
               <a:rPr lang="en-US" smtClean="0"/>
-              <a:t>12/18/2023</a:t>
+              <a:t>12/19/2023</a:t>
             </a:fld>
             <a:endParaRPr lang="en-US"/>
           </a:p>
@@ -1839,7 +1839,7 @@
           <a:p>
             <a:fld id="{D40FED22-406B-4E52-BD5B-2C6469F7D342}" type="datetimeFigureOut">
               <a:rPr lang="en-US" smtClean="0"/>
-              <a:t>12/18/2023</a:t>
+              <a:t>12/19/2023</a:t>
             </a:fld>
             <a:endParaRPr lang="en-US"/>
           </a:p>
@@ -2116,7 +2116,7 @@
           <a:p>
             <a:fld id="{D40FED22-406B-4E52-BD5B-2C6469F7D342}" type="datetimeFigureOut">
               <a:rPr lang="en-US" smtClean="0"/>
-              <a:t>12/18/2023</a:t>
+              <a:t>12/19/2023</a:t>
             </a:fld>
             <a:endParaRPr lang="en-US"/>
           </a:p>
@@ -2373,7 +2373,7 @@
           <a:p>
             <a:fld id="{D40FED22-406B-4E52-BD5B-2C6469F7D342}" type="datetimeFigureOut">
               <a:rPr lang="en-US" smtClean="0"/>
-              <a:t>12/18/2023</a:t>
+              <a:t>12/19/2023</a:t>
             </a:fld>
             <a:endParaRPr lang="en-US"/>
           </a:p>
@@ -2586,7 +2586,7 @@
           <a:p>
             <a:fld id="{D40FED22-406B-4E52-BD5B-2C6469F7D342}" type="datetimeFigureOut">
               <a:rPr lang="en-US" smtClean="0"/>
-              <a:t>12/18/2023</a:t>
+              <a:t>12/19/2023</a:t>
             </a:fld>
             <a:endParaRPr lang="en-US"/>
           </a:p>
@@ -2975,183 +2975,6 @@
 </file>
 
 <file path=ppt/slides/slide1.xml><?xml version="1.0" encoding="utf-8"?>
-<p:sld xmlns:a="http://schemas.openxmlformats.org/drawingml/2006/main" xmlns:r="http://schemas.openxmlformats.org/officeDocument/2006/relationships" xmlns:p="http://schemas.openxmlformats.org/presentationml/2006/main">
-  <p:cSld>
-    <p:spTree>
-      <p:nvGrpSpPr>
-        <p:cNvPr id="1" name=""/>
-        <p:cNvGrpSpPr/>
-        <p:nvPr/>
-      </p:nvGrpSpPr>
-      <p:grpSpPr>
-        <a:xfrm>
-          <a:off x="0" y="0"/>
-          <a:ext cx="0" cy="0"/>
-          <a:chOff x="0" y="0"/>
-          <a:chExt cx="0" cy="0"/>
-        </a:xfrm>
-      </p:grpSpPr>
-      <p:pic>
-        <p:nvPicPr>
-          <p:cNvPr id="7" name="图片 6">
-            <a:extLst>
-              <a:ext uri="{FF2B5EF4-FFF2-40B4-BE49-F238E27FC236}">
-                <a16:creationId xmlns:a16="http://schemas.microsoft.com/office/drawing/2014/main" id="{274EA58B-D5A9-C7A3-A353-931A2D7CAB02}"/>
-              </a:ext>
-            </a:extLst>
-          </p:cNvPr>
-          <p:cNvPicPr>
-            <a:picLocks noChangeAspect="1"/>
-          </p:cNvPicPr>
-          <p:nvPr/>
-        </p:nvPicPr>
-        <p:blipFill>
-          <a:blip r:embed="rId2">
-            <a:extLst>
-              <a:ext uri="{28A0092B-C50C-407E-A947-70E740481C1C}">
-                <a14:useLocalDpi xmlns:a14="http://schemas.microsoft.com/office/drawing/2010/main" val="0"/>
-              </a:ext>
-            </a:extLst>
-          </a:blip>
-          <a:stretch>
-            <a:fillRect/>
-          </a:stretch>
-        </p:blipFill>
-        <p:spPr>
-          <a:xfrm>
-            <a:off x="2357777" y="2679184"/>
-            <a:ext cx="11484887" cy="4178816"/>
-          </a:xfrm>
-          <a:prstGeom prst="rect">
-            <a:avLst/>
-          </a:prstGeom>
-        </p:spPr>
-      </p:pic>
-      <p:pic>
-        <p:nvPicPr>
-          <p:cNvPr id="1028" name="Picture 4" descr=" ">
-            <a:extLst>
-              <a:ext uri="{FF2B5EF4-FFF2-40B4-BE49-F238E27FC236}">
-                <a16:creationId xmlns:a16="http://schemas.microsoft.com/office/drawing/2014/main" id="{B5AE3DF2-59CF-42ED-AAFB-09892F458A9D}"/>
-              </a:ext>
-            </a:extLst>
-          </p:cNvPr>
-          <p:cNvPicPr>
-            <a:picLocks noChangeAspect="1" noChangeArrowheads="1"/>
-          </p:cNvPicPr>
-          <p:nvPr/>
-        </p:nvPicPr>
-        <p:blipFill>
-          <a:blip r:embed="rId3">
-            <a:extLst>
-              <a:ext uri="{BEBA8EAE-BF5A-486C-A8C5-ECC9F3942E4B}">
-                <a14:imgProps xmlns:a14="http://schemas.microsoft.com/office/drawing/2010/main">
-                  <a14:imgLayer r:embed="rId4">
-                    <a14:imgEffect>
-                      <a14:backgroundRemoval t="9766" b="89844" l="2049" r="95287">
-                        <a14:foregroundMark x1="7172" y1="73047" x2="7172" y2="73047"/>
-                        <a14:foregroundMark x1="2459" y1="71484" x2="2459" y2="71484"/>
-                        <a14:foregroundMark x1="90574" y1="70703" x2="90574" y2="70703"/>
-                        <a14:foregroundMark x1="95287" y1="71484" x2="95287" y2="71484"/>
-                        <a14:backgroundMark x1="42828" y1="62109" x2="42828" y2="62109"/>
-                        <a14:backgroundMark x1="46107" y1="39453" x2="46107" y2="39453"/>
-                        <a14:backgroundMark x1="6762" y1="74219" x2="6762" y2="74219"/>
-                        <a14:backgroundMark x1="7172" y1="75781" x2="7172" y2="75781"/>
-                        <a14:backgroundMark x1="6762" y1="74609" x2="6762" y2="74609"/>
-                        <a14:backgroundMark x1="6762" y1="73047" x2="6762" y2="73047"/>
-                        <a14:backgroundMark x1="7172" y1="73828" x2="7172" y2="73828"/>
-                        <a14:backgroundMark x1="7172" y1="73047" x2="7172" y2="73047"/>
-                      </a14:backgroundRemoval>
-                    </a14:imgEffect>
-                  </a14:imgLayer>
-                </a14:imgProps>
-              </a:ext>
-              <a:ext uri="{28A0092B-C50C-407E-A947-70E740481C1C}">
-                <a14:useLocalDpi xmlns:a14="http://schemas.microsoft.com/office/drawing/2010/main" val="0"/>
-              </a:ext>
-            </a:extLst>
-          </a:blip>
-          <a:srcRect/>
-          <a:stretch>
-            <a:fillRect/>
-          </a:stretch>
-        </p:blipFill>
-        <p:spPr bwMode="auto">
-          <a:xfrm rot="5400000">
-            <a:off x="5524839" y="4059059"/>
-            <a:ext cx="2527072" cy="753035"/>
-          </a:xfrm>
-          <a:prstGeom prst="rect">
-            <a:avLst/>
-          </a:prstGeom>
-          <a:noFill/>
-          <a:extLst>
-            <a:ext uri="{909E8E84-426E-40DD-AFC4-6F175D3DCCD1}">
-              <a14:hiddenFill xmlns:a14="http://schemas.microsoft.com/office/drawing/2010/main">
-                <a:solidFill>
-                  <a:srgbClr val="FFFFFF"/>
-                </a:solidFill>
-              </a14:hiddenFill>
-            </a:ext>
-          </a:extLst>
-        </p:spPr>
-      </p:pic>
-      <p:cxnSp>
-        <p:nvCxnSpPr>
-          <p:cNvPr id="14" name="直接连接符 13">
-            <a:extLst>
-              <a:ext uri="{FF2B5EF4-FFF2-40B4-BE49-F238E27FC236}">
-                <a16:creationId xmlns:a16="http://schemas.microsoft.com/office/drawing/2014/main" id="{54DA4483-8311-24FE-E125-673A7F9C748F}"/>
-              </a:ext>
-            </a:extLst>
-          </p:cNvPr>
-          <p:cNvCxnSpPr/>
-          <p:nvPr/>
-        </p:nvCxnSpPr>
-        <p:spPr>
-          <a:xfrm>
-            <a:off x="6573040" y="4394009"/>
-            <a:ext cx="463924" cy="0"/>
-          </a:xfrm>
-          <a:prstGeom prst="line">
-            <a:avLst/>
-          </a:prstGeom>
-          <a:ln w="38100">
-            <a:solidFill>
-              <a:schemeClr val="tx1"/>
-            </a:solidFill>
-            <a:prstDash val="dash"/>
-          </a:ln>
-        </p:spPr>
-        <p:style>
-          <a:lnRef idx="1">
-            <a:schemeClr val="accent1"/>
-          </a:lnRef>
-          <a:fillRef idx="0">
-            <a:schemeClr val="accent1"/>
-          </a:fillRef>
-          <a:effectRef idx="0">
-            <a:schemeClr val="accent1"/>
-          </a:effectRef>
-          <a:fontRef idx="minor">
-            <a:schemeClr val="tx1"/>
-          </a:fontRef>
-        </p:style>
-      </p:cxnSp>
-    </p:spTree>
-    <p:extLst>
-      <p:ext uri="{BB962C8B-B14F-4D97-AF65-F5344CB8AC3E}">
-        <p14:creationId xmlns:p14="http://schemas.microsoft.com/office/powerpoint/2010/main" val="3827266844"/>
-      </p:ext>
-    </p:extLst>
-  </p:cSld>
-  <p:clrMapOvr>
-    <a:masterClrMapping/>
-  </p:clrMapOvr>
-</p:sld>
-</file>
-
-<file path=ppt/slides/slide10.xml><?xml version="1.0" encoding="utf-8"?>
 <p:sld xmlns:a="http://schemas.openxmlformats.org/drawingml/2006/main" xmlns:r="http://schemas.openxmlformats.org/officeDocument/2006/relationships" xmlns:p="http://schemas.openxmlformats.org/presentationml/2006/main">
   <p:cSld>
     <p:spTree>
@@ -5906,8 +5729,8 @@
         </p:nvSpPr>
         <p:spPr>
           <a:xfrm>
-            <a:off x="12686183" y="2265055"/>
-            <a:ext cx="830677" cy="523220"/>
+            <a:off x="11858708" y="2170893"/>
+            <a:ext cx="2227726" cy="523220"/>
           </a:xfrm>
           <a:prstGeom prst="rect">
             <a:avLst/>
@@ -5930,7 +5753,7 @@
                   <a:schemeClr val="accent6"/>
                 </a:solidFill>
               </a:rPr>
-              <a:t>GDP</a:t>
+              <a:t>avg_mintemp</a:t>
             </a:r>
             <a:endParaRPr lang="en-US" sz="1600" b="1" dirty="0">
               <a:solidFill>
@@ -6042,6 +5865,4101 @@
     <p:extLst>
       <p:ext uri="{BB962C8B-B14F-4D97-AF65-F5344CB8AC3E}">
         <p14:creationId xmlns:p14="http://schemas.microsoft.com/office/powerpoint/2010/main" val="1827933127"/>
+      </p:ext>
+    </p:extLst>
+  </p:cSld>
+  <p:clrMapOvr>
+    <a:masterClrMapping/>
+  </p:clrMapOvr>
+</p:sld>
+</file>
+
+<file path=ppt/slides/slide10.xml><?xml version="1.0" encoding="utf-8"?>
+<p:sld xmlns:a="http://schemas.openxmlformats.org/drawingml/2006/main" xmlns:r="http://schemas.openxmlformats.org/officeDocument/2006/relationships" xmlns:p="http://schemas.openxmlformats.org/presentationml/2006/main">
+  <p:cSld>
+    <p:spTree>
+      <p:nvGrpSpPr>
+        <p:cNvPr id="1" name=""/>
+        <p:cNvGrpSpPr/>
+        <p:nvPr/>
+      </p:nvGrpSpPr>
+      <p:grpSpPr>
+        <a:xfrm>
+          <a:off x="0" y="0"/>
+          <a:ext cx="0" cy="0"/>
+          <a:chOff x="0" y="0"/>
+          <a:chExt cx="0" cy="0"/>
+        </a:xfrm>
+      </p:grpSpPr>
+      <p:sp>
+        <p:nvSpPr>
+          <p:cNvPr id="4" name="文本框 3">
+            <a:extLst>
+              <a:ext uri="{FF2B5EF4-FFF2-40B4-BE49-F238E27FC236}">
+                <a16:creationId xmlns:a16="http://schemas.microsoft.com/office/drawing/2014/main" id="{713B1022-A295-307B-D581-51BFE2C1A713}"/>
+              </a:ext>
+            </a:extLst>
+          </p:cNvPr>
+          <p:cNvSpPr txBox="1"/>
+          <p:nvPr/>
+        </p:nvSpPr>
+        <p:spPr>
+          <a:xfrm>
+            <a:off x="7554380" y="871369"/>
+            <a:ext cx="2248348" cy="523220"/>
+          </a:xfrm>
+          <a:prstGeom prst="rect">
+            <a:avLst/>
+          </a:prstGeom>
+          <a:noFill/>
+          <a:ln w="12700">
+            <a:solidFill>
+              <a:schemeClr val="tx1"/>
+            </a:solidFill>
+          </a:ln>
+        </p:spPr>
+        <p:txBody>
+          <a:bodyPr wrap="square" rtlCol="0">
+            <a:spAutoFit/>
+          </a:bodyPr>
+          <a:lstStyle/>
+          <a:p>
+            <a:pPr algn="ctr"/>
+            <a:r>
+              <a:rPr lang="en-US" altLang="zh-CN" sz="2800" dirty="0"/>
+              <a:t>Population</a:t>
+            </a:r>
+            <a:endParaRPr lang="en-US" sz="2800" dirty="0"/>
+          </a:p>
+        </p:txBody>
+      </p:sp>
+      <p:sp>
+        <p:nvSpPr>
+          <p:cNvPr id="5" name="文本框 4">
+            <a:extLst>
+              <a:ext uri="{FF2B5EF4-FFF2-40B4-BE49-F238E27FC236}">
+                <a16:creationId xmlns:a16="http://schemas.microsoft.com/office/drawing/2014/main" id="{99AD23E2-6534-EDB2-B66F-D50DD5D75115}"/>
+              </a:ext>
+            </a:extLst>
+          </p:cNvPr>
+          <p:cNvSpPr txBox="1"/>
+          <p:nvPr/>
+        </p:nvSpPr>
+        <p:spPr>
+          <a:xfrm>
+            <a:off x="5517453" y="2368475"/>
+            <a:ext cx="1272586" cy="523220"/>
+          </a:xfrm>
+          <a:prstGeom prst="rect">
+            <a:avLst/>
+          </a:prstGeom>
+          <a:noFill/>
+          <a:ln w="12700">
+            <a:solidFill>
+              <a:schemeClr val="tx1"/>
+            </a:solidFill>
+          </a:ln>
+        </p:spPr>
+        <p:txBody>
+          <a:bodyPr wrap="square" rtlCol="0">
+            <a:spAutoFit/>
+          </a:bodyPr>
+          <a:lstStyle/>
+          <a:p>
+            <a:pPr algn="ctr"/>
+            <a:r>
+              <a:rPr lang="en-US" altLang="zh-CN" sz="2800" dirty="0"/>
+              <a:t>Site 2</a:t>
+            </a:r>
+            <a:endParaRPr lang="en-US" sz="2800" dirty="0"/>
+          </a:p>
+        </p:txBody>
+      </p:sp>
+      <p:sp>
+        <p:nvSpPr>
+          <p:cNvPr id="6" name="文本框 5">
+            <a:extLst>
+              <a:ext uri="{FF2B5EF4-FFF2-40B4-BE49-F238E27FC236}">
+                <a16:creationId xmlns:a16="http://schemas.microsoft.com/office/drawing/2014/main" id="{FD4C39CB-11FB-A8A5-0217-DD4EC0F8FDB2}"/>
+              </a:ext>
+            </a:extLst>
+          </p:cNvPr>
+          <p:cNvSpPr txBox="1"/>
+          <p:nvPr/>
+        </p:nvSpPr>
+        <p:spPr>
+          <a:xfrm>
+            <a:off x="8042262" y="2368475"/>
+            <a:ext cx="1272586" cy="523220"/>
+          </a:xfrm>
+          <a:prstGeom prst="rect">
+            <a:avLst/>
+          </a:prstGeom>
+          <a:noFill/>
+          <a:ln w="12700">
+            <a:solidFill>
+              <a:schemeClr val="tx1"/>
+            </a:solidFill>
+          </a:ln>
+        </p:spPr>
+        <p:txBody>
+          <a:bodyPr wrap="square" rtlCol="0">
+            <a:spAutoFit/>
+          </a:bodyPr>
+          <a:lstStyle/>
+          <a:p>
+            <a:pPr algn="ctr"/>
+            <a:r>
+              <a:rPr lang="en-US" altLang="zh-CN" sz="2800" dirty="0"/>
+              <a:t>Site 3</a:t>
+            </a:r>
+            <a:endParaRPr lang="en-US" sz="2800" dirty="0"/>
+          </a:p>
+        </p:txBody>
+      </p:sp>
+      <p:sp>
+        <p:nvSpPr>
+          <p:cNvPr id="7" name="文本框 6">
+            <a:extLst>
+              <a:ext uri="{FF2B5EF4-FFF2-40B4-BE49-F238E27FC236}">
+                <a16:creationId xmlns:a16="http://schemas.microsoft.com/office/drawing/2014/main" id="{A7C74BFC-4B55-DFA5-B77B-3F8C7A8A8145}"/>
+              </a:ext>
+            </a:extLst>
+          </p:cNvPr>
+          <p:cNvSpPr txBox="1"/>
+          <p:nvPr/>
+        </p:nvSpPr>
+        <p:spPr>
+          <a:xfrm>
+            <a:off x="10743235" y="2368475"/>
+            <a:ext cx="1272586" cy="523220"/>
+          </a:xfrm>
+          <a:prstGeom prst="rect">
+            <a:avLst/>
+          </a:prstGeom>
+          <a:noFill/>
+          <a:ln w="12700">
+            <a:solidFill>
+              <a:schemeClr val="tx1"/>
+            </a:solidFill>
+          </a:ln>
+        </p:spPr>
+        <p:txBody>
+          <a:bodyPr wrap="square" rtlCol="0">
+            <a:spAutoFit/>
+          </a:bodyPr>
+          <a:lstStyle/>
+          <a:p>
+            <a:pPr algn="ctr"/>
+            <a:r>
+              <a:rPr lang="en-US" altLang="zh-CN" sz="2800" dirty="0"/>
+              <a:t>Site 4</a:t>
+            </a:r>
+            <a:endParaRPr lang="en-US" sz="2800" dirty="0"/>
+          </a:p>
+        </p:txBody>
+      </p:sp>
+      <p:sp>
+        <p:nvSpPr>
+          <p:cNvPr id="8" name="文本框 7">
+            <a:extLst>
+              <a:ext uri="{FF2B5EF4-FFF2-40B4-BE49-F238E27FC236}">
+                <a16:creationId xmlns:a16="http://schemas.microsoft.com/office/drawing/2014/main" id="{261C0FAD-A9F8-1349-E9FA-DF7337079945}"/>
+              </a:ext>
+            </a:extLst>
+          </p:cNvPr>
+          <p:cNvSpPr txBox="1"/>
+          <p:nvPr/>
+        </p:nvSpPr>
+        <p:spPr>
+          <a:xfrm>
+            <a:off x="13334779" y="2368475"/>
+            <a:ext cx="1272586" cy="523220"/>
+          </a:xfrm>
+          <a:prstGeom prst="rect">
+            <a:avLst/>
+          </a:prstGeom>
+          <a:noFill/>
+          <a:ln w="12700">
+            <a:solidFill>
+              <a:schemeClr val="tx1"/>
+            </a:solidFill>
+          </a:ln>
+        </p:spPr>
+        <p:txBody>
+          <a:bodyPr wrap="square" rtlCol="0">
+            <a:spAutoFit/>
+          </a:bodyPr>
+          <a:lstStyle/>
+          <a:p>
+            <a:pPr algn="ctr"/>
+            <a:r>
+              <a:rPr lang="en-US" altLang="zh-CN" sz="2800" dirty="0"/>
+              <a:t>Site 5</a:t>
+            </a:r>
+            <a:endParaRPr lang="en-US" sz="2800" dirty="0"/>
+          </a:p>
+        </p:txBody>
+      </p:sp>
+      <p:sp>
+        <p:nvSpPr>
+          <p:cNvPr id="9" name="文本框 8">
+            <a:extLst>
+              <a:ext uri="{FF2B5EF4-FFF2-40B4-BE49-F238E27FC236}">
+                <a16:creationId xmlns:a16="http://schemas.microsoft.com/office/drawing/2014/main" id="{2585E04F-FABA-800F-E2AC-C4259D35B306}"/>
+              </a:ext>
+            </a:extLst>
+          </p:cNvPr>
+          <p:cNvSpPr txBox="1"/>
+          <p:nvPr/>
+        </p:nvSpPr>
+        <p:spPr>
+          <a:xfrm>
+            <a:off x="2804272" y="2368475"/>
+            <a:ext cx="1272586" cy="523220"/>
+          </a:xfrm>
+          <a:prstGeom prst="rect">
+            <a:avLst/>
+          </a:prstGeom>
+          <a:noFill/>
+          <a:ln w="12700">
+            <a:solidFill>
+              <a:schemeClr val="tx1"/>
+            </a:solidFill>
+          </a:ln>
+        </p:spPr>
+        <p:txBody>
+          <a:bodyPr wrap="square" rtlCol="0">
+            <a:spAutoFit/>
+          </a:bodyPr>
+          <a:lstStyle/>
+          <a:p>
+            <a:pPr algn="ctr"/>
+            <a:r>
+              <a:rPr lang="en-US" altLang="zh-CN" sz="2800" dirty="0"/>
+              <a:t>Site 1</a:t>
+            </a:r>
+            <a:endParaRPr lang="en-US" sz="2800" dirty="0"/>
+          </a:p>
+        </p:txBody>
+      </p:sp>
+      <p:sp>
+        <p:nvSpPr>
+          <p:cNvPr id="10" name="椭圆 9">
+            <a:extLst>
+              <a:ext uri="{FF2B5EF4-FFF2-40B4-BE49-F238E27FC236}">
+                <a16:creationId xmlns:a16="http://schemas.microsoft.com/office/drawing/2014/main" id="{FE21D5B5-4BB6-79FA-6061-BEBC461CA14B}"/>
+              </a:ext>
+            </a:extLst>
+          </p:cNvPr>
+          <p:cNvSpPr/>
+          <p:nvPr/>
+        </p:nvSpPr>
+        <p:spPr>
+          <a:xfrm>
+            <a:off x="2267782" y="3224030"/>
+            <a:ext cx="622150" cy="742277"/>
+          </a:xfrm>
+          <a:prstGeom prst="ellipse">
+            <a:avLst/>
+          </a:prstGeom>
+          <a:noFill/>
+          <a:ln>
+            <a:solidFill>
+              <a:schemeClr val="tx1"/>
+            </a:solidFill>
+          </a:ln>
+        </p:spPr>
+        <p:style>
+          <a:lnRef idx="2">
+            <a:schemeClr val="accent1">
+              <a:shade val="15000"/>
+            </a:schemeClr>
+          </a:lnRef>
+          <a:fillRef idx="1">
+            <a:schemeClr val="accent1"/>
+          </a:fillRef>
+          <a:effectRef idx="0">
+            <a:schemeClr val="accent1"/>
+          </a:effectRef>
+          <a:fontRef idx="minor">
+            <a:schemeClr val="lt1"/>
+          </a:fontRef>
+        </p:style>
+        <p:txBody>
+          <a:bodyPr rtlCol="0" anchor="ctr"/>
+          <a:lstStyle/>
+          <a:p>
+            <a:pPr algn="ctr"/>
+            <a:endParaRPr lang="en-US"/>
+          </a:p>
+        </p:txBody>
+      </p:sp>
+      <p:sp>
+        <p:nvSpPr>
+          <p:cNvPr id="11" name="椭圆 10">
+            <a:extLst>
+              <a:ext uri="{FF2B5EF4-FFF2-40B4-BE49-F238E27FC236}">
+                <a16:creationId xmlns:a16="http://schemas.microsoft.com/office/drawing/2014/main" id="{A0A4EE01-9D32-58B3-8778-ACA07A8E96FD}"/>
+              </a:ext>
+            </a:extLst>
+          </p:cNvPr>
+          <p:cNvSpPr/>
+          <p:nvPr/>
+        </p:nvSpPr>
+        <p:spPr>
+          <a:xfrm>
+            <a:off x="3130187" y="3224030"/>
+            <a:ext cx="622150" cy="742277"/>
+          </a:xfrm>
+          <a:prstGeom prst="ellipse">
+            <a:avLst/>
+          </a:prstGeom>
+          <a:noFill/>
+          <a:ln>
+            <a:solidFill>
+              <a:schemeClr val="tx1"/>
+            </a:solidFill>
+          </a:ln>
+        </p:spPr>
+        <p:style>
+          <a:lnRef idx="2">
+            <a:schemeClr val="accent1">
+              <a:shade val="15000"/>
+            </a:schemeClr>
+          </a:lnRef>
+          <a:fillRef idx="1">
+            <a:schemeClr val="accent1"/>
+          </a:fillRef>
+          <a:effectRef idx="0">
+            <a:schemeClr val="accent1"/>
+          </a:effectRef>
+          <a:fontRef idx="minor">
+            <a:schemeClr val="lt1"/>
+          </a:fontRef>
+        </p:style>
+        <p:txBody>
+          <a:bodyPr rtlCol="0" anchor="ctr"/>
+          <a:lstStyle/>
+          <a:p>
+            <a:pPr algn="ctr"/>
+            <a:endParaRPr lang="en-US"/>
+          </a:p>
+        </p:txBody>
+      </p:sp>
+      <p:sp>
+        <p:nvSpPr>
+          <p:cNvPr id="12" name="椭圆 11">
+            <a:extLst>
+              <a:ext uri="{FF2B5EF4-FFF2-40B4-BE49-F238E27FC236}">
+                <a16:creationId xmlns:a16="http://schemas.microsoft.com/office/drawing/2014/main" id="{43DE2C0B-5C74-3A97-914D-FDFA173ACAD3}"/>
+              </a:ext>
+            </a:extLst>
+          </p:cNvPr>
+          <p:cNvSpPr/>
+          <p:nvPr/>
+        </p:nvSpPr>
+        <p:spPr>
+          <a:xfrm>
+            <a:off x="4006734" y="3224030"/>
+            <a:ext cx="622150" cy="742277"/>
+          </a:xfrm>
+          <a:prstGeom prst="ellipse">
+            <a:avLst/>
+          </a:prstGeom>
+          <a:noFill/>
+          <a:ln>
+            <a:solidFill>
+              <a:schemeClr val="tx1"/>
+            </a:solidFill>
+          </a:ln>
+        </p:spPr>
+        <p:style>
+          <a:lnRef idx="2">
+            <a:schemeClr val="accent1">
+              <a:shade val="15000"/>
+            </a:schemeClr>
+          </a:lnRef>
+          <a:fillRef idx="1">
+            <a:schemeClr val="accent1"/>
+          </a:fillRef>
+          <a:effectRef idx="0">
+            <a:schemeClr val="accent1"/>
+          </a:effectRef>
+          <a:fontRef idx="minor">
+            <a:schemeClr val="lt1"/>
+          </a:fontRef>
+        </p:style>
+        <p:txBody>
+          <a:bodyPr rtlCol="0" anchor="ctr"/>
+          <a:lstStyle/>
+          <a:p>
+            <a:pPr algn="ctr"/>
+            <a:endParaRPr lang="en-US"/>
+          </a:p>
+        </p:txBody>
+      </p:sp>
+      <mc:AlternateContent xmlns:mc="http://schemas.openxmlformats.org/markup-compatibility/2006" xmlns:a14="http://schemas.microsoft.com/office/drawing/2010/main">
+        <mc:Choice Requires="a14">
+          <p:sp>
+            <p:nvSpPr>
+              <p:cNvPr id="2" name="文本框 1">
+                <a:extLst>
+                  <a:ext uri="{FF2B5EF4-FFF2-40B4-BE49-F238E27FC236}">
+                    <a16:creationId xmlns:a16="http://schemas.microsoft.com/office/drawing/2014/main" id="{06C8BACC-CFF1-0F4E-7E56-64DE9956219C}"/>
+                  </a:ext>
+                </a:extLst>
+              </p:cNvPr>
+              <p:cNvSpPr txBox="1"/>
+              <p:nvPr/>
+            </p:nvSpPr>
+            <p:spPr>
+              <a:xfrm>
+                <a:off x="2289496" y="3380022"/>
+                <a:ext cx="542894" cy="369332"/>
+              </a:xfrm>
+              <a:prstGeom prst="rect">
+                <a:avLst/>
+              </a:prstGeom>
+              <a:noFill/>
+            </p:spPr>
+            <p:txBody>
+              <a:bodyPr wrap="square" rtlCol="0">
+                <a:spAutoFit/>
+              </a:bodyPr>
+              <a:lstStyle/>
+              <a:p>
+                <a:pPr/>
+                <a14:m>
+                  <m:oMathPara xmlns:m="http://schemas.openxmlformats.org/officeDocument/2006/math">
+                    <m:oMathParaPr>
+                      <m:jc m:val="centerGroup"/>
+                    </m:oMathParaPr>
+                    <m:oMath xmlns:m="http://schemas.openxmlformats.org/officeDocument/2006/math">
+                      <m:sSub>
+                        <m:sSubPr>
+                          <m:ctrlPr>
+                            <a:rPr lang="en-US" b="1" i="1" smtClean="0">
+                              <a:latin typeface="Cambria Math" panose="02040503050406030204" pitchFamily="18" charset="0"/>
+                              <a:ea typeface="Cambria Math" panose="02040503050406030204" pitchFamily="18" charset="0"/>
+                            </a:rPr>
+                          </m:ctrlPr>
+                        </m:sSubPr>
+                        <m:e>
+                          <m:r>
+                            <a:rPr lang="en-US" altLang="zh-CN" b="1" i="0" smtClean="0">
+                              <a:latin typeface="Cambria Math" panose="02040503050406030204" pitchFamily="18" charset="0"/>
+                              <a:ea typeface="Cambria Math" panose="02040503050406030204" pitchFamily="18" charset="0"/>
+                            </a:rPr>
+                            <m:t>𝐘</m:t>
+                          </m:r>
+                        </m:e>
+                        <m:sub>
+                          <m:r>
+                            <a:rPr lang="en-US" altLang="zh-CN" b="1" i="0" smtClean="0">
+                              <a:latin typeface="Cambria Math" panose="02040503050406030204" pitchFamily="18" charset="0"/>
+                              <a:ea typeface="Cambria Math" panose="02040503050406030204" pitchFamily="18" charset="0"/>
+                            </a:rPr>
+                            <m:t>𝟏𝟏</m:t>
+                          </m:r>
+                        </m:sub>
+                      </m:sSub>
+                    </m:oMath>
+                  </m:oMathPara>
+                </a14:m>
+                <a:endParaRPr lang="en-US" b="1" dirty="0">
+                  <a:latin typeface="Times New Roman" panose="02020603050405020304" pitchFamily="18" charset="0"/>
+                  <a:cs typeface="Times New Roman" panose="02020603050405020304" pitchFamily="18" charset="0"/>
+                </a:endParaRPr>
+              </a:p>
+            </p:txBody>
+          </p:sp>
+        </mc:Choice>
+        <mc:Fallback xmlns="">
+          <p:sp>
+            <p:nvSpPr>
+              <p:cNvPr id="2" name="文本框 1">
+                <a:extLst>
+                  <a:ext uri="{FF2B5EF4-FFF2-40B4-BE49-F238E27FC236}">
+                    <a16:creationId xmlns:a16="http://schemas.microsoft.com/office/drawing/2014/main" id="{06C8BACC-CFF1-0F4E-7E56-64DE9956219C}"/>
+                  </a:ext>
+                </a:extLst>
+              </p:cNvPr>
+              <p:cNvSpPr txBox="1">
+                <a:spLocks noRot="1" noChangeAspect="1" noMove="1" noResize="1" noEditPoints="1" noAdjustHandles="1" noChangeArrowheads="1" noChangeShapeType="1" noTextEdit="1"/>
+              </p:cNvSpPr>
+              <p:nvPr/>
+            </p:nvSpPr>
+            <p:spPr>
+              <a:xfrm>
+                <a:off x="2289496" y="3380022"/>
+                <a:ext cx="542894" cy="369332"/>
+              </a:xfrm>
+              <a:prstGeom prst="rect">
+                <a:avLst/>
+              </a:prstGeom>
+              <a:blipFill>
+                <a:blip r:embed="rId2"/>
+                <a:stretch>
+                  <a:fillRect b="-1639"/>
+                </a:stretch>
+              </a:blipFill>
+            </p:spPr>
+            <p:txBody>
+              <a:bodyPr/>
+              <a:lstStyle/>
+              <a:p>
+                <a:r>
+                  <a:rPr lang="en-US">
+                    <a:noFill/>
+                  </a:rPr>
+                  <a:t> </a:t>
+                </a:r>
+              </a:p>
+            </p:txBody>
+          </p:sp>
+        </mc:Fallback>
+      </mc:AlternateContent>
+      <mc:AlternateContent xmlns:mc="http://schemas.openxmlformats.org/markup-compatibility/2006" xmlns:a14="http://schemas.microsoft.com/office/drawing/2010/main">
+        <mc:Choice Requires="a14">
+          <p:sp>
+            <p:nvSpPr>
+              <p:cNvPr id="3" name="文本框 2">
+                <a:extLst>
+                  <a:ext uri="{FF2B5EF4-FFF2-40B4-BE49-F238E27FC236}">
+                    <a16:creationId xmlns:a16="http://schemas.microsoft.com/office/drawing/2014/main" id="{D3552E7A-5358-3C5C-67BA-635363B88E0E}"/>
+                  </a:ext>
+                </a:extLst>
+              </p:cNvPr>
+              <p:cNvSpPr txBox="1"/>
+              <p:nvPr/>
+            </p:nvSpPr>
+            <p:spPr>
+              <a:xfrm>
+                <a:off x="3169120" y="3380022"/>
+                <a:ext cx="542894" cy="369332"/>
+              </a:xfrm>
+              <a:prstGeom prst="rect">
+                <a:avLst/>
+              </a:prstGeom>
+              <a:noFill/>
+            </p:spPr>
+            <p:txBody>
+              <a:bodyPr wrap="square" rtlCol="0">
+                <a:spAutoFit/>
+              </a:bodyPr>
+              <a:lstStyle/>
+              <a:p>
+                <a:pPr/>
+                <a14:m>
+                  <m:oMathPara xmlns:m="http://schemas.openxmlformats.org/officeDocument/2006/math">
+                    <m:oMathParaPr>
+                      <m:jc m:val="centerGroup"/>
+                    </m:oMathParaPr>
+                    <m:oMath xmlns:m="http://schemas.openxmlformats.org/officeDocument/2006/math">
+                      <m:sSub>
+                        <m:sSubPr>
+                          <m:ctrlPr>
+                            <a:rPr lang="en-US" b="1" i="1" smtClean="0">
+                              <a:latin typeface="Cambria Math" panose="02040503050406030204" pitchFamily="18" charset="0"/>
+                              <a:ea typeface="Cambria Math" panose="02040503050406030204" pitchFamily="18" charset="0"/>
+                            </a:rPr>
+                          </m:ctrlPr>
+                        </m:sSubPr>
+                        <m:e>
+                          <m:r>
+                            <a:rPr lang="en-US" altLang="zh-CN" b="1" i="0" smtClean="0">
+                              <a:latin typeface="Cambria Math" panose="02040503050406030204" pitchFamily="18" charset="0"/>
+                              <a:ea typeface="Cambria Math" panose="02040503050406030204" pitchFamily="18" charset="0"/>
+                            </a:rPr>
+                            <m:t>𝐘</m:t>
+                          </m:r>
+                        </m:e>
+                        <m:sub>
+                          <m:r>
+                            <a:rPr lang="en-US" altLang="zh-CN" b="1" i="0" smtClean="0">
+                              <a:latin typeface="Cambria Math" panose="02040503050406030204" pitchFamily="18" charset="0"/>
+                              <a:ea typeface="Cambria Math" panose="02040503050406030204" pitchFamily="18" charset="0"/>
+                            </a:rPr>
+                            <m:t>𝟐𝟏</m:t>
+                          </m:r>
+                        </m:sub>
+                      </m:sSub>
+                    </m:oMath>
+                  </m:oMathPara>
+                </a14:m>
+                <a:endParaRPr lang="en-US" b="1" dirty="0">
+                  <a:latin typeface="Times New Roman" panose="02020603050405020304" pitchFamily="18" charset="0"/>
+                  <a:cs typeface="Times New Roman" panose="02020603050405020304" pitchFamily="18" charset="0"/>
+                </a:endParaRPr>
+              </a:p>
+            </p:txBody>
+          </p:sp>
+        </mc:Choice>
+        <mc:Fallback xmlns="">
+          <p:sp>
+            <p:nvSpPr>
+              <p:cNvPr id="3" name="文本框 2">
+                <a:extLst>
+                  <a:ext uri="{FF2B5EF4-FFF2-40B4-BE49-F238E27FC236}">
+                    <a16:creationId xmlns:a16="http://schemas.microsoft.com/office/drawing/2014/main" id="{D3552E7A-5358-3C5C-67BA-635363B88E0E}"/>
+                  </a:ext>
+                </a:extLst>
+              </p:cNvPr>
+              <p:cNvSpPr txBox="1">
+                <a:spLocks noRot="1" noChangeAspect="1" noMove="1" noResize="1" noEditPoints="1" noAdjustHandles="1" noChangeArrowheads="1" noChangeShapeType="1" noTextEdit="1"/>
+              </p:cNvSpPr>
+              <p:nvPr/>
+            </p:nvSpPr>
+            <p:spPr>
+              <a:xfrm>
+                <a:off x="3169120" y="3380022"/>
+                <a:ext cx="542894" cy="369332"/>
+              </a:xfrm>
+              <a:prstGeom prst="rect">
+                <a:avLst/>
+              </a:prstGeom>
+              <a:blipFill>
+                <a:blip r:embed="rId3"/>
+                <a:stretch>
+                  <a:fillRect b="-1639"/>
+                </a:stretch>
+              </a:blipFill>
+            </p:spPr>
+            <p:txBody>
+              <a:bodyPr/>
+              <a:lstStyle/>
+              <a:p>
+                <a:r>
+                  <a:rPr lang="en-US">
+                    <a:noFill/>
+                  </a:rPr>
+                  <a:t> </a:t>
+                </a:r>
+              </a:p>
+            </p:txBody>
+          </p:sp>
+        </mc:Fallback>
+      </mc:AlternateContent>
+      <mc:AlternateContent xmlns:mc="http://schemas.openxmlformats.org/markup-compatibility/2006" xmlns:a14="http://schemas.microsoft.com/office/drawing/2010/main">
+        <mc:Choice Requires="a14">
+          <p:sp>
+            <p:nvSpPr>
+              <p:cNvPr id="13" name="文本框 12">
+                <a:extLst>
+                  <a:ext uri="{FF2B5EF4-FFF2-40B4-BE49-F238E27FC236}">
+                    <a16:creationId xmlns:a16="http://schemas.microsoft.com/office/drawing/2014/main" id="{DF8907FF-2A21-E72D-5263-65B69AC78003}"/>
+                  </a:ext>
+                </a:extLst>
+              </p:cNvPr>
+              <p:cNvSpPr txBox="1"/>
+              <p:nvPr/>
+            </p:nvSpPr>
+            <p:spPr>
+              <a:xfrm>
+                <a:off x="4055339" y="3380022"/>
+                <a:ext cx="542894" cy="381515"/>
+              </a:xfrm>
+              <a:prstGeom prst="rect">
+                <a:avLst/>
+              </a:prstGeom>
+              <a:noFill/>
+            </p:spPr>
+            <p:txBody>
+              <a:bodyPr wrap="square" rtlCol="0">
+                <a:spAutoFit/>
+              </a:bodyPr>
+              <a:lstStyle/>
+              <a:p>
+                <a:pPr/>
+                <a14:m>
+                  <m:oMathPara xmlns:m="http://schemas.openxmlformats.org/officeDocument/2006/math">
+                    <m:oMathParaPr>
+                      <m:jc m:val="centerGroup"/>
+                    </m:oMathParaPr>
+                    <m:oMath xmlns:m="http://schemas.openxmlformats.org/officeDocument/2006/math">
+                      <m:sSub>
+                        <m:sSubPr>
+                          <m:ctrlPr>
+                            <a:rPr lang="en-US" b="1" i="1" smtClean="0">
+                              <a:latin typeface="Cambria Math" panose="02040503050406030204" pitchFamily="18" charset="0"/>
+                              <a:ea typeface="Cambria Math" panose="02040503050406030204" pitchFamily="18" charset="0"/>
+                            </a:rPr>
+                          </m:ctrlPr>
+                        </m:sSubPr>
+                        <m:e>
+                          <m:r>
+                            <a:rPr lang="en-US" altLang="zh-CN" b="1" i="0" smtClean="0">
+                              <a:latin typeface="Cambria Math" panose="02040503050406030204" pitchFamily="18" charset="0"/>
+                              <a:ea typeface="Cambria Math" panose="02040503050406030204" pitchFamily="18" charset="0"/>
+                            </a:rPr>
+                            <m:t>𝐘</m:t>
+                          </m:r>
+                        </m:e>
+                        <m:sub>
+                          <m:r>
+                            <a:rPr lang="en-US" altLang="zh-CN" b="1" i="0" smtClean="0">
+                              <a:latin typeface="Cambria Math" panose="02040503050406030204" pitchFamily="18" charset="0"/>
+                              <a:ea typeface="Cambria Math" panose="02040503050406030204" pitchFamily="18" charset="0"/>
+                            </a:rPr>
+                            <m:t>𝐧</m:t>
+                          </m:r>
+                          <m:r>
+                            <a:rPr lang="en-US" altLang="zh-CN" b="1" i="0" smtClean="0">
+                              <a:latin typeface="Cambria Math" panose="02040503050406030204" pitchFamily="18" charset="0"/>
+                              <a:ea typeface="Cambria Math" panose="02040503050406030204" pitchFamily="18" charset="0"/>
+                            </a:rPr>
+                            <m:t>,</m:t>
+                          </m:r>
+                          <m:r>
+                            <a:rPr lang="en-US" altLang="zh-CN" b="1" i="0" smtClean="0">
+                              <a:latin typeface="Cambria Math" panose="02040503050406030204" pitchFamily="18" charset="0"/>
+                              <a:ea typeface="Cambria Math" panose="02040503050406030204" pitchFamily="18" charset="0"/>
+                            </a:rPr>
+                            <m:t>𝟏</m:t>
+                          </m:r>
+                        </m:sub>
+                      </m:sSub>
+                    </m:oMath>
+                  </m:oMathPara>
+                </a14:m>
+                <a:endParaRPr lang="en-US" b="1" dirty="0">
+                  <a:latin typeface="Times New Roman" panose="02020603050405020304" pitchFamily="18" charset="0"/>
+                  <a:cs typeface="Times New Roman" panose="02020603050405020304" pitchFamily="18" charset="0"/>
+                </a:endParaRPr>
+              </a:p>
+            </p:txBody>
+          </p:sp>
+        </mc:Choice>
+        <mc:Fallback xmlns="">
+          <p:sp>
+            <p:nvSpPr>
+              <p:cNvPr id="13" name="文本框 12">
+                <a:extLst>
+                  <a:ext uri="{FF2B5EF4-FFF2-40B4-BE49-F238E27FC236}">
+                    <a16:creationId xmlns:a16="http://schemas.microsoft.com/office/drawing/2014/main" id="{DF8907FF-2A21-E72D-5263-65B69AC78003}"/>
+                  </a:ext>
+                </a:extLst>
+              </p:cNvPr>
+              <p:cNvSpPr txBox="1">
+                <a:spLocks noRot="1" noChangeAspect="1" noMove="1" noResize="1" noEditPoints="1" noAdjustHandles="1" noChangeArrowheads="1" noChangeShapeType="1" noTextEdit="1"/>
+              </p:cNvSpPr>
+              <p:nvPr/>
+            </p:nvSpPr>
+            <p:spPr>
+              <a:xfrm>
+                <a:off x="4055339" y="3380022"/>
+                <a:ext cx="542894" cy="381515"/>
+              </a:xfrm>
+              <a:prstGeom prst="rect">
+                <a:avLst/>
+              </a:prstGeom>
+              <a:blipFill>
+                <a:blip r:embed="rId4"/>
+                <a:stretch>
+                  <a:fillRect/>
+                </a:stretch>
+              </a:blipFill>
+            </p:spPr>
+            <p:txBody>
+              <a:bodyPr/>
+              <a:lstStyle/>
+              <a:p>
+                <a:r>
+                  <a:rPr lang="en-US">
+                    <a:noFill/>
+                  </a:rPr>
+                  <a:t> </a:t>
+                </a:r>
+              </a:p>
+            </p:txBody>
+          </p:sp>
+        </mc:Fallback>
+      </mc:AlternateContent>
+      <p:sp>
+        <p:nvSpPr>
+          <p:cNvPr id="32" name="椭圆 31">
+            <a:extLst>
+              <a:ext uri="{FF2B5EF4-FFF2-40B4-BE49-F238E27FC236}">
+                <a16:creationId xmlns:a16="http://schemas.microsoft.com/office/drawing/2014/main" id="{AF040E9B-0DB7-7A7A-46BF-FB56DEE00E41}"/>
+              </a:ext>
+            </a:extLst>
+          </p:cNvPr>
+          <p:cNvSpPr/>
+          <p:nvPr/>
+        </p:nvSpPr>
+        <p:spPr>
+          <a:xfrm>
+            <a:off x="4928928" y="3224030"/>
+            <a:ext cx="622150" cy="742277"/>
+          </a:xfrm>
+          <a:prstGeom prst="ellipse">
+            <a:avLst/>
+          </a:prstGeom>
+          <a:noFill/>
+          <a:ln>
+            <a:solidFill>
+              <a:schemeClr val="tx1"/>
+            </a:solidFill>
+          </a:ln>
+        </p:spPr>
+        <p:style>
+          <a:lnRef idx="2">
+            <a:schemeClr val="accent1">
+              <a:shade val="15000"/>
+            </a:schemeClr>
+          </a:lnRef>
+          <a:fillRef idx="1">
+            <a:schemeClr val="accent1"/>
+          </a:fillRef>
+          <a:effectRef idx="0">
+            <a:schemeClr val="accent1"/>
+          </a:effectRef>
+          <a:fontRef idx="minor">
+            <a:schemeClr val="lt1"/>
+          </a:fontRef>
+        </p:style>
+        <p:txBody>
+          <a:bodyPr rtlCol="0" anchor="ctr"/>
+          <a:lstStyle/>
+          <a:p>
+            <a:pPr algn="ctr"/>
+            <a:endParaRPr lang="en-US"/>
+          </a:p>
+        </p:txBody>
+      </p:sp>
+      <p:sp>
+        <p:nvSpPr>
+          <p:cNvPr id="33" name="椭圆 32">
+            <a:extLst>
+              <a:ext uri="{FF2B5EF4-FFF2-40B4-BE49-F238E27FC236}">
+                <a16:creationId xmlns:a16="http://schemas.microsoft.com/office/drawing/2014/main" id="{6215946F-F72A-9B5E-1A58-1527DEA71E9B}"/>
+              </a:ext>
+            </a:extLst>
+          </p:cNvPr>
+          <p:cNvSpPr/>
+          <p:nvPr/>
+        </p:nvSpPr>
+        <p:spPr>
+          <a:xfrm>
+            <a:off x="5791333" y="3224030"/>
+            <a:ext cx="622150" cy="742277"/>
+          </a:xfrm>
+          <a:prstGeom prst="ellipse">
+            <a:avLst/>
+          </a:prstGeom>
+          <a:noFill/>
+          <a:ln>
+            <a:solidFill>
+              <a:schemeClr val="tx1"/>
+            </a:solidFill>
+          </a:ln>
+        </p:spPr>
+        <p:style>
+          <a:lnRef idx="2">
+            <a:schemeClr val="accent1">
+              <a:shade val="15000"/>
+            </a:schemeClr>
+          </a:lnRef>
+          <a:fillRef idx="1">
+            <a:schemeClr val="accent1"/>
+          </a:fillRef>
+          <a:effectRef idx="0">
+            <a:schemeClr val="accent1"/>
+          </a:effectRef>
+          <a:fontRef idx="minor">
+            <a:schemeClr val="lt1"/>
+          </a:fontRef>
+        </p:style>
+        <p:txBody>
+          <a:bodyPr rtlCol="0" anchor="ctr"/>
+          <a:lstStyle/>
+          <a:p>
+            <a:pPr algn="ctr"/>
+            <a:endParaRPr lang="en-US"/>
+          </a:p>
+        </p:txBody>
+      </p:sp>
+      <p:sp>
+        <p:nvSpPr>
+          <p:cNvPr id="34" name="椭圆 33">
+            <a:extLst>
+              <a:ext uri="{FF2B5EF4-FFF2-40B4-BE49-F238E27FC236}">
+                <a16:creationId xmlns:a16="http://schemas.microsoft.com/office/drawing/2014/main" id="{B0FC1920-0A21-0746-F83D-0E0F8F7853DB}"/>
+              </a:ext>
+            </a:extLst>
+          </p:cNvPr>
+          <p:cNvSpPr/>
+          <p:nvPr/>
+        </p:nvSpPr>
+        <p:spPr>
+          <a:xfrm>
+            <a:off x="6667880" y="3224030"/>
+            <a:ext cx="622150" cy="742277"/>
+          </a:xfrm>
+          <a:prstGeom prst="ellipse">
+            <a:avLst/>
+          </a:prstGeom>
+          <a:noFill/>
+          <a:ln>
+            <a:solidFill>
+              <a:schemeClr val="tx1"/>
+            </a:solidFill>
+          </a:ln>
+        </p:spPr>
+        <p:style>
+          <a:lnRef idx="2">
+            <a:schemeClr val="accent1">
+              <a:shade val="15000"/>
+            </a:schemeClr>
+          </a:lnRef>
+          <a:fillRef idx="1">
+            <a:schemeClr val="accent1"/>
+          </a:fillRef>
+          <a:effectRef idx="0">
+            <a:schemeClr val="accent1"/>
+          </a:effectRef>
+          <a:fontRef idx="minor">
+            <a:schemeClr val="lt1"/>
+          </a:fontRef>
+        </p:style>
+        <p:txBody>
+          <a:bodyPr rtlCol="0" anchor="ctr"/>
+          <a:lstStyle/>
+          <a:p>
+            <a:pPr algn="ctr"/>
+            <a:endParaRPr lang="en-US"/>
+          </a:p>
+        </p:txBody>
+      </p:sp>
+      <mc:AlternateContent xmlns:mc="http://schemas.openxmlformats.org/markup-compatibility/2006" xmlns:a14="http://schemas.microsoft.com/office/drawing/2010/main">
+        <mc:Choice Requires="a14">
+          <p:sp>
+            <p:nvSpPr>
+              <p:cNvPr id="35" name="文本框 34">
+                <a:extLst>
+                  <a:ext uri="{FF2B5EF4-FFF2-40B4-BE49-F238E27FC236}">
+                    <a16:creationId xmlns:a16="http://schemas.microsoft.com/office/drawing/2014/main" id="{28C83437-C1C3-A777-D133-2DB6A84C8D21}"/>
+                  </a:ext>
+                </a:extLst>
+              </p:cNvPr>
+              <p:cNvSpPr txBox="1"/>
+              <p:nvPr/>
+            </p:nvSpPr>
+            <p:spPr>
+              <a:xfrm>
+                <a:off x="4950642" y="3380022"/>
+                <a:ext cx="542894" cy="369332"/>
+              </a:xfrm>
+              <a:prstGeom prst="rect">
+                <a:avLst/>
+              </a:prstGeom>
+              <a:noFill/>
+            </p:spPr>
+            <p:txBody>
+              <a:bodyPr wrap="square" rtlCol="0">
+                <a:spAutoFit/>
+              </a:bodyPr>
+              <a:lstStyle/>
+              <a:p>
+                <a:pPr/>
+                <a14:m>
+                  <m:oMathPara xmlns:m="http://schemas.openxmlformats.org/officeDocument/2006/math">
+                    <m:oMathParaPr>
+                      <m:jc m:val="centerGroup"/>
+                    </m:oMathParaPr>
+                    <m:oMath xmlns:m="http://schemas.openxmlformats.org/officeDocument/2006/math">
+                      <m:sSub>
+                        <m:sSubPr>
+                          <m:ctrlPr>
+                            <a:rPr lang="en-US" b="1" i="1" smtClean="0">
+                              <a:latin typeface="Cambria Math" panose="02040503050406030204" pitchFamily="18" charset="0"/>
+                              <a:ea typeface="Cambria Math" panose="02040503050406030204" pitchFamily="18" charset="0"/>
+                            </a:rPr>
+                          </m:ctrlPr>
+                        </m:sSubPr>
+                        <m:e>
+                          <m:r>
+                            <a:rPr lang="en-US" altLang="zh-CN" b="1" i="0" smtClean="0">
+                              <a:latin typeface="Cambria Math" panose="02040503050406030204" pitchFamily="18" charset="0"/>
+                              <a:ea typeface="Cambria Math" panose="02040503050406030204" pitchFamily="18" charset="0"/>
+                            </a:rPr>
+                            <m:t>𝐘</m:t>
+                          </m:r>
+                        </m:e>
+                        <m:sub>
+                          <m:r>
+                            <a:rPr lang="en-US" altLang="zh-CN" b="1" i="0" smtClean="0">
+                              <a:latin typeface="Cambria Math" panose="02040503050406030204" pitchFamily="18" charset="0"/>
+                              <a:ea typeface="Cambria Math" panose="02040503050406030204" pitchFamily="18" charset="0"/>
+                            </a:rPr>
+                            <m:t>𝟏𝟐</m:t>
+                          </m:r>
+                        </m:sub>
+                      </m:sSub>
+                    </m:oMath>
+                  </m:oMathPara>
+                </a14:m>
+                <a:endParaRPr lang="en-US" b="1" dirty="0">
+                  <a:latin typeface="Times New Roman" panose="02020603050405020304" pitchFamily="18" charset="0"/>
+                  <a:cs typeface="Times New Roman" panose="02020603050405020304" pitchFamily="18" charset="0"/>
+                </a:endParaRPr>
+              </a:p>
+            </p:txBody>
+          </p:sp>
+        </mc:Choice>
+        <mc:Fallback xmlns="">
+          <p:sp>
+            <p:nvSpPr>
+              <p:cNvPr id="35" name="文本框 34">
+                <a:extLst>
+                  <a:ext uri="{FF2B5EF4-FFF2-40B4-BE49-F238E27FC236}">
+                    <a16:creationId xmlns:a16="http://schemas.microsoft.com/office/drawing/2014/main" id="{28C83437-C1C3-A777-D133-2DB6A84C8D21}"/>
+                  </a:ext>
+                </a:extLst>
+              </p:cNvPr>
+              <p:cNvSpPr txBox="1">
+                <a:spLocks noRot="1" noChangeAspect="1" noMove="1" noResize="1" noEditPoints="1" noAdjustHandles="1" noChangeArrowheads="1" noChangeShapeType="1" noTextEdit="1"/>
+              </p:cNvSpPr>
+              <p:nvPr/>
+            </p:nvSpPr>
+            <p:spPr>
+              <a:xfrm>
+                <a:off x="4950642" y="3380022"/>
+                <a:ext cx="542894" cy="369332"/>
+              </a:xfrm>
+              <a:prstGeom prst="rect">
+                <a:avLst/>
+              </a:prstGeom>
+              <a:blipFill>
+                <a:blip r:embed="rId5"/>
+                <a:stretch>
+                  <a:fillRect b="-1639"/>
+                </a:stretch>
+              </a:blipFill>
+            </p:spPr>
+            <p:txBody>
+              <a:bodyPr/>
+              <a:lstStyle/>
+              <a:p>
+                <a:r>
+                  <a:rPr lang="en-US">
+                    <a:noFill/>
+                  </a:rPr>
+                  <a:t> </a:t>
+                </a:r>
+              </a:p>
+            </p:txBody>
+          </p:sp>
+        </mc:Fallback>
+      </mc:AlternateContent>
+      <mc:AlternateContent xmlns:mc="http://schemas.openxmlformats.org/markup-compatibility/2006" xmlns:a14="http://schemas.microsoft.com/office/drawing/2010/main">
+        <mc:Choice Requires="a14">
+          <p:sp>
+            <p:nvSpPr>
+              <p:cNvPr id="36" name="文本框 35">
+                <a:extLst>
+                  <a:ext uri="{FF2B5EF4-FFF2-40B4-BE49-F238E27FC236}">
+                    <a16:creationId xmlns:a16="http://schemas.microsoft.com/office/drawing/2014/main" id="{5174C015-F9C4-71DE-4FBA-F1A97B5DA011}"/>
+                  </a:ext>
+                </a:extLst>
+              </p:cNvPr>
+              <p:cNvSpPr txBox="1"/>
+              <p:nvPr/>
+            </p:nvSpPr>
+            <p:spPr>
+              <a:xfrm>
+                <a:off x="5830266" y="3380022"/>
+                <a:ext cx="542894" cy="369332"/>
+              </a:xfrm>
+              <a:prstGeom prst="rect">
+                <a:avLst/>
+              </a:prstGeom>
+              <a:noFill/>
+            </p:spPr>
+            <p:txBody>
+              <a:bodyPr wrap="square" rtlCol="0">
+                <a:spAutoFit/>
+              </a:bodyPr>
+              <a:lstStyle/>
+              <a:p>
+                <a:pPr/>
+                <a14:m>
+                  <m:oMathPara xmlns:m="http://schemas.openxmlformats.org/officeDocument/2006/math">
+                    <m:oMathParaPr>
+                      <m:jc m:val="centerGroup"/>
+                    </m:oMathParaPr>
+                    <m:oMath xmlns:m="http://schemas.openxmlformats.org/officeDocument/2006/math">
+                      <m:sSub>
+                        <m:sSubPr>
+                          <m:ctrlPr>
+                            <a:rPr lang="en-US" b="1" i="1" smtClean="0">
+                              <a:latin typeface="Cambria Math" panose="02040503050406030204" pitchFamily="18" charset="0"/>
+                              <a:ea typeface="Cambria Math" panose="02040503050406030204" pitchFamily="18" charset="0"/>
+                            </a:rPr>
+                          </m:ctrlPr>
+                        </m:sSubPr>
+                        <m:e>
+                          <m:r>
+                            <a:rPr lang="en-US" altLang="zh-CN" b="1" i="0" smtClean="0">
+                              <a:latin typeface="Cambria Math" panose="02040503050406030204" pitchFamily="18" charset="0"/>
+                              <a:ea typeface="Cambria Math" panose="02040503050406030204" pitchFamily="18" charset="0"/>
+                            </a:rPr>
+                            <m:t>𝐘</m:t>
+                          </m:r>
+                        </m:e>
+                        <m:sub>
+                          <m:r>
+                            <a:rPr lang="en-US" altLang="zh-CN" b="1" i="0" smtClean="0">
+                              <a:latin typeface="Cambria Math" panose="02040503050406030204" pitchFamily="18" charset="0"/>
+                              <a:ea typeface="Cambria Math" panose="02040503050406030204" pitchFamily="18" charset="0"/>
+                            </a:rPr>
+                            <m:t>𝟐𝟐</m:t>
+                          </m:r>
+                        </m:sub>
+                      </m:sSub>
+                    </m:oMath>
+                  </m:oMathPara>
+                </a14:m>
+                <a:endParaRPr lang="en-US" b="1" dirty="0">
+                  <a:latin typeface="Times New Roman" panose="02020603050405020304" pitchFamily="18" charset="0"/>
+                  <a:cs typeface="Times New Roman" panose="02020603050405020304" pitchFamily="18" charset="0"/>
+                </a:endParaRPr>
+              </a:p>
+            </p:txBody>
+          </p:sp>
+        </mc:Choice>
+        <mc:Fallback xmlns="">
+          <p:sp>
+            <p:nvSpPr>
+              <p:cNvPr id="36" name="文本框 35">
+                <a:extLst>
+                  <a:ext uri="{FF2B5EF4-FFF2-40B4-BE49-F238E27FC236}">
+                    <a16:creationId xmlns:a16="http://schemas.microsoft.com/office/drawing/2014/main" id="{5174C015-F9C4-71DE-4FBA-F1A97B5DA011}"/>
+                  </a:ext>
+                </a:extLst>
+              </p:cNvPr>
+              <p:cNvSpPr txBox="1">
+                <a:spLocks noRot="1" noChangeAspect="1" noMove="1" noResize="1" noEditPoints="1" noAdjustHandles="1" noChangeArrowheads="1" noChangeShapeType="1" noTextEdit="1"/>
+              </p:cNvSpPr>
+              <p:nvPr/>
+            </p:nvSpPr>
+            <p:spPr>
+              <a:xfrm>
+                <a:off x="5830266" y="3380022"/>
+                <a:ext cx="542894" cy="369332"/>
+              </a:xfrm>
+              <a:prstGeom prst="rect">
+                <a:avLst/>
+              </a:prstGeom>
+              <a:blipFill>
+                <a:blip r:embed="rId6"/>
+                <a:stretch>
+                  <a:fillRect b="-1639"/>
+                </a:stretch>
+              </a:blipFill>
+            </p:spPr>
+            <p:txBody>
+              <a:bodyPr/>
+              <a:lstStyle/>
+              <a:p>
+                <a:r>
+                  <a:rPr lang="en-US">
+                    <a:noFill/>
+                  </a:rPr>
+                  <a:t> </a:t>
+                </a:r>
+              </a:p>
+            </p:txBody>
+          </p:sp>
+        </mc:Fallback>
+      </mc:AlternateContent>
+      <mc:AlternateContent xmlns:mc="http://schemas.openxmlformats.org/markup-compatibility/2006" xmlns:a14="http://schemas.microsoft.com/office/drawing/2010/main">
+        <mc:Choice Requires="a14">
+          <p:sp>
+            <p:nvSpPr>
+              <p:cNvPr id="37" name="文本框 36">
+                <a:extLst>
+                  <a:ext uri="{FF2B5EF4-FFF2-40B4-BE49-F238E27FC236}">
+                    <a16:creationId xmlns:a16="http://schemas.microsoft.com/office/drawing/2014/main" id="{836FDB6E-E9AE-E611-7F05-B06F2079E50C}"/>
+                  </a:ext>
+                </a:extLst>
+              </p:cNvPr>
+              <p:cNvSpPr txBox="1"/>
+              <p:nvPr/>
+            </p:nvSpPr>
+            <p:spPr>
+              <a:xfrm>
+                <a:off x="6716485" y="3380022"/>
+                <a:ext cx="542894" cy="381515"/>
+              </a:xfrm>
+              <a:prstGeom prst="rect">
+                <a:avLst/>
+              </a:prstGeom>
+              <a:noFill/>
+            </p:spPr>
+            <p:txBody>
+              <a:bodyPr wrap="square" rtlCol="0">
+                <a:spAutoFit/>
+              </a:bodyPr>
+              <a:lstStyle/>
+              <a:p>
+                <a:pPr/>
+                <a14:m>
+                  <m:oMathPara xmlns:m="http://schemas.openxmlformats.org/officeDocument/2006/math">
+                    <m:oMathParaPr>
+                      <m:jc m:val="centerGroup"/>
+                    </m:oMathParaPr>
+                    <m:oMath xmlns:m="http://schemas.openxmlformats.org/officeDocument/2006/math">
+                      <m:sSub>
+                        <m:sSubPr>
+                          <m:ctrlPr>
+                            <a:rPr lang="en-US" b="1" i="1" smtClean="0">
+                              <a:latin typeface="Cambria Math" panose="02040503050406030204" pitchFamily="18" charset="0"/>
+                              <a:ea typeface="Cambria Math" panose="02040503050406030204" pitchFamily="18" charset="0"/>
+                            </a:rPr>
+                          </m:ctrlPr>
+                        </m:sSubPr>
+                        <m:e>
+                          <m:r>
+                            <a:rPr lang="en-US" altLang="zh-CN" b="1" i="0" smtClean="0">
+                              <a:latin typeface="Cambria Math" panose="02040503050406030204" pitchFamily="18" charset="0"/>
+                              <a:ea typeface="Cambria Math" panose="02040503050406030204" pitchFamily="18" charset="0"/>
+                            </a:rPr>
+                            <m:t>𝐘</m:t>
+                          </m:r>
+                        </m:e>
+                        <m:sub>
+                          <m:r>
+                            <a:rPr lang="en-US" altLang="zh-CN" b="1" i="0" smtClean="0">
+                              <a:latin typeface="Cambria Math" panose="02040503050406030204" pitchFamily="18" charset="0"/>
+                              <a:ea typeface="Cambria Math" panose="02040503050406030204" pitchFamily="18" charset="0"/>
+                            </a:rPr>
+                            <m:t>𝐧</m:t>
+                          </m:r>
+                          <m:r>
+                            <a:rPr lang="en-US" altLang="zh-CN" b="1" i="0" smtClean="0">
+                              <a:latin typeface="Cambria Math" panose="02040503050406030204" pitchFamily="18" charset="0"/>
+                              <a:ea typeface="Cambria Math" panose="02040503050406030204" pitchFamily="18" charset="0"/>
+                            </a:rPr>
+                            <m:t>,</m:t>
+                          </m:r>
+                          <m:r>
+                            <a:rPr lang="en-US" altLang="zh-CN" b="1" i="0" smtClean="0">
+                              <a:latin typeface="Cambria Math" panose="02040503050406030204" pitchFamily="18" charset="0"/>
+                              <a:ea typeface="Cambria Math" panose="02040503050406030204" pitchFamily="18" charset="0"/>
+                            </a:rPr>
+                            <m:t>𝟐</m:t>
+                          </m:r>
+                        </m:sub>
+                      </m:sSub>
+                    </m:oMath>
+                  </m:oMathPara>
+                </a14:m>
+                <a:endParaRPr lang="en-US" b="1" dirty="0">
+                  <a:latin typeface="Times New Roman" panose="02020603050405020304" pitchFamily="18" charset="0"/>
+                  <a:cs typeface="Times New Roman" panose="02020603050405020304" pitchFamily="18" charset="0"/>
+                </a:endParaRPr>
+              </a:p>
+            </p:txBody>
+          </p:sp>
+        </mc:Choice>
+        <mc:Fallback xmlns="">
+          <p:sp>
+            <p:nvSpPr>
+              <p:cNvPr id="37" name="文本框 36">
+                <a:extLst>
+                  <a:ext uri="{FF2B5EF4-FFF2-40B4-BE49-F238E27FC236}">
+                    <a16:creationId xmlns:a16="http://schemas.microsoft.com/office/drawing/2014/main" id="{836FDB6E-E9AE-E611-7F05-B06F2079E50C}"/>
+                  </a:ext>
+                </a:extLst>
+              </p:cNvPr>
+              <p:cNvSpPr txBox="1">
+                <a:spLocks noRot="1" noChangeAspect="1" noMove="1" noResize="1" noEditPoints="1" noAdjustHandles="1" noChangeArrowheads="1" noChangeShapeType="1" noTextEdit="1"/>
+              </p:cNvSpPr>
+              <p:nvPr/>
+            </p:nvSpPr>
+            <p:spPr>
+              <a:xfrm>
+                <a:off x="6716485" y="3380022"/>
+                <a:ext cx="542894" cy="381515"/>
+              </a:xfrm>
+              <a:prstGeom prst="rect">
+                <a:avLst/>
+              </a:prstGeom>
+              <a:blipFill>
+                <a:blip r:embed="rId7"/>
+                <a:stretch>
+                  <a:fillRect/>
+                </a:stretch>
+              </a:blipFill>
+            </p:spPr>
+            <p:txBody>
+              <a:bodyPr/>
+              <a:lstStyle/>
+              <a:p>
+                <a:r>
+                  <a:rPr lang="en-US">
+                    <a:noFill/>
+                  </a:rPr>
+                  <a:t> </a:t>
+                </a:r>
+              </a:p>
+            </p:txBody>
+          </p:sp>
+        </mc:Fallback>
+      </mc:AlternateContent>
+      <p:sp>
+        <p:nvSpPr>
+          <p:cNvPr id="38" name="椭圆 37">
+            <a:extLst>
+              <a:ext uri="{FF2B5EF4-FFF2-40B4-BE49-F238E27FC236}">
+                <a16:creationId xmlns:a16="http://schemas.microsoft.com/office/drawing/2014/main" id="{2FE289C6-198B-6182-10B4-ABDC8B10CE9A}"/>
+              </a:ext>
+            </a:extLst>
+          </p:cNvPr>
+          <p:cNvSpPr/>
+          <p:nvPr/>
+        </p:nvSpPr>
+        <p:spPr>
+          <a:xfrm>
+            <a:off x="7544848" y="3224030"/>
+            <a:ext cx="622150" cy="742277"/>
+          </a:xfrm>
+          <a:prstGeom prst="ellipse">
+            <a:avLst/>
+          </a:prstGeom>
+          <a:noFill/>
+          <a:ln>
+            <a:solidFill>
+              <a:schemeClr val="tx1"/>
+            </a:solidFill>
+          </a:ln>
+        </p:spPr>
+        <p:style>
+          <a:lnRef idx="2">
+            <a:schemeClr val="accent1">
+              <a:shade val="15000"/>
+            </a:schemeClr>
+          </a:lnRef>
+          <a:fillRef idx="1">
+            <a:schemeClr val="accent1"/>
+          </a:fillRef>
+          <a:effectRef idx="0">
+            <a:schemeClr val="accent1"/>
+          </a:effectRef>
+          <a:fontRef idx="minor">
+            <a:schemeClr val="lt1"/>
+          </a:fontRef>
+        </p:style>
+        <p:txBody>
+          <a:bodyPr rtlCol="0" anchor="ctr"/>
+          <a:lstStyle/>
+          <a:p>
+            <a:pPr algn="ctr"/>
+            <a:endParaRPr lang="en-US"/>
+          </a:p>
+        </p:txBody>
+      </p:sp>
+      <p:sp>
+        <p:nvSpPr>
+          <p:cNvPr id="39" name="椭圆 38">
+            <a:extLst>
+              <a:ext uri="{FF2B5EF4-FFF2-40B4-BE49-F238E27FC236}">
+                <a16:creationId xmlns:a16="http://schemas.microsoft.com/office/drawing/2014/main" id="{469E7B35-6B3D-6FE9-6959-2D1564B9EE3C}"/>
+              </a:ext>
+            </a:extLst>
+          </p:cNvPr>
+          <p:cNvSpPr/>
+          <p:nvPr/>
+        </p:nvSpPr>
+        <p:spPr>
+          <a:xfrm>
+            <a:off x="8383808" y="3224030"/>
+            <a:ext cx="622150" cy="742277"/>
+          </a:xfrm>
+          <a:prstGeom prst="ellipse">
+            <a:avLst/>
+          </a:prstGeom>
+          <a:noFill/>
+          <a:ln>
+            <a:solidFill>
+              <a:schemeClr val="tx1"/>
+            </a:solidFill>
+          </a:ln>
+        </p:spPr>
+        <p:style>
+          <a:lnRef idx="2">
+            <a:schemeClr val="accent1">
+              <a:shade val="15000"/>
+            </a:schemeClr>
+          </a:lnRef>
+          <a:fillRef idx="1">
+            <a:schemeClr val="accent1"/>
+          </a:fillRef>
+          <a:effectRef idx="0">
+            <a:schemeClr val="accent1"/>
+          </a:effectRef>
+          <a:fontRef idx="minor">
+            <a:schemeClr val="lt1"/>
+          </a:fontRef>
+        </p:style>
+        <p:txBody>
+          <a:bodyPr rtlCol="0" anchor="ctr"/>
+          <a:lstStyle/>
+          <a:p>
+            <a:pPr algn="ctr"/>
+            <a:endParaRPr lang="en-US"/>
+          </a:p>
+        </p:txBody>
+      </p:sp>
+      <p:sp>
+        <p:nvSpPr>
+          <p:cNvPr id="40" name="椭圆 39">
+            <a:extLst>
+              <a:ext uri="{FF2B5EF4-FFF2-40B4-BE49-F238E27FC236}">
+                <a16:creationId xmlns:a16="http://schemas.microsoft.com/office/drawing/2014/main" id="{B8379468-AE08-EE1E-2233-367998A9CD1C}"/>
+              </a:ext>
+            </a:extLst>
+          </p:cNvPr>
+          <p:cNvSpPr/>
+          <p:nvPr/>
+        </p:nvSpPr>
+        <p:spPr>
+          <a:xfrm>
+            <a:off x="9283800" y="3224030"/>
+            <a:ext cx="622150" cy="742277"/>
+          </a:xfrm>
+          <a:prstGeom prst="ellipse">
+            <a:avLst/>
+          </a:prstGeom>
+          <a:noFill/>
+          <a:ln>
+            <a:solidFill>
+              <a:schemeClr val="tx1"/>
+            </a:solidFill>
+          </a:ln>
+        </p:spPr>
+        <p:style>
+          <a:lnRef idx="2">
+            <a:schemeClr val="accent1">
+              <a:shade val="15000"/>
+            </a:schemeClr>
+          </a:lnRef>
+          <a:fillRef idx="1">
+            <a:schemeClr val="accent1"/>
+          </a:fillRef>
+          <a:effectRef idx="0">
+            <a:schemeClr val="accent1"/>
+          </a:effectRef>
+          <a:fontRef idx="minor">
+            <a:schemeClr val="lt1"/>
+          </a:fontRef>
+        </p:style>
+        <p:txBody>
+          <a:bodyPr rtlCol="0" anchor="ctr"/>
+          <a:lstStyle/>
+          <a:p>
+            <a:pPr algn="ctr"/>
+            <a:endParaRPr lang="en-US"/>
+          </a:p>
+        </p:txBody>
+      </p:sp>
+      <mc:AlternateContent xmlns:mc="http://schemas.openxmlformats.org/markup-compatibility/2006" xmlns:a14="http://schemas.microsoft.com/office/drawing/2010/main">
+        <mc:Choice Requires="a14">
+          <p:sp>
+            <p:nvSpPr>
+              <p:cNvPr id="41" name="文本框 40">
+                <a:extLst>
+                  <a:ext uri="{FF2B5EF4-FFF2-40B4-BE49-F238E27FC236}">
+                    <a16:creationId xmlns:a16="http://schemas.microsoft.com/office/drawing/2014/main" id="{E7C41404-BCB6-BCCE-3590-481CB8DC3E2B}"/>
+                  </a:ext>
+                </a:extLst>
+              </p:cNvPr>
+              <p:cNvSpPr txBox="1"/>
+              <p:nvPr/>
+            </p:nvSpPr>
+            <p:spPr>
+              <a:xfrm>
+                <a:off x="7566562" y="3380022"/>
+                <a:ext cx="542894" cy="369332"/>
+              </a:xfrm>
+              <a:prstGeom prst="rect">
+                <a:avLst/>
+              </a:prstGeom>
+              <a:noFill/>
+            </p:spPr>
+            <p:txBody>
+              <a:bodyPr wrap="square" rtlCol="0">
+                <a:spAutoFit/>
+              </a:bodyPr>
+              <a:lstStyle/>
+              <a:p>
+                <a:pPr/>
+                <a14:m>
+                  <m:oMathPara xmlns:m="http://schemas.openxmlformats.org/officeDocument/2006/math">
+                    <m:oMathParaPr>
+                      <m:jc m:val="centerGroup"/>
+                    </m:oMathParaPr>
+                    <m:oMath xmlns:m="http://schemas.openxmlformats.org/officeDocument/2006/math">
+                      <m:sSub>
+                        <m:sSubPr>
+                          <m:ctrlPr>
+                            <a:rPr lang="en-US" b="1" i="1" smtClean="0">
+                              <a:latin typeface="Cambria Math" panose="02040503050406030204" pitchFamily="18" charset="0"/>
+                              <a:ea typeface="Cambria Math" panose="02040503050406030204" pitchFamily="18" charset="0"/>
+                            </a:rPr>
+                          </m:ctrlPr>
+                        </m:sSubPr>
+                        <m:e>
+                          <m:r>
+                            <a:rPr lang="en-US" altLang="zh-CN" b="1" i="0" smtClean="0">
+                              <a:latin typeface="Cambria Math" panose="02040503050406030204" pitchFamily="18" charset="0"/>
+                              <a:ea typeface="Cambria Math" panose="02040503050406030204" pitchFamily="18" charset="0"/>
+                            </a:rPr>
+                            <m:t>𝐘</m:t>
+                          </m:r>
+                        </m:e>
+                        <m:sub>
+                          <m:r>
+                            <a:rPr lang="en-US" altLang="zh-CN" b="1" i="0" smtClean="0">
+                              <a:latin typeface="Cambria Math" panose="02040503050406030204" pitchFamily="18" charset="0"/>
+                              <a:ea typeface="Cambria Math" panose="02040503050406030204" pitchFamily="18" charset="0"/>
+                            </a:rPr>
+                            <m:t>𝟏𝟑</m:t>
+                          </m:r>
+                        </m:sub>
+                      </m:sSub>
+                    </m:oMath>
+                  </m:oMathPara>
+                </a14:m>
+                <a:endParaRPr lang="en-US" b="1" dirty="0">
+                  <a:latin typeface="Times New Roman" panose="02020603050405020304" pitchFamily="18" charset="0"/>
+                  <a:cs typeface="Times New Roman" panose="02020603050405020304" pitchFamily="18" charset="0"/>
+                </a:endParaRPr>
+              </a:p>
+            </p:txBody>
+          </p:sp>
+        </mc:Choice>
+        <mc:Fallback xmlns="">
+          <p:sp>
+            <p:nvSpPr>
+              <p:cNvPr id="41" name="文本框 40">
+                <a:extLst>
+                  <a:ext uri="{FF2B5EF4-FFF2-40B4-BE49-F238E27FC236}">
+                    <a16:creationId xmlns:a16="http://schemas.microsoft.com/office/drawing/2014/main" id="{E7C41404-BCB6-BCCE-3590-481CB8DC3E2B}"/>
+                  </a:ext>
+                </a:extLst>
+              </p:cNvPr>
+              <p:cNvSpPr txBox="1">
+                <a:spLocks noRot="1" noChangeAspect="1" noMove="1" noResize="1" noEditPoints="1" noAdjustHandles="1" noChangeArrowheads="1" noChangeShapeType="1" noTextEdit="1"/>
+              </p:cNvSpPr>
+              <p:nvPr/>
+            </p:nvSpPr>
+            <p:spPr>
+              <a:xfrm>
+                <a:off x="7566562" y="3380022"/>
+                <a:ext cx="542894" cy="369332"/>
+              </a:xfrm>
+              <a:prstGeom prst="rect">
+                <a:avLst/>
+              </a:prstGeom>
+              <a:blipFill>
+                <a:blip r:embed="rId8"/>
+                <a:stretch>
+                  <a:fillRect b="-1639"/>
+                </a:stretch>
+              </a:blipFill>
+            </p:spPr>
+            <p:txBody>
+              <a:bodyPr/>
+              <a:lstStyle/>
+              <a:p>
+                <a:r>
+                  <a:rPr lang="en-US">
+                    <a:noFill/>
+                  </a:rPr>
+                  <a:t> </a:t>
+                </a:r>
+              </a:p>
+            </p:txBody>
+          </p:sp>
+        </mc:Fallback>
+      </mc:AlternateContent>
+      <mc:AlternateContent xmlns:mc="http://schemas.openxmlformats.org/markup-compatibility/2006" xmlns:a14="http://schemas.microsoft.com/office/drawing/2010/main">
+        <mc:Choice Requires="a14">
+          <p:sp>
+            <p:nvSpPr>
+              <p:cNvPr id="42" name="文本框 41">
+                <a:extLst>
+                  <a:ext uri="{FF2B5EF4-FFF2-40B4-BE49-F238E27FC236}">
+                    <a16:creationId xmlns:a16="http://schemas.microsoft.com/office/drawing/2014/main" id="{3A244302-20F6-7A38-F9FC-2D0211E169F2}"/>
+                  </a:ext>
+                </a:extLst>
+              </p:cNvPr>
+              <p:cNvSpPr txBox="1"/>
+              <p:nvPr/>
+            </p:nvSpPr>
+            <p:spPr>
+              <a:xfrm>
+                <a:off x="8422741" y="3380022"/>
+                <a:ext cx="542894" cy="369332"/>
+              </a:xfrm>
+              <a:prstGeom prst="rect">
+                <a:avLst/>
+              </a:prstGeom>
+              <a:noFill/>
+            </p:spPr>
+            <p:txBody>
+              <a:bodyPr wrap="square" rtlCol="0">
+                <a:spAutoFit/>
+              </a:bodyPr>
+              <a:lstStyle/>
+              <a:p>
+                <a:pPr/>
+                <a14:m>
+                  <m:oMathPara xmlns:m="http://schemas.openxmlformats.org/officeDocument/2006/math">
+                    <m:oMathParaPr>
+                      <m:jc m:val="centerGroup"/>
+                    </m:oMathParaPr>
+                    <m:oMath xmlns:m="http://schemas.openxmlformats.org/officeDocument/2006/math">
+                      <m:sSub>
+                        <m:sSubPr>
+                          <m:ctrlPr>
+                            <a:rPr lang="en-US" b="1" i="1" smtClean="0">
+                              <a:latin typeface="Cambria Math" panose="02040503050406030204" pitchFamily="18" charset="0"/>
+                              <a:ea typeface="Cambria Math" panose="02040503050406030204" pitchFamily="18" charset="0"/>
+                            </a:rPr>
+                          </m:ctrlPr>
+                        </m:sSubPr>
+                        <m:e>
+                          <m:r>
+                            <a:rPr lang="en-US" altLang="zh-CN" b="1" i="0" smtClean="0">
+                              <a:latin typeface="Cambria Math" panose="02040503050406030204" pitchFamily="18" charset="0"/>
+                              <a:ea typeface="Cambria Math" panose="02040503050406030204" pitchFamily="18" charset="0"/>
+                            </a:rPr>
+                            <m:t>𝐘</m:t>
+                          </m:r>
+                        </m:e>
+                        <m:sub>
+                          <m:r>
+                            <a:rPr lang="en-US" altLang="zh-CN" b="1" i="0" smtClean="0">
+                              <a:latin typeface="Cambria Math" panose="02040503050406030204" pitchFamily="18" charset="0"/>
+                              <a:ea typeface="Cambria Math" panose="02040503050406030204" pitchFamily="18" charset="0"/>
+                            </a:rPr>
+                            <m:t>𝟐𝟑</m:t>
+                          </m:r>
+                        </m:sub>
+                      </m:sSub>
+                    </m:oMath>
+                  </m:oMathPara>
+                </a14:m>
+                <a:endParaRPr lang="en-US" b="1" dirty="0">
+                  <a:latin typeface="Times New Roman" panose="02020603050405020304" pitchFamily="18" charset="0"/>
+                  <a:cs typeface="Times New Roman" panose="02020603050405020304" pitchFamily="18" charset="0"/>
+                </a:endParaRPr>
+              </a:p>
+            </p:txBody>
+          </p:sp>
+        </mc:Choice>
+        <mc:Fallback xmlns="">
+          <p:sp>
+            <p:nvSpPr>
+              <p:cNvPr id="42" name="文本框 41">
+                <a:extLst>
+                  <a:ext uri="{FF2B5EF4-FFF2-40B4-BE49-F238E27FC236}">
+                    <a16:creationId xmlns:a16="http://schemas.microsoft.com/office/drawing/2014/main" id="{3A244302-20F6-7A38-F9FC-2D0211E169F2}"/>
+                  </a:ext>
+                </a:extLst>
+              </p:cNvPr>
+              <p:cNvSpPr txBox="1">
+                <a:spLocks noRot="1" noChangeAspect="1" noMove="1" noResize="1" noEditPoints="1" noAdjustHandles="1" noChangeArrowheads="1" noChangeShapeType="1" noTextEdit="1"/>
+              </p:cNvSpPr>
+              <p:nvPr/>
+            </p:nvSpPr>
+            <p:spPr>
+              <a:xfrm>
+                <a:off x="8422741" y="3380022"/>
+                <a:ext cx="542894" cy="369332"/>
+              </a:xfrm>
+              <a:prstGeom prst="rect">
+                <a:avLst/>
+              </a:prstGeom>
+              <a:blipFill>
+                <a:blip r:embed="rId9"/>
+                <a:stretch>
+                  <a:fillRect b="-1639"/>
+                </a:stretch>
+              </a:blipFill>
+            </p:spPr>
+            <p:txBody>
+              <a:bodyPr/>
+              <a:lstStyle/>
+              <a:p>
+                <a:r>
+                  <a:rPr lang="en-US">
+                    <a:noFill/>
+                  </a:rPr>
+                  <a:t> </a:t>
+                </a:r>
+              </a:p>
+            </p:txBody>
+          </p:sp>
+        </mc:Fallback>
+      </mc:AlternateContent>
+      <mc:AlternateContent xmlns:mc="http://schemas.openxmlformats.org/markup-compatibility/2006" xmlns:a14="http://schemas.microsoft.com/office/drawing/2010/main">
+        <mc:Choice Requires="a14">
+          <p:sp>
+            <p:nvSpPr>
+              <p:cNvPr id="43" name="文本框 42">
+                <a:extLst>
+                  <a:ext uri="{FF2B5EF4-FFF2-40B4-BE49-F238E27FC236}">
+                    <a16:creationId xmlns:a16="http://schemas.microsoft.com/office/drawing/2014/main" id="{34C3895E-D5E1-5FE9-52FB-8FA1FA043E5F}"/>
+                  </a:ext>
+                </a:extLst>
+              </p:cNvPr>
+              <p:cNvSpPr txBox="1"/>
+              <p:nvPr/>
+            </p:nvSpPr>
+            <p:spPr>
+              <a:xfrm>
+                <a:off x="9332405" y="3380022"/>
+                <a:ext cx="542894" cy="381515"/>
+              </a:xfrm>
+              <a:prstGeom prst="rect">
+                <a:avLst/>
+              </a:prstGeom>
+              <a:noFill/>
+            </p:spPr>
+            <p:txBody>
+              <a:bodyPr wrap="square" rtlCol="0">
+                <a:spAutoFit/>
+              </a:bodyPr>
+              <a:lstStyle/>
+              <a:p>
+                <a:pPr/>
+                <a14:m>
+                  <m:oMathPara xmlns:m="http://schemas.openxmlformats.org/officeDocument/2006/math">
+                    <m:oMathParaPr>
+                      <m:jc m:val="centerGroup"/>
+                    </m:oMathParaPr>
+                    <m:oMath xmlns:m="http://schemas.openxmlformats.org/officeDocument/2006/math">
+                      <m:sSub>
+                        <m:sSubPr>
+                          <m:ctrlPr>
+                            <a:rPr lang="en-US" b="1" i="1" smtClean="0">
+                              <a:latin typeface="Cambria Math" panose="02040503050406030204" pitchFamily="18" charset="0"/>
+                              <a:ea typeface="Cambria Math" panose="02040503050406030204" pitchFamily="18" charset="0"/>
+                            </a:rPr>
+                          </m:ctrlPr>
+                        </m:sSubPr>
+                        <m:e>
+                          <m:r>
+                            <a:rPr lang="en-US" altLang="zh-CN" b="1" i="0" smtClean="0">
+                              <a:latin typeface="Cambria Math" panose="02040503050406030204" pitchFamily="18" charset="0"/>
+                              <a:ea typeface="Cambria Math" panose="02040503050406030204" pitchFamily="18" charset="0"/>
+                            </a:rPr>
+                            <m:t>𝐘</m:t>
+                          </m:r>
+                        </m:e>
+                        <m:sub>
+                          <m:r>
+                            <a:rPr lang="en-US" altLang="zh-CN" b="1" i="0" smtClean="0">
+                              <a:latin typeface="Cambria Math" panose="02040503050406030204" pitchFamily="18" charset="0"/>
+                              <a:ea typeface="Cambria Math" panose="02040503050406030204" pitchFamily="18" charset="0"/>
+                            </a:rPr>
+                            <m:t>𝐧</m:t>
+                          </m:r>
+                          <m:r>
+                            <a:rPr lang="en-US" altLang="zh-CN" b="1" i="0" smtClean="0">
+                              <a:latin typeface="Cambria Math" panose="02040503050406030204" pitchFamily="18" charset="0"/>
+                              <a:ea typeface="Cambria Math" panose="02040503050406030204" pitchFamily="18" charset="0"/>
+                            </a:rPr>
+                            <m:t>,</m:t>
+                          </m:r>
+                          <m:r>
+                            <a:rPr lang="en-US" altLang="zh-CN" b="1" i="0" smtClean="0">
+                              <a:latin typeface="Cambria Math" panose="02040503050406030204" pitchFamily="18" charset="0"/>
+                              <a:ea typeface="Cambria Math" panose="02040503050406030204" pitchFamily="18" charset="0"/>
+                            </a:rPr>
+                            <m:t>𝟑</m:t>
+                          </m:r>
+                        </m:sub>
+                      </m:sSub>
+                    </m:oMath>
+                  </m:oMathPara>
+                </a14:m>
+                <a:endParaRPr lang="en-US" b="1" dirty="0">
+                  <a:latin typeface="Times New Roman" panose="02020603050405020304" pitchFamily="18" charset="0"/>
+                  <a:cs typeface="Times New Roman" panose="02020603050405020304" pitchFamily="18" charset="0"/>
+                </a:endParaRPr>
+              </a:p>
+            </p:txBody>
+          </p:sp>
+        </mc:Choice>
+        <mc:Fallback xmlns="">
+          <p:sp>
+            <p:nvSpPr>
+              <p:cNvPr id="43" name="文本框 42">
+                <a:extLst>
+                  <a:ext uri="{FF2B5EF4-FFF2-40B4-BE49-F238E27FC236}">
+                    <a16:creationId xmlns:a16="http://schemas.microsoft.com/office/drawing/2014/main" id="{34C3895E-D5E1-5FE9-52FB-8FA1FA043E5F}"/>
+                  </a:ext>
+                </a:extLst>
+              </p:cNvPr>
+              <p:cNvSpPr txBox="1">
+                <a:spLocks noRot="1" noChangeAspect="1" noMove="1" noResize="1" noEditPoints="1" noAdjustHandles="1" noChangeArrowheads="1" noChangeShapeType="1" noTextEdit="1"/>
+              </p:cNvSpPr>
+              <p:nvPr/>
+            </p:nvSpPr>
+            <p:spPr>
+              <a:xfrm>
+                <a:off x="9332405" y="3380022"/>
+                <a:ext cx="542894" cy="381515"/>
+              </a:xfrm>
+              <a:prstGeom prst="rect">
+                <a:avLst/>
+              </a:prstGeom>
+              <a:blipFill>
+                <a:blip r:embed="rId10"/>
+                <a:stretch>
+                  <a:fillRect/>
+                </a:stretch>
+              </a:blipFill>
+            </p:spPr>
+            <p:txBody>
+              <a:bodyPr/>
+              <a:lstStyle/>
+              <a:p>
+                <a:r>
+                  <a:rPr lang="en-US">
+                    <a:noFill/>
+                  </a:rPr>
+                  <a:t> </a:t>
+                </a:r>
+              </a:p>
+            </p:txBody>
+          </p:sp>
+        </mc:Fallback>
+      </mc:AlternateContent>
+      <p:sp>
+        <p:nvSpPr>
+          <p:cNvPr id="44" name="椭圆 43">
+            <a:extLst>
+              <a:ext uri="{FF2B5EF4-FFF2-40B4-BE49-F238E27FC236}">
+                <a16:creationId xmlns:a16="http://schemas.microsoft.com/office/drawing/2014/main" id="{50757068-C905-696D-EA0A-3161D322CA71}"/>
+              </a:ext>
+            </a:extLst>
+          </p:cNvPr>
+          <p:cNvSpPr/>
+          <p:nvPr/>
+        </p:nvSpPr>
+        <p:spPr>
+          <a:xfrm>
+            <a:off x="10262930" y="3227936"/>
+            <a:ext cx="622150" cy="742277"/>
+          </a:xfrm>
+          <a:prstGeom prst="ellipse">
+            <a:avLst/>
+          </a:prstGeom>
+          <a:noFill/>
+          <a:ln>
+            <a:solidFill>
+              <a:schemeClr val="tx1"/>
+            </a:solidFill>
+          </a:ln>
+        </p:spPr>
+        <p:style>
+          <a:lnRef idx="2">
+            <a:schemeClr val="accent1">
+              <a:shade val="15000"/>
+            </a:schemeClr>
+          </a:lnRef>
+          <a:fillRef idx="1">
+            <a:schemeClr val="accent1"/>
+          </a:fillRef>
+          <a:effectRef idx="0">
+            <a:schemeClr val="accent1"/>
+          </a:effectRef>
+          <a:fontRef idx="minor">
+            <a:schemeClr val="lt1"/>
+          </a:fontRef>
+        </p:style>
+        <p:txBody>
+          <a:bodyPr rtlCol="0" anchor="ctr"/>
+          <a:lstStyle/>
+          <a:p>
+            <a:pPr algn="ctr"/>
+            <a:endParaRPr lang="en-US"/>
+          </a:p>
+        </p:txBody>
+      </p:sp>
+      <p:sp>
+        <p:nvSpPr>
+          <p:cNvPr id="45" name="椭圆 44">
+            <a:extLst>
+              <a:ext uri="{FF2B5EF4-FFF2-40B4-BE49-F238E27FC236}">
+                <a16:creationId xmlns:a16="http://schemas.microsoft.com/office/drawing/2014/main" id="{60E6AA6C-353E-DF56-A266-F56B222D0AB3}"/>
+              </a:ext>
+            </a:extLst>
+          </p:cNvPr>
+          <p:cNvSpPr/>
+          <p:nvPr/>
+        </p:nvSpPr>
+        <p:spPr>
+          <a:xfrm>
+            <a:off x="11125335" y="3227936"/>
+            <a:ext cx="622150" cy="742277"/>
+          </a:xfrm>
+          <a:prstGeom prst="ellipse">
+            <a:avLst/>
+          </a:prstGeom>
+          <a:noFill/>
+          <a:ln>
+            <a:solidFill>
+              <a:schemeClr val="tx1"/>
+            </a:solidFill>
+          </a:ln>
+        </p:spPr>
+        <p:style>
+          <a:lnRef idx="2">
+            <a:schemeClr val="accent1">
+              <a:shade val="15000"/>
+            </a:schemeClr>
+          </a:lnRef>
+          <a:fillRef idx="1">
+            <a:schemeClr val="accent1"/>
+          </a:fillRef>
+          <a:effectRef idx="0">
+            <a:schemeClr val="accent1"/>
+          </a:effectRef>
+          <a:fontRef idx="minor">
+            <a:schemeClr val="lt1"/>
+          </a:fontRef>
+        </p:style>
+        <p:txBody>
+          <a:bodyPr rtlCol="0" anchor="ctr"/>
+          <a:lstStyle/>
+          <a:p>
+            <a:pPr algn="ctr"/>
+            <a:endParaRPr lang="en-US"/>
+          </a:p>
+        </p:txBody>
+      </p:sp>
+      <p:sp>
+        <p:nvSpPr>
+          <p:cNvPr id="46" name="椭圆 45">
+            <a:extLst>
+              <a:ext uri="{FF2B5EF4-FFF2-40B4-BE49-F238E27FC236}">
+                <a16:creationId xmlns:a16="http://schemas.microsoft.com/office/drawing/2014/main" id="{5D74F325-ED59-1F55-57AE-EDD8DDC02651}"/>
+              </a:ext>
+            </a:extLst>
+          </p:cNvPr>
+          <p:cNvSpPr/>
+          <p:nvPr/>
+        </p:nvSpPr>
+        <p:spPr>
+          <a:xfrm>
+            <a:off x="12001882" y="3227936"/>
+            <a:ext cx="622150" cy="742277"/>
+          </a:xfrm>
+          <a:prstGeom prst="ellipse">
+            <a:avLst/>
+          </a:prstGeom>
+          <a:noFill/>
+          <a:ln>
+            <a:solidFill>
+              <a:schemeClr val="tx1"/>
+            </a:solidFill>
+          </a:ln>
+        </p:spPr>
+        <p:style>
+          <a:lnRef idx="2">
+            <a:schemeClr val="accent1">
+              <a:shade val="15000"/>
+            </a:schemeClr>
+          </a:lnRef>
+          <a:fillRef idx="1">
+            <a:schemeClr val="accent1"/>
+          </a:fillRef>
+          <a:effectRef idx="0">
+            <a:schemeClr val="accent1"/>
+          </a:effectRef>
+          <a:fontRef idx="minor">
+            <a:schemeClr val="lt1"/>
+          </a:fontRef>
+        </p:style>
+        <p:txBody>
+          <a:bodyPr rtlCol="0" anchor="ctr"/>
+          <a:lstStyle/>
+          <a:p>
+            <a:pPr algn="ctr"/>
+            <a:endParaRPr lang="en-US"/>
+          </a:p>
+        </p:txBody>
+      </p:sp>
+      <mc:AlternateContent xmlns:mc="http://schemas.openxmlformats.org/markup-compatibility/2006" xmlns:a14="http://schemas.microsoft.com/office/drawing/2010/main">
+        <mc:Choice Requires="a14">
+          <p:sp>
+            <p:nvSpPr>
+              <p:cNvPr id="47" name="文本框 46">
+                <a:extLst>
+                  <a:ext uri="{FF2B5EF4-FFF2-40B4-BE49-F238E27FC236}">
+                    <a16:creationId xmlns:a16="http://schemas.microsoft.com/office/drawing/2014/main" id="{BF3141B5-C2D1-1956-16EE-F9BB56B0E18C}"/>
+                  </a:ext>
+                </a:extLst>
+              </p:cNvPr>
+              <p:cNvSpPr txBox="1"/>
+              <p:nvPr/>
+            </p:nvSpPr>
+            <p:spPr>
+              <a:xfrm>
+                <a:off x="10284644" y="3383928"/>
+                <a:ext cx="542894" cy="369332"/>
+              </a:xfrm>
+              <a:prstGeom prst="rect">
+                <a:avLst/>
+              </a:prstGeom>
+              <a:noFill/>
+            </p:spPr>
+            <p:txBody>
+              <a:bodyPr wrap="square" rtlCol="0">
+                <a:spAutoFit/>
+              </a:bodyPr>
+              <a:lstStyle/>
+              <a:p>
+                <a:pPr/>
+                <a14:m>
+                  <m:oMathPara xmlns:m="http://schemas.openxmlformats.org/officeDocument/2006/math">
+                    <m:oMathParaPr>
+                      <m:jc m:val="centerGroup"/>
+                    </m:oMathParaPr>
+                    <m:oMath xmlns:m="http://schemas.openxmlformats.org/officeDocument/2006/math">
+                      <m:sSub>
+                        <m:sSubPr>
+                          <m:ctrlPr>
+                            <a:rPr lang="en-US" b="1" i="1" smtClean="0">
+                              <a:latin typeface="Cambria Math" panose="02040503050406030204" pitchFamily="18" charset="0"/>
+                              <a:ea typeface="Cambria Math" panose="02040503050406030204" pitchFamily="18" charset="0"/>
+                            </a:rPr>
+                          </m:ctrlPr>
+                        </m:sSubPr>
+                        <m:e>
+                          <m:r>
+                            <a:rPr lang="en-US" altLang="zh-CN" b="1" i="0" smtClean="0">
+                              <a:latin typeface="Cambria Math" panose="02040503050406030204" pitchFamily="18" charset="0"/>
+                              <a:ea typeface="Cambria Math" panose="02040503050406030204" pitchFamily="18" charset="0"/>
+                            </a:rPr>
+                            <m:t>𝐘</m:t>
+                          </m:r>
+                        </m:e>
+                        <m:sub>
+                          <m:r>
+                            <a:rPr lang="en-US" altLang="zh-CN" b="1" i="0" smtClean="0">
+                              <a:latin typeface="Cambria Math" panose="02040503050406030204" pitchFamily="18" charset="0"/>
+                              <a:ea typeface="Cambria Math" panose="02040503050406030204" pitchFamily="18" charset="0"/>
+                            </a:rPr>
+                            <m:t>𝟏𝟒</m:t>
+                          </m:r>
+                        </m:sub>
+                      </m:sSub>
+                    </m:oMath>
+                  </m:oMathPara>
+                </a14:m>
+                <a:endParaRPr lang="en-US" b="1" dirty="0">
+                  <a:latin typeface="Times New Roman" panose="02020603050405020304" pitchFamily="18" charset="0"/>
+                  <a:cs typeface="Times New Roman" panose="02020603050405020304" pitchFamily="18" charset="0"/>
+                </a:endParaRPr>
+              </a:p>
+            </p:txBody>
+          </p:sp>
+        </mc:Choice>
+        <mc:Fallback xmlns="">
+          <p:sp>
+            <p:nvSpPr>
+              <p:cNvPr id="47" name="文本框 46">
+                <a:extLst>
+                  <a:ext uri="{FF2B5EF4-FFF2-40B4-BE49-F238E27FC236}">
+                    <a16:creationId xmlns:a16="http://schemas.microsoft.com/office/drawing/2014/main" id="{BF3141B5-C2D1-1956-16EE-F9BB56B0E18C}"/>
+                  </a:ext>
+                </a:extLst>
+              </p:cNvPr>
+              <p:cNvSpPr txBox="1">
+                <a:spLocks noRot="1" noChangeAspect="1" noMove="1" noResize="1" noEditPoints="1" noAdjustHandles="1" noChangeArrowheads="1" noChangeShapeType="1" noTextEdit="1"/>
+              </p:cNvSpPr>
+              <p:nvPr/>
+            </p:nvSpPr>
+            <p:spPr>
+              <a:xfrm>
+                <a:off x="10284644" y="3383928"/>
+                <a:ext cx="542894" cy="369332"/>
+              </a:xfrm>
+              <a:prstGeom prst="rect">
+                <a:avLst/>
+              </a:prstGeom>
+              <a:blipFill>
+                <a:blip r:embed="rId11"/>
+                <a:stretch>
+                  <a:fillRect b="-1639"/>
+                </a:stretch>
+              </a:blipFill>
+            </p:spPr>
+            <p:txBody>
+              <a:bodyPr/>
+              <a:lstStyle/>
+              <a:p>
+                <a:r>
+                  <a:rPr lang="en-US">
+                    <a:noFill/>
+                  </a:rPr>
+                  <a:t> </a:t>
+                </a:r>
+              </a:p>
+            </p:txBody>
+          </p:sp>
+        </mc:Fallback>
+      </mc:AlternateContent>
+      <mc:AlternateContent xmlns:mc="http://schemas.openxmlformats.org/markup-compatibility/2006" xmlns:a14="http://schemas.microsoft.com/office/drawing/2010/main">
+        <mc:Choice Requires="a14">
+          <p:sp>
+            <p:nvSpPr>
+              <p:cNvPr id="48" name="文本框 47">
+                <a:extLst>
+                  <a:ext uri="{FF2B5EF4-FFF2-40B4-BE49-F238E27FC236}">
+                    <a16:creationId xmlns:a16="http://schemas.microsoft.com/office/drawing/2014/main" id="{4D5E693F-59E5-6226-FE2C-F624EA1D0062}"/>
+                  </a:ext>
+                </a:extLst>
+              </p:cNvPr>
+              <p:cNvSpPr txBox="1"/>
+              <p:nvPr/>
+            </p:nvSpPr>
+            <p:spPr>
+              <a:xfrm>
+                <a:off x="11164268" y="3383928"/>
+                <a:ext cx="542894" cy="369332"/>
+              </a:xfrm>
+              <a:prstGeom prst="rect">
+                <a:avLst/>
+              </a:prstGeom>
+              <a:noFill/>
+            </p:spPr>
+            <p:txBody>
+              <a:bodyPr wrap="square" rtlCol="0">
+                <a:spAutoFit/>
+              </a:bodyPr>
+              <a:lstStyle/>
+              <a:p>
+                <a:pPr/>
+                <a14:m>
+                  <m:oMathPara xmlns:m="http://schemas.openxmlformats.org/officeDocument/2006/math">
+                    <m:oMathParaPr>
+                      <m:jc m:val="centerGroup"/>
+                    </m:oMathParaPr>
+                    <m:oMath xmlns:m="http://schemas.openxmlformats.org/officeDocument/2006/math">
+                      <m:sSub>
+                        <m:sSubPr>
+                          <m:ctrlPr>
+                            <a:rPr lang="en-US" b="1" i="1" smtClean="0">
+                              <a:latin typeface="Cambria Math" panose="02040503050406030204" pitchFamily="18" charset="0"/>
+                              <a:ea typeface="Cambria Math" panose="02040503050406030204" pitchFamily="18" charset="0"/>
+                            </a:rPr>
+                          </m:ctrlPr>
+                        </m:sSubPr>
+                        <m:e>
+                          <m:r>
+                            <a:rPr lang="en-US" altLang="zh-CN" b="1" i="0" smtClean="0">
+                              <a:latin typeface="Cambria Math" panose="02040503050406030204" pitchFamily="18" charset="0"/>
+                              <a:ea typeface="Cambria Math" panose="02040503050406030204" pitchFamily="18" charset="0"/>
+                            </a:rPr>
+                            <m:t>𝐘</m:t>
+                          </m:r>
+                        </m:e>
+                        <m:sub>
+                          <m:r>
+                            <a:rPr lang="en-US" altLang="zh-CN" b="1" i="0" smtClean="0">
+                              <a:latin typeface="Cambria Math" panose="02040503050406030204" pitchFamily="18" charset="0"/>
+                              <a:ea typeface="Cambria Math" panose="02040503050406030204" pitchFamily="18" charset="0"/>
+                            </a:rPr>
+                            <m:t>𝟐𝟒</m:t>
+                          </m:r>
+                        </m:sub>
+                      </m:sSub>
+                    </m:oMath>
+                  </m:oMathPara>
+                </a14:m>
+                <a:endParaRPr lang="en-US" b="1" dirty="0">
+                  <a:latin typeface="Times New Roman" panose="02020603050405020304" pitchFamily="18" charset="0"/>
+                  <a:cs typeface="Times New Roman" panose="02020603050405020304" pitchFamily="18" charset="0"/>
+                </a:endParaRPr>
+              </a:p>
+            </p:txBody>
+          </p:sp>
+        </mc:Choice>
+        <mc:Fallback xmlns="">
+          <p:sp>
+            <p:nvSpPr>
+              <p:cNvPr id="48" name="文本框 47">
+                <a:extLst>
+                  <a:ext uri="{FF2B5EF4-FFF2-40B4-BE49-F238E27FC236}">
+                    <a16:creationId xmlns:a16="http://schemas.microsoft.com/office/drawing/2014/main" id="{4D5E693F-59E5-6226-FE2C-F624EA1D0062}"/>
+                  </a:ext>
+                </a:extLst>
+              </p:cNvPr>
+              <p:cNvSpPr txBox="1">
+                <a:spLocks noRot="1" noChangeAspect="1" noMove="1" noResize="1" noEditPoints="1" noAdjustHandles="1" noChangeArrowheads="1" noChangeShapeType="1" noTextEdit="1"/>
+              </p:cNvSpPr>
+              <p:nvPr/>
+            </p:nvSpPr>
+            <p:spPr>
+              <a:xfrm>
+                <a:off x="11164268" y="3383928"/>
+                <a:ext cx="542894" cy="369332"/>
+              </a:xfrm>
+              <a:prstGeom prst="rect">
+                <a:avLst/>
+              </a:prstGeom>
+              <a:blipFill>
+                <a:blip r:embed="rId12"/>
+                <a:stretch>
+                  <a:fillRect b="-1639"/>
+                </a:stretch>
+              </a:blipFill>
+            </p:spPr>
+            <p:txBody>
+              <a:bodyPr/>
+              <a:lstStyle/>
+              <a:p>
+                <a:r>
+                  <a:rPr lang="en-US">
+                    <a:noFill/>
+                  </a:rPr>
+                  <a:t> </a:t>
+                </a:r>
+              </a:p>
+            </p:txBody>
+          </p:sp>
+        </mc:Fallback>
+      </mc:AlternateContent>
+      <mc:AlternateContent xmlns:mc="http://schemas.openxmlformats.org/markup-compatibility/2006" xmlns:a14="http://schemas.microsoft.com/office/drawing/2010/main">
+        <mc:Choice Requires="a14">
+          <p:sp>
+            <p:nvSpPr>
+              <p:cNvPr id="49" name="文本框 48">
+                <a:extLst>
+                  <a:ext uri="{FF2B5EF4-FFF2-40B4-BE49-F238E27FC236}">
+                    <a16:creationId xmlns:a16="http://schemas.microsoft.com/office/drawing/2014/main" id="{F871C887-9156-7DE0-1100-AC981F4FF78E}"/>
+                  </a:ext>
+                </a:extLst>
+              </p:cNvPr>
+              <p:cNvSpPr txBox="1"/>
+              <p:nvPr/>
+            </p:nvSpPr>
+            <p:spPr>
+              <a:xfrm>
+                <a:off x="12050487" y="3383928"/>
+                <a:ext cx="542894" cy="381515"/>
+              </a:xfrm>
+              <a:prstGeom prst="rect">
+                <a:avLst/>
+              </a:prstGeom>
+              <a:noFill/>
+            </p:spPr>
+            <p:txBody>
+              <a:bodyPr wrap="square" rtlCol="0">
+                <a:spAutoFit/>
+              </a:bodyPr>
+              <a:lstStyle/>
+              <a:p>
+                <a:pPr/>
+                <a14:m>
+                  <m:oMathPara xmlns:m="http://schemas.openxmlformats.org/officeDocument/2006/math">
+                    <m:oMathParaPr>
+                      <m:jc m:val="centerGroup"/>
+                    </m:oMathParaPr>
+                    <m:oMath xmlns:m="http://schemas.openxmlformats.org/officeDocument/2006/math">
+                      <m:sSub>
+                        <m:sSubPr>
+                          <m:ctrlPr>
+                            <a:rPr lang="en-US" b="1" i="1" smtClean="0">
+                              <a:latin typeface="Cambria Math" panose="02040503050406030204" pitchFamily="18" charset="0"/>
+                              <a:ea typeface="Cambria Math" panose="02040503050406030204" pitchFamily="18" charset="0"/>
+                            </a:rPr>
+                          </m:ctrlPr>
+                        </m:sSubPr>
+                        <m:e>
+                          <m:r>
+                            <a:rPr lang="en-US" altLang="zh-CN" b="1" i="0" smtClean="0">
+                              <a:latin typeface="Cambria Math" panose="02040503050406030204" pitchFamily="18" charset="0"/>
+                              <a:ea typeface="Cambria Math" panose="02040503050406030204" pitchFamily="18" charset="0"/>
+                            </a:rPr>
+                            <m:t>𝐘</m:t>
+                          </m:r>
+                        </m:e>
+                        <m:sub>
+                          <m:r>
+                            <a:rPr lang="en-US" altLang="zh-CN" b="1" i="0" smtClean="0">
+                              <a:latin typeface="Cambria Math" panose="02040503050406030204" pitchFamily="18" charset="0"/>
+                              <a:ea typeface="Cambria Math" panose="02040503050406030204" pitchFamily="18" charset="0"/>
+                            </a:rPr>
+                            <m:t>𝐧</m:t>
+                          </m:r>
+                          <m:r>
+                            <a:rPr lang="en-US" altLang="zh-CN" b="1" i="0" smtClean="0">
+                              <a:latin typeface="Cambria Math" panose="02040503050406030204" pitchFamily="18" charset="0"/>
+                              <a:ea typeface="Cambria Math" panose="02040503050406030204" pitchFamily="18" charset="0"/>
+                            </a:rPr>
+                            <m:t>,</m:t>
+                          </m:r>
+                          <m:r>
+                            <a:rPr lang="en-US" altLang="zh-CN" b="1" i="0" smtClean="0">
+                              <a:latin typeface="Cambria Math" panose="02040503050406030204" pitchFamily="18" charset="0"/>
+                              <a:ea typeface="Cambria Math" panose="02040503050406030204" pitchFamily="18" charset="0"/>
+                            </a:rPr>
+                            <m:t>𝟒</m:t>
+                          </m:r>
+                        </m:sub>
+                      </m:sSub>
+                    </m:oMath>
+                  </m:oMathPara>
+                </a14:m>
+                <a:endParaRPr lang="en-US" b="1" dirty="0">
+                  <a:latin typeface="Times New Roman" panose="02020603050405020304" pitchFamily="18" charset="0"/>
+                  <a:cs typeface="Times New Roman" panose="02020603050405020304" pitchFamily="18" charset="0"/>
+                </a:endParaRPr>
+              </a:p>
+            </p:txBody>
+          </p:sp>
+        </mc:Choice>
+        <mc:Fallback xmlns="">
+          <p:sp>
+            <p:nvSpPr>
+              <p:cNvPr id="49" name="文本框 48">
+                <a:extLst>
+                  <a:ext uri="{FF2B5EF4-FFF2-40B4-BE49-F238E27FC236}">
+                    <a16:creationId xmlns:a16="http://schemas.microsoft.com/office/drawing/2014/main" id="{F871C887-9156-7DE0-1100-AC981F4FF78E}"/>
+                  </a:ext>
+                </a:extLst>
+              </p:cNvPr>
+              <p:cNvSpPr txBox="1">
+                <a:spLocks noRot="1" noChangeAspect="1" noMove="1" noResize="1" noEditPoints="1" noAdjustHandles="1" noChangeArrowheads="1" noChangeShapeType="1" noTextEdit="1"/>
+              </p:cNvSpPr>
+              <p:nvPr/>
+            </p:nvSpPr>
+            <p:spPr>
+              <a:xfrm>
+                <a:off x="12050487" y="3383928"/>
+                <a:ext cx="542894" cy="381515"/>
+              </a:xfrm>
+              <a:prstGeom prst="rect">
+                <a:avLst/>
+              </a:prstGeom>
+              <a:blipFill>
+                <a:blip r:embed="rId13"/>
+                <a:stretch>
+                  <a:fillRect/>
+                </a:stretch>
+              </a:blipFill>
+            </p:spPr>
+            <p:txBody>
+              <a:bodyPr/>
+              <a:lstStyle/>
+              <a:p>
+                <a:r>
+                  <a:rPr lang="en-US">
+                    <a:noFill/>
+                  </a:rPr>
+                  <a:t> </a:t>
+                </a:r>
+              </a:p>
+            </p:txBody>
+          </p:sp>
+        </mc:Fallback>
+      </mc:AlternateContent>
+      <p:sp>
+        <p:nvSpPr>
+          <p:cNvPr id="50" name="椭圆 49">
+            <a:extLst>
+              <a:ext uri="{FF2B5EF4-FFF2-40B4-BE49-F238E27FC236}">
+                <a16:creationId xmlns:a16="http://schemas.microsoft.com/office/drawing/2014/main" id="{0699F467-73BE-AECA-2631-0838F34D3431}"/>
+              </a:ext>
+            </a:extLst>
+          </p:cNvPr>
+          <p:cNvSpPr/>
+          <p:nvPr/>
+        </p:nvSpPr>
+        <p:spPr>
+          <a:xfrm>
+            <a:off x="12914294" y="3224029"/>
+            <a:ext cx="622150" cy="742277"/>
+          </a:xfrm>
+          <a:prstGeom prst="ellipse">
+            <a:avLst/>
+          </a:prstGeom>
+          <a:noFill/>
+          <a:ln>
+            <a:solidFill>
+              <a:schemeClr val="tx1"/>
+            </a:solidFill>
+          </a:ln>
+        </p:spPr>
+        <p:style>
+          <a:lnRef idx="2">
+            <a:schemeClr val="accent1">
+              <a:shade val="15000"/>
+            </a:schemeClr>
+          </a:lnRef>
+          <a:fillRef idx="1">
+            <a:schemeClr val="accent1"/>
+          </a:fillRef>
+          <a:effectRef idx="0">
+            <a:schemeClr val="accent1"/>
+          </a:effectRef>
+          <a:fontRef idx="minor">
+            <a:schemeClr val="lt1"/>
+          </a:fontRef>
+        </p:style>
+        <p:txBody>
+          <a:bodyPr rtlCol="0" anchor="ctr"/>
+          <a:lstStyle/>
+          <a:p>
+            <a:pPr algn="ctr"/>
+            <a:endParaRPr lang="en-US"/>
+          </a:p>
+        </p:txBody>
+      </p:sp>
+      <p:sp>
+        <p:nvSpPr>
+          <p:cNvPr id="51" name="椭圆 50">
+            <a:extLst>
+              <a:ext uri="{FF2B5EF4-FFF2-40B4-BE49-F238E27FC236}">
+                <a16:creationId xmlns:a16="http://schemas.microsoft.com/office/drawing/2014/main" id="{9A9A23F5-3419-D007-6BDC-ED017E13069A}"/>
+              </a:ext>
+            </a:extLst>
+          </p:cNvPr>
+          <p:cNvSpPr/>
+          <p:nvPr/>
+        </p:nvSpPr>
+        <p:spPr>
+          <a:xfrm>
+            <a:off x="13776699" y="3224029"/>
+            <a:ext cx="622150" cy="742277"/>
+          </a:xfrm>
+          <a:prstGeom prst="ellipse">
+            <a:avLst/>
+          </a:prstGeom>
+          <a:noFill/>
+          <a:ln>
+            <a:solidFill>
+              <a:schemeClr val="tx1"/>
+            </a:solidFill>
+          </a:ln>
+        </p:spPr>
+        <p:style>
+          <a:lnRef idx="2">
+            <a:schemeClr val="accent1">
+              <a:shade val="15000"/>
+            </a:schemeClr>
+          </a:lnRef>
+          <a:fillRef idx="1">
+            <a:schemeClr val="accent1"/>
+          </a:fillRef>
+          <a:effectRef idx="0">
+            <a:schemeClr val="accent1"/>
+          </a:effectRef>
+          <a:fontRef idx="minor">
+            <a:schemeClr val="lt1"/>
+          </a:fontRef>
+        </p:style>
+        <p:txBody>
+          <a:bodyPr rtlCol="0" anchor="ctr"/>
+          <a:lstStyle/>
+          <a:p>
+            <a:pPr algn="ctr"/>
+            <a:endParaRPr lang="en-US"/>
+          </a:p>
+        </p:txBody>
+      </p:sp>
+      <p:sp>
+        <p:nvSpPr>
+          <p:cNvPr id="52" name="椭圆 51">
+            <a:extLst>
+              <a:ext uri="{FF2B5EF4-FFF2-40B4-BE49-F238E27FC236}">
+                <a16:creationId xmlns:a16="http://schemas.microsoft.com/office/drawing/2014/main" id="{6AE26DB1-B580-844F-F47D-87F5A9CFBB65}"/>
+              </a:ext>
+            </a:extLst>
+          </p:cNvPr>
+          <p:cNvSpPr/>
+          <p:nvPr/>
+        </p:nvSpPr>
+        <p:spPr>
+          <a:xfrm>
+            <a:off x="14653246" y="3224029"/>
+            <a:ext cx="622150" cy="742277"/>
+          </a:xfrm>
+          <a:prstGeom prst="ellipse">
+            <a:avLst/>
+          </a:prstGeom>
+          <a:noFill/>
+          <a:ln>
+            <a:solidFill>
+              <a:schemeClr val="tx1"/>
+            </a:solidFill>
+          </a:ln>
+        </p:spPr>
+        <p:style>
+          <a:lnRef idx="2">
+            <a:schemeClr val="accent1">
+              <a:shade val="15000"/>
+            </a:schemeClr>
+          </a:lnRef>
+          <a:fillRef idx="1">
+            <a:schemeClr val="accent1"/>
+          </a:fillRef>
+          <a:effectRef idx="0">
+            <a:schemeClr val="accent1"/>
+          </a:effectRef>
+          <a:fontRef idx="minor">
+            <a:schemeClr val="lt1"/>
+          </a:fontRef>
+        </p:style>
+        <p:txBody>
+          <a:bodyPr rtlCol="0" anchor="ctr"/>
+          <a:lstStyle/>
+          <a:p>
+            <a:pPr algn="ctr"/>
+            <a:endParaRPr lang="en-US"/>
+          </a:p>
+        </p:txBody>
+      </p:sp>
+      <mc:AlternateContent xmlns:mc="http://schemas.openxmlformats.org/markup-compatibility/2006" xmlns:a14="http://schemas.microsoft.com/office/drawing/2010/main">
+        <mc:Choice Requires="a14">
+          <p:sp>
+            <p:nvSpPr>
+              <p:cNvPr id="53" name="文本框 52">
+                <a:extLst>
+                  <a:ext uri="{FF2B5EF4-FFF2-40B4-BE49-F238E27FC236}">
+                    <a16:creationId xmlns:a16="http://schemas.microsoft.com/office/drawing/2014/main" id="{1A58BE6B-4FCE-EA0A-93D6-8554FFA4CBBC}"/>
+                  </a:ext>
+                </a:extLst>
+              </p:cNvPr>
+              <p:cNvSpPr txBox="1"/>
+              <p:nvPr/>
+            </p:nvSpPr>
+            <p:spPr>
+              <a:xfrm>
+                <a:off x="12936008" y="3380021"/>
+                <a:ext cx="542894" cy="369332"/>
+              </a:xfrm>
+              <a:prstGeom prst="rect">
+                <a:avLst/>
+              </a:prstGeom>
+              <a:noFill/>
+            </p:spPr>
+            <p:txBody>
+              <a:bodyPr wrap="square" rtlCol="0">
+                <a:spAutoFit/>
+              </a:bodyPr>
+              <a:lstStyle/>
+              <a:p>
+                <a:pPr/>
+                <a14:m>
+                  <m:oMathPara xmlns:m="http://schemas.openxmlformats.org/officeDocument/2006/math">
+                    <m:oMathParaPr>
+                      <m:jc m:val="centerGroup"/>
+                    </m:oMathParaPr>
+                    <m:oMath xmlns:m="http://schemas.openxmlformats.org/officeDocument/2006/math">
+                      <m:sSub>
+                        <m:sSubPr>
+                          <m:ctrlPr>
+                            <a:rPr lang="en-US" b="1" i="1" smtClean="0">
+                              <a:latin typeface="Cambria Math" panose="02040503050406030204" pitchFamily="18" charset="0"/>
+                              <a:ea typeface="Cambria Math" panose="02040503050406030204" pitchFamily="18" charset="0"/>
+                            </a:rPr>
+                          </m:ctrlPr>
+                        </m:sSubPr>
+                        <m:e>
+                          <m:r>
+                            <a:rPr lang="en-US" altLang="zh-CN" b="1" i="0" smtClean="0">
+                              <a:latin typeface="Cambria Math" panose="02040503050406030204" pitchFamily="18" charset="0"/>
+                              <a:ea typeface="Cambria Math" panose="02040503050406030204" pitchFamily="18" charset="0"/>
+                            </a:rPr>
+                            <m:t>𝐘</m:t>
+                          </m:r>
+                        </m:e>
+                        <m:sub>
+                          <m:r>
+                            <a:rPr lang="en-US" altLang="zh-CN" b="1" i="0" smtClean="0">
+                              <a:latin typeface="Cambria Math" panose="02040503050406030204" pitchFamily="18" charset="0"/>
+                              <a:ea typeface="Cambria Math" panose="02040503050406030204" pitchFamily="18" charset="0"/>
+                            </a:rPr>
+                            <m:t>𝟏𝟓</m:t>
+                          </m:r>
+                        </m:sub>
+                      </m:sSub>
+                    </m:oMath>
+                  </m:oMathPara>
+                </a14:m>
+                <a:endParaRPr lang="en-US" b="1" dirty="0">
+                  <a:latin typeface="Times New Roman" panose="02020603050405020304" pitchFamily="18" charset="0"/>
+                  <a:cs typeface="Times New Roman" panose="02020603050405020304" pitchFamily="18" charset="0"/>
+                </a:endParaRPr>
+              </a:p>
+            </p:txBody>
+          </p:sp>
+        </mc:Choice>
+        <mc:Fallback xmlns="">
+          <p:sp>
+            <p:nvSpPr>
+              <p:cNvPr id="53" name="文本框 52">
+                <a:extLst>
+                  <a:ext uri="{FF2B5EF4-FFF2-40B4-BE49-F238E27FC236}">
+                    <a16:creationId xmlns:a16="http://schemas.microsoft.com/office/drawing/2014/main" id="{1A58BE6B-4FCE-EA0A-93D6-8554FFA4CBBC}"/>
+                  </a:ext>
+                </a:extLst>
+              </p:cNvPr>
+              <p:cNvSpPr txBox="1">
+                <a:spLocks noRot="1" noChangeAspect="1" noMove="1" noResize="1" noEditPoints="1" noAdjustHandles="1" noChangeArrowheads="1" noChangeShapeType="1" noTextEdit="1"/>
+              </p:cNvSpPr>
+              <p:nvPr/>
+            </p:nvSpPr>
+            <p:spPr>
+              <a:xfrm>
+                <a:off x="12936008" y="3380021"/>
+                <a:ext cx="542894" cy="369332"/>
+              </a:xfrm>
+              <a:prstGeom prst="rect">
+                <a:avLst/>
+              </a:prstGeom>
+              <a:blipFill>
+                <a:blip r:embed="rId14"/>
+                <a:stretch>
+                  <a:fillRect b="-1639"/>
+                </a:stretch>
+              </a:blipFill>
+            </p:spPr>
+            <p:txBody>
+              <a:bodyPr/>
+              <a:lstStyle/>
+              <a:p>
+                <a:r>
+                  <a:rPr lang="en-US">
+                    <a:noFill/>
+                  </a:rPr>
+                  <a:t> </a:t>
+                </a:r>
+              </a:p>
+            </p:txBody>
+          </p:sp>
+        </mc:Fallback>
+      </mc:AlternateContent>
+      <mc:AlternateContent xmlns:mc="http://schemas.openxmlformats.org/markup-compatibility/2006" xmlns:a14="http://schemas.microsoft.com/office/drawing/2010/main">
+        <mc:Choice Requires="a14">
+          <p:sp>
+            <p:nvSpPr>
+              <p:cNvPr id="54" name="文本框 53">
+                <a:extLst>
+                  <a:ext uri="{FF2B5EF4-FFF2-40B4-BE49-F238E27FC236}">
+                    <a16:creationId xmlns:a16="http://schemas.microsoft.com/office/drawing/2014/main" id="{D27287D4-9760-F25E-E577-E02EA310C1D5}"/>
+                  </a:ext>
+                </a:extLst>
+              </p:cNvPr>
+              <p:cNvSpPr txBox="1"/>
+              <p:nvPr/>
+            </p:nvSpPr>
+            <p:spPr>
+              <a:xfrm>
+                <a:off x="13815632" y="3380021"/>
+                <a:ext cx="542894" cy="369332"/>
+              </a:xfrm>
+              <a:prstGeom prst="rect">
+                <a:avLst/>
+              </a:prstGeom>
+              <a:noFill/>
+            </p:spPr>
+            <p:txBody>
+              <a:bodyPr wrap="square" rtlCol="0">
+                <a:spAutoFit/>
+              </a:bodyPr>
+              <a:lstStyle/>
+              <a:p>
+                <a:pPr/>
+                <a14:m>
+                  <m:oMathPara xmlns:m="http://schemas.openxmlformats.org/officeDocument/2006/math">
+                    <m:oMathParaPr>
+                      <m:jc m:val="centerGroup"/>
+                    </m:oMathParaPr>
+                    <m:oMath xmlns:m="http://schemas.openxmlformats.org/officeDocument/2006/math">
+                      <m:sSub>
+                        <m:sSubPr>
+                          <m:ctrlPr>
+                            <a:rPr lang="en-US" b="1" i="1" smtClean="0">
+                              <a:latin typeface="Cambria Math" panose="02040503050406030204" pitchFamily="18" charset="0"/>
+                              <a:ea typeface="Cambria Math" panose="02040503050406030204" pitchFamily="18" charset="0"/>
+                            </a:rPr>
+                          </m:ctrlPr>
+                        </m:sSubPr>
+                        <m:e>
+                          <m:r>
+                            <a:rPr lang="en-US" altLang="zh-CN" b="1" i="0" smtClean="0">
+                              <a:latin typeface="Cambria Math" panose="02040503050406030204" pitchFamily="18" charset="0"/>
+                              <a:ea typeface="Cambria Math" panose="02040503050406030204" pitchFamily="18" charset="0"/>
+                            </a:rPr>
+                            <m:t>𝐘</m:t>
+                          </m:r>
+                        </m:e>
+                        <m:sub>
+                          <m:r>
+                            <a:rPr lang="en-US" altLang="zh-CN" b="1" i="0" smtClean="0">
+                              <a:latin typeface="Cambria Math" panose="02040503050406030204" pitchFamily="18" charset="0"/>
+                              <a:ea typeface="Cambria Math" panose="02040503050406030204" pitchFamily="18" charset="0"/>
+                            </a:rPr>
+                            <m:t>𝟐𝟓</m:t>
+                          </m:r>
+                        </m:sub>
+                      </m:sSub>
+                    </m:oMath>
+                  </m:oMathPara>
+                </a14:m>
+                <a:endParaRPr lang="en-US" b="1" dirty="0">
+                  <a:latin typeface="Times New Roman" panose="02020603050405020304" pitchFamily="18" charset="0"/>
+                  <a:cs typeface="Times New Roman" panose="02020603050405020304" pitchFamily="18" charset="0"/>
+                </a:endParaRPr>
+              </a:p>
+            </p:txBody>
+          </p:sp>
+        </mc:Choice>
+        <mc:Fallback xmlns="">
+          <p:sp>
+            <p:nvSpPr>
+              <p:cNvPr id="54" name="文本框 53">
+                <a:extLst>
+                  <a:ext uri="{FF2B5EF4-FFF2-40B4-BE49-F238E27FC236}">
+                    <a16:creationId xmlns:a16="http://schemas.microsoft.com/office/drawing/2014/main" id="{D27287D4-9760-F25E-E577-E02EA310C1D5}"/>
+                  </a:ext>
+                </a:extLst>
+              </p:cNvPr>
+              <p:cNvSpPr txBox="1">
+                <a:spLocks noRot="1" noChangeAspect="1" noMove="1" noResize="1" noEditPoints="1" noAdjustHandles="1" noChangeArrowheads="1" noChangeShapeType="1" noTextEdit="1"/>
+              </p:cNvSpPr>
+              <p:nvPr/>
+            </p:nvSpPr>
+            <p:spPr>
+              <a:xfrm>
+                <a:off x="13815632" y="3380021"/>
+                <a:ext cx="542894" cy="369332"/>
+              </a:xfrm>
+              <a:prstGeom prst="rect">
+                <a:avLst/>
+              </a:prstGeom>
+              <a:blipFill>
+                <a:blip r:embed="rId15"/>
+                <a:stretch>
+                  <a:fillRect b="-1639"/>
+                </a:stretch>
+              </a:blipFill>
+            </p:spPr>
+            <p:txBody>
+              <a:bodyPr/>
+              <a:lstStyle/>
+              <a:p>
+                <a:r>
+                  <a:rPr lang="en-US">
+                    <a:noFill/>
+                  </a:rPr>
+                  <a:t> </a:t>
+                </a:r>
+              </a:p>
+            </p:txBody>
+          </p:sp>
+        </mc:Fallback>
+      </mc:AlternateContent>
+      <mc:AlternateContent xmlns:mc="http://schemas.openxmlformats.org/markup-compatibility/2006" xmlns:a14="http://schemas.microsoft.com/office/drawing/2010/main">
+        <mc:Choice Requires="a14">
+          <p:sp>
+            <p:nvSpPr>
+              <p:cNvPr id="55" name="文本框 54">
+                <a:extLst>
+                  <a:ext uri="{FF2B5EF4-FFF2-40B4-BE49-F238E27FC236}">
+                    <a16:creationId xmlns:a16="http://schemas.microsoft.com/office/drawing/2014/main" id="{F805F73A-796B-D63F-A550-4ECBB05324CB}"/>
+                  </a:ext>
+                </a:extLst>
+              </p:cNvPr>
+              <p:cNvSpPr txBox="1"/>
+              <p:nvPr/>
+            </p:nvSpPr>
+            <p:spPr>
+              <a:xfrm>
+                <a:off x="14701851" y="3380021"/>
+                <a:ext cx="542894" cy="381515"/>
+              </a:xfrm>
+              <a:prstGeom prst="rect">
+                <a:avLst/>
+              </a:prstGeom>
+              <a:noFill/>
+            </p:spPr>
+            <p:txBody>
+              <a:bodyPr wrap="square" rtlCol="0">
+                <a:spAutoFit/>
+              </a:bodyPr>
+              <a:lstStyle/>
+              <a:p>
+                <a:pPr/>
+                <a14:m>
+                  <m:oMathPara xmlns:m="http://schemas.openxmlformats.org/officeDocument/2006/math">
+                    <m:oMathParaPr>
+                      <m:jc m:val="centerGroup"/>
+                    </m:oMathParaPr>
+                    <m:oMath xmlns:m="http://schemas.openxmlformats.org/officeDocument/2006/math">
+                      <m:sSub>
+                        <m:sSubPr>
+                          <m:ctrlPr>
+                            <a:rPr lang="en-US" b="1" i="1" smtClean="0">
+                              <a:latin typeface="Cambria Math" panose="02040503050406030204" pitchFamily="18" charset="0"/>
+                              <a:ea typeface="Cambria Math" panose="02040503050406030204" pitchFamily="18" charset="0"/>
+                            </a:rPr>
+                          </m:ctrlPr>
+                        </m:sSubPr>
+                        <m:e>
+                          <m:r>
+                            <a:rPr lang="en-US" altLang="zh-CN" b="1" i="0" smtClean="0">
+                              <a:latin typeface="Cambria Math" panose="02040503050406030204" pitchFamily="18" charset="0"/>
+                              <a:ea typeface="Cambria Math" panose="02040503050406030204" pitchFamily="18" charset="0"/>
+                            </a:rPr>
+                            <m:t>𝐘</m:t>
+                          </m:r>
+                        </m:e>
+                        <m:sub>
+                          <m:r>
+                            <a:rPr lang="en-US" altLang="zh-CN" b="1" i="0" smtClean="0">
+                              <a:latin typeface="Cambria Math" panose="02040503050406030204" pitchFamily="18" charset="0"/>
+                              <a:ea typeface="Cambria Math" panose="02040503050406030204" pitchFamily="18" charset="0"/>
+                            </a:rPr>
+                            <m:t>𝐧</m:t>
+                          </m:r>
+                          <m:r>
+                            <a:rPr lang="en-US" altLang="zh-CN" b="1" i="0" smtClean="0">
+                              <a:latin typeface="Cambria Math" panose="02040503050406030204" pitchFamily="18" charset="0"/>
+                              <a:ea typeface="Cambria Math" panose="02040503050406030204" pitchFamily="18" charset="0"/>
+                            </a:rPr>
+                            <m:t>,</m:t>
+                          </m:r>
+                          <m:r>
+                            <a:rPr lang="en-US" altLang="zh-CN" b="1" i="0" smtClean="0">
+                              <a:latin typeface="Cambria Math" panose="02040503050406030204" pitchFamily="18" charset="0"/>
+                              <a:ea typeface="Cambria Math" panose="02040503050406030204" pitchFamily="18" charset="0"/>
+                            </a:rPr>
+                            <m:t>𝟓</m:t>
+                          </m:r>
+                        </m:sub>
+                      </m:sSub>
+                    </m:oMath>
+                  </m:oMathPara>
+                </a14:m>
+                <a:endParaRPr lang="en-US" b="1" dirty="0">
+                  <a:latin typeface="Times New Roman" panose="02020603050405020304" pitchFamily="18" charset="0"/>
+                  <a:cs typeface="Times New Roman" panose="02020603050405020304" pitchFamily="18" charset="0"/>
+                </a:endParaRPr>
+              </a:p>
+            </p:txBody>
+          </p:sp>
+        </mc:Choice>
+        <mc:Fallback xmlns="">
+          <p:sp>
+            <p:nvSpPr>
+              <p:cNvPr id="55" name="文本框 54">
+                <a:extLst>
+                  <a:ext uri="{FF2B5EF4-FFF2-40B4-BE49-F238E27FC236}">
+                    <a16:creationId xmlns:a16="http://schemas.microsoft.com/office/drawing/2014/main" id="{F805F73A-796B-D63F-A550-4ECBB05324CB}"/>
+                  </a:ext>
+                </a:extLst>
+              </p:cNvPr>
+              <p:cNvSpPr txBox="1">
+                <a:spLocks noRot="1" noChangeAspect="1" noMove="1" noResize="1" noEditPoints="1" noAdjustHandles="1" noChangeArrowheads="1" noChangeShapeType="1" noTextEdit="1"/>
+              </p:cNvSpPr>
+              <p:nvPr/>
+            </p:nvSpPr>
+            <p:spPr>
+              <a:xfrm>
+                <a:off x="14701851" y="3380021"/>
+                <a:ext cx="542894" cy="381515"/>
+              </a:xfrm>
+              <a:prstGeom prst="rect">
+                <a:avLst/>
+              </a:prstGeom>
+              <a:blipFill>
+                <a:blip r:embed="rId16"/>
+                <a:stretch>
+                  <a:fillRect/>
+                </a:stretch>
+              </a:blipFill>
+            </p:spPr>
+            <p:txBody>
+              <a:bodyPr/>
+              <a:lstStyle/>
+              <a:p>
+                <a:r>
+                  <a:rPr lang="en-US">
+                    <a:noFill/>
+                  </a:rPr>
+                  <a:t> </a:t>
+                </a:r>
+              </a:p>
+            </p:txBody>
+          </p:sp>
+        </mc:Fallback>
+      </mc:AlternateContent>
+      <p:cxnSp>
+        <p:nvCxnSpPr>
+          <p:cNvPr id="57" name="直接箭头连接符 56">
+            <a:extLst>
+              <a:ext uri="{FF2B5EF4-FFF2-40B4-BE49-F238E27FC236}">
+                <a16:creationId xmlns:a16="http://schemas.microsoft.com/office/drawing/2014/main" id="{CBE0EEFC-6423-DA24-6661-2B7D0DDEE789}"/>
+              </a:ext>
+            </a:extLst>
+          </p:cNvPr>
+          <p:cNvCxnSpPr>
+            <a:stCxn id="4" idx="2"/>
+            <a:endCxn id="9" idx="0"/>
+          </p:cNvCxnSpPr>
+          <p:nvPr/>
+        </p:nvCxnSpPr>
+        <p:spPr>
+          <a:xfrm flipH="1">
+            <a:off x="3440565" y="1394589"/>
+            <a:ext cx="5237989" cy="973886"/>
+          </a:xfrm>
+          <a:prstGeom prst="straightConnector1">
+            <a:avLst/>
+          </a:prstGeom>
+          <a:ln w="19050">
+            <a:tailEnd type="triangle"/>
+          </a:ln>
+        </p:spPr>
+        <p:style>
+          <a:lnRef idx="1">
+            <a:schemeClr val="dk1"/>
+          </a:lnRef>
+          <a:fillRef idx="0">
+            <a:schemeClr val="dk1"/>
+          </a:fillRef>
+          <a:effectRef idx="0">
+            <a:schemeClr val="dk1"/>
+          </a:effectRef>
+          <a:fontRef idx="minor">
+            <a:schemeClr val="tx1"/>
+          </a:fontRef>
+        </p:style>
+      </p:cxnSp>
+      <p:cxnSp>
+        <p:nvCxnSpPr>
+          <p:cNvPr id="58" name="直接箭头连接符 57">
+            <a:extLst>
+              <a:ext uri="{FF2B5EF4-FFF2-40B4-BE49-F238E27FC236}">
+                <a16:creationId xmlns:a16="http://schemas.microsoft.com/office/drawing/2014/main" id="{CC6C6564-E75A-6CAE-8E09-8CD37F5CA764}"/>
+              </a:ext>
+            </a:extLst>
+          </p:cNvPr>
+          <p:cNvCxnSpPr>
+            <a:cxnSpLocks/>
+            <a:stCxn id="4" idx="2"/>
+            <a:endCxn id="5" idx="0"/>
+          </p:cNvCxnSpPr>
+          <p:nvPr/>
+        </p:nvCxnSpPr>
+        <p:spPr>
+          <a:xfrm flipH="1">
+            <a:off x="6153746" y="1394589"/>
+            <a:ext cx="2524808" cy="973886"/>
+          </a:xfrm>
+          <a:prstGeom prst="straightConnector1">
+            <a:avLst/>
+          </a:prstGeom>
+          <a:ln w="19050">
+            <a:tailEnd type="triangle"/>
+          </a:ln>
+        </p:spPr>
+        <p:style>
+          <a:lnRef idx="1">
+            <a:schemeClr val="dk1"/>
+          </a:lnRef>
+          <a:fillRef idx="0">
+            <a:schemeClr val="dk1"/>
+          </a:fillRef>
+          <a:effectRef idx="0">
+            <a:schemeClr val="dk1"/>
+          </a:effectRef>
+          <a:fontRef idx="minor">
+            <a:schemeClr val="tx1"/>
+          </a:fontRef>
+        </p:style>
+      </p:cxnSp>
+      <p:cxnSp>
+        <p:nvCxnSpPr>
+          <p:cNvPr id="61" name="直接箭头连接符 60">
+            <a:extLst>
+              <a:ext uri="{FF2B5EF4-FFF2-40B4-BE49-F238E27FC236}">
+                <a16:creationId xmlns:a16="http://schemas.microsoft.com/office/drawing/2014/main" id="{395F98AF-3634-B5F5-9DF7-21AD70D2C272}"/>
+              </a:ext>
+            </a:extLst>
+          </p:cNvPr>
+          <p:cNvCxnSpPr>
+            <a:cxnSpLocks/>
+            <a:stCxn id="4" idx="2"/>
+          </p:cNvCxnSpPr>
+          <p:nvPr/>
+        </p:nvCxnSpPr>
+        <p:spPr>
+          <a:xfrm>
+            <a:off x="8678554" y="1394589"/>
+            <a:ext cx="0" cy="973886"/>
+          </a:xfrm>
+          <a:prstGeom prst="straightConnector1">
+            <a:avLst/>
+          </a:prstGeom>
+          <a:ln w="19050">
+            <a:tailEnd type="triangle"/>
+          </a:ln>
+        </p:spPr>
+        <p:style>
+          <a:lnRef idx="1">
+            <a:schemeClr val="dk1"/>
+          </a:lnRef>
+          <a:fillRef idx="0">
+            <a:schemeClr val="dk1"/>
+          </a:fillRef>
+          <a:effectRef idx="0">
+            <a:schemeClr val="dk1"/>
+          </a:effectRef>
+          <a:fontRef idx="minor">
+            <a:schemeClr val="tx1"/>
+          </a:fontRef>
+        </p:style>
+      </p:cxnSp>
+      <p:cxnSp>
+        <p:nvCxnSpPr>
+          <p:cNvPr id="64" name="直接箭头连接符 63">
+            <a:extLst>
+              <a:ext uri="{FF2B5EF4-FFF2-40B4-BE49-F238E27FC236}">
+                <a16:creationId xmlns:a16="http://schemas.microsoft.com/office/drawing/2014/main" id="{BADB3DB2-30C7-D5A8-6818-2540BDE563BB}"/>
+              </a:ext>
+            </a:extLst>
+          </p:cNvPr>
+          <p:cNvCxnSpPr>
+            <a:cxnSpLocks/>
+            <a:stCxn id="4" idx="2"/>
+            <a:endCxn id="7" idx="0"/>
+          </p:cNvCxnSpPr>
+          <p:nvPr/>
+        </p:nvCxnSpPr>
+        <p:spPr>
+          <a:xfrm>
+            <a:off x="8678554" y="1394589"/>
+            <a:ext cx="2700974" cy="973886"/>
+          </a:xfrm>
+          <a:prstGeom prst="straightConnector1">
+            <a:avLst/>
+          </a:prstGeom>
+          <a:ln w="19050">
+            <a:tailEnd type="triangle"/>
+          </a:ln>
+        </p:spPr>
+        <p:style>
+          <a:lnRef idx="1">
+            <a:schemeClr val="dk1"/>
+          </a:lnRef>
+          <a:fillRef idx="0">
+            <a:schemeClr val="dk1"/>
+          </a:fillRef>
+          <a:effectRef idx="0">
+            <a:schemeClr val="dk1"/>
+          </a:effectRef>
+          <a:fontRef idx="minor">
+            <a:schemeClr val="tx1"/>
+          </a:fontRef>
+        </p:style>
+      </p:cxnSp>
+      <p:cxnSp>
+        <p:nvCxnSpPr>
+          <p:cNvPr id="67" name="直接箭头连接符 66">
+            <a:extLst>
+              <a:ext uri="{FF2B5EF4-FFF2-40B4-BE49-F238E27FC236}">
+                <a16:creationId xmlns:a16="http://schemas.microsoft.com/office/drawing/2014/main" id="{650934B1-8BAB-082E-033E-6818D62F6D3A}"/>
+              </a:ext>
+            </a:extLst>
+          </p:cNvPr>
+          <p:cNvCxnSpPr>
+            <a:cxnSpLocks/>
+            <a:endCxn id="8" idx="0"/>
+          </p:cNvCxnSpPr>
+          <p:nvPr/>
+        </p:nvCxnSpPr>
+        <p:spPr>
+          <a:xfrm>
+            <a:off x="8697227" y="1394589"/>
+            <a:ext cx="5273845" cy="973886"/>
+          </a:xfrm>
+          <a:prstGeom prst="straightConnector1">
+            <a:avLst/>
+          </a:prstGeom>
+          <a:ln w="19050">
+            <a:tailEnd type="triangle"/>
+          </a:ln>
+        </p:spPr>
+        <p:style>
+          <a:lnRef idx="1">
+            <a:schemeClr val="dk1"/>
+          </a:lnRef>
+          <a:fillRef idx="0">
+            <a:schemeClr val="dk1"/>
+          </a:fillRef>
+          <a:effectRef idx="0">
+            <a:schemeClr val="dk1"/>
+          </a:effectRef>
+          <a:fontRef idx="minor">
+            <a:schemeClr val="tx1"/>
+          </a:fontRef>
+        </p:style>
+      </p:cxnSp>
+      <p:cxnSp>
+        <p:nvCxnSpPr>
+          <p:cNvPr id="69" name="直接箭头连接符 68">
+            <a:extLst>
+              <a:ext uri="{FF2B5EF4-FFF2-40B4-BE49-F238E27FC236}">
+                <a16:creationId xmlns:a16="http://schemas.microsoft.com/office/drawing/2014/main" id="{935F6829-8C7B-19F7-E921-A5AE84FB08D0}"/>
+              </a:ext>
+            </a:extLst>
+          </p:cNvPr>
+          <p:cNvCxnSpPr>
+            <a:cxnSpLocks/>
+            <a:stCxn id="9" idx="2"/>
+            <a:endCxn id="10" idx="0"/>
+          </p:cNvCxnSpPr>
+          <p:nvPr/>
+        </p:nvCxnSpPr>
+        <p:spPr>
+          <a:xfrm flipH="1">
+            <a:off x="2578857" y="2891695"/>
+            <a:ext cx="861708" cy="332335"/>
+          </a:xfrm>
+          <a:prstGeom prst="straightConnector1">
+            <a:avLst/>
+          </a:prstGeom>
+          <a:ln w="19050">
+            <a:tailEnd type="triangle"/>
+          </a:ln>
+        </p:spPr>
+        <p:style>
+          <a:lnRef idx="1">
+            <a:schemeClr val="dk1"/>
+          </a:lnRef>
+          <a:fillRef idx="0">
+            <a:schemeClr val="dk1"/>
+          </a:fillRef>
+          <a:effectRef idx="0">
+            <a:schemeClr val="dk1"/>
+          </a:effectRef>
+          <a:fontRef idx="minor">
+            <a:schemeClr val="tx1"/>
+          </a:fontRef>
+        </p:style>
+      </p:cxnSp>
+      <p:cxnSp>
+        <p:nvCxnSpPr>
+          <p:cNvPr id="73" name="直接箭头连接符 72">
+            <a:extLst>
+              <a:ext uri="{FF2B5EF4-FFF2-40B4-BE49-F238E27FC236}">
+                <a16:creationId xmlns:a16="http://schemas.microsoft.com/office/drawing/2014/main" id="{217A8EC0-D89A-95B1-6B08-1C99C517D4F4}"/>
+              </a:ext>
+            </a:extLst>
+          </p:cNvPr>
+          <p:cNvCxnSpPr>
+            <a:cxnSpLocks/>
+            <a:stCxn id="9" idx="2"/>
+            <a:endCxn id="11" idx="0"/>
+          </p:cNvCxnSpPr>
+          <p:nvPr/>
+        </p:nvCxnSpPr>
+        <p:spPr>
+          <a:xfrm>
+            <a:off x="3440565" y="2891695"/>
+            <a:ext cx="697" cy="332335"/>
+          </a:xfrm>
+          <a:prstGeom prst="straightConnector1">
+            <a:avLst/>
+          </a:prstGeom>
+          <a:ln w="19050">
+            <a:tailEnd type="triangle"/>
+          </a:ln>
+        </p:spPr>
+        <p:style>
+          <a:lnRef idx="1">
+            <a:schemeClr val="dk1"/>
+          </a:lnRef>
+          <a:fillRef idx="0">
+            <a:schemeClr val="dk1"/>
+          </a:fillRef>
+          <a:effectRef idx="0">
+            <a:schemeClr val="dk1"/>
+          </a:effectRef>
+          <a:fontRef idx="minor">
+            <a:schemeClr val="tx1"/>
+          </a:fontRef>
+        </p:style>
+      </p:cxnSp>
+      <p:cxnSp>
+        <p:nvCxnSpPr>
+          <p:cNvPr id="76" name="直接箭头连接符 75">
+            <a:extLst>
+              <a:ext uri="{FF2B5EF4-FFF2-40B4-BE49-F238E27FC236}">
+                <a16:creationId xmlns:a16="http://schemas.microsoft.com/office/drawing/2014/main" id="{CD47A1D0-60ED-4094-56D2-71F4899BBAA4}"/>
+              </a:ext>
+            </a:extLst>
+          </p:cNvPr>
+          <p:cNvCxnSpPr>
+            <a:cxnSpLocks/>
+            <a:stCxn id="9" idx="2"/>
+            <a:endCxn id="12" idx="0"/>
+          </p:cNvCxnSpPr>
+          <p:nvPr/>
+        </p:nvCxnSpPr>
+        <p:spPr>
+          <a:xfrm>
+            <a:off x="3440565" y="2891695"/>
+            <a:ext cx="877244" cy="332335"/>
+          </a:xfrm>
+          <a:prstGeom prst="straightConnector1">
+            <a:avLst/>
+          </a:prstGeom>
+          <a:ln w="19050">
+            <a:tailEnd type="triangle"/>
+          </a:ln>
+        </p:spPr>
+        <p:style>
+          <a:lnRef idx="1">
+            <a:schemeClr val="dk1"/>
+          </a:lnRef>
+          <a:fillRef idx="0">
+            <a:schemeClr val="dk1"/>
+          </a:fillRef>
+          <a:effectRef idx="0">
+            <a:schemeClr val="dk1"/>
+          </a:effectRef>
+          <a:fontRef idx="minor">
+            <a:schemeClr val="tx1"/>
+          </a:fontRef>
+        </p:style>
+      </p:cxnSp>
+      <p:cxnSp>
+        <p:nvCxnSpPr>
+          <p:cNvPr id="79" name="直接箭头连接符 78">
+            <a:extLst>
+              <a:ext uri="{FF2B5EF4-FFF2-40B4-BE49-F238E27FC236}">
+                <a16:creationId xmlns:a16="http://schemas.microsoft.com/office/drawing/2014/main" id="{D5F8180F-19C5-FA2F-8A17-2AF4B9276372}"/>
+              </a:ext>
+            </a:extLst>
+          </p:cNvPr>
+          <p:cNvCxnSpPr>
+            <a:cxnSpLocks/>
+          </p:cNvCxnSpPr>
+          <p:nvPr/>
+        </p:nvCxnSpPr>
+        <p:spPr>
+          <a:xfrm flipH="1">
+            <a:off x="5215000" y="2891694"/>
+            <a:ext cx="861708" cy="332335"/>
+          </a:xfrm>
+          <a:prstGeom prst="straightConnector1">
+            <a:avLst/>
+          </a:prstGeom>
+          <a:ln w="19050">
+            <a:tailEnd type="triangle"/>
+          </a:ln>
+        </p:spPr>
+        <p:style>
+          <a:lnRef idx="1">
+            <a:schemeClr val="dk1"/>
+          </a:lnRef>
+          <a:fillRef idx="0">
+            <a:schemeClr val="dk1"/>
+          </a:fillRef>
+          <a:effectRef idx="0">
+            <a:schemeClr val="dk1"/>
+          </a:effectRef>
+          <a:fontRef idx="minor">
+            <a:schemeClr val="tx1"/>
+          </a:fontRef>
+        </p:style>
+      </p:cxnSp>
+      <p:cxnSp>
+        <p:nvCxnSpPr>
+          <p:cNvPr id="80" name="直接箭头连接符 79">
+            <a:extLst>
+              <a:ext uri="{FF2B5EF4-FFF2-40B4-BE49-F238E27FC236}">
+                <a16:creationId xmlns:a16="http://schemas.microsoft.com/office/drawing/2014/main" id="{1450B4D8-48C8-B1F3-CB43-B42A4920F3C7}"/>
+              </a:ext>
+            </a:extLst>
+          </p:cNvPr>
+          <p:cNvCxnSpPr>
+            <a:cxnSpLocks/>
+          </p:cNvCxnSpPr>
+          <p:nvPr/>
+        </p:nvCxnSpPr>
+        <p:spPr>
+          <a:xfrm>
+            <a:off x="6076708" y="2891694"/>
+            <a:ext cx="697" cy="332335"/>
+          </a:xfrm>
+          <a:prstGeom prst="straightConnector1">
+            <a:avLst/>
+          </a:prstGeom>
+          <a:ln w="19050">
+            <a:tailEnd type="triangle"/>
+          </a:ln>
+        </p:spPr>
+        <p:style>
+          <a:lnRef idx="1">
+            <a:schemeClr val="dk1"/>
+          </a:lnRef>
+          <a:fillRef idx="0">
+            <a:schemeClr val="dk1"/>
+          </a:fillRef>
+          <a:effectRef idx="0">
+            <a:schemeClr val="dk1"/>
+          </a:effectRef>
+          <a:fontRef idx="minor">
+            <a:schemeClr val="tx1"/>
+          </a:fontRef>
+        </p:style>
+      </p:cxnSp>
+      <p:cxnSp>
+        <p:nvCxnSpPr>
+          <p:cNvPr id="81" name="直接箭头连接符 80">
+            <a:extLst>
+              <a:ext uri="{FF2B5EF4-FFF2-40B4-BE49-F238E27FC236}">
+                <a16:creationId xmlns:a16="http://schemas.microsoft.com/office/drawing/2014/main" id="{B0D5BECD-AAFE-E120-CAFC-7CC1A81EAB47}"/>
+              </a:ext>
+            </a:extLst>
+          </p:cNvPr>
+          <p:cNvCxnSpPr>
+            <a:cxnSpLocks/>
+          </p:cNvCxnSpPr>
+          <p:nvPr/>
+        </p:nvCxnSpPr>
+        <p:spPr>
+          <a:xfrm>
+            <a:off x="6076708" y="2891694"/>
+            <a:ext cx="877244" cy="332335"/>
+          </a:xfrm>
+          <a:prstGeom prst="straightConnector1">
+            <a:avLst/>
+          </a:prstGeom>
+          <a:ln w="19050">
+            <a:tailEnd type="triangle"/>
+          </a:ln>
+        </p:spPr>
+        <p:style>
+          <a:lnRef idx="1">
+            <a:schemeClr val="dk1"/>
+          </a:lnRef>
+          <a:fillRef idx="0">
+            <a:schemeClr val="dk1"/>
+          </a:fillRef>
+          <a:effectRef idx="0">
+            <a:schemeClr val="dk1"/>
+          </a:effectRef>
+          <a:fontRef idx="minor">
+            <a:schemeClr val="tx1"/>
+          </a:fontRef>
+        </p:style>
+      </p:cxnSp>
+      <p:cxnSp>
+        <p:nvCxnSpPr>
+          <p:cNvPr id="82" name="直接箭头连接符 81">
+            <a:extLst>
+              <a:ext uri="{FF2B5EF4-FFF2-40B4-BE49-F238E27FC236}">
+                <a16:creationId xmlns:a16="http://schemas.microsoft.com/office/drawing/2014/main" id="{D8279A5C-F1B8-43E6-068F-90973C0F3F6A}"/>
+              </a:ext>
+            </a:extLst>
+          </p:cNvPr>
+          <p:cNvCxnSpPr>
+            <a:cxnSpLocks/>
+          </p:cNvCxnSpPr>
+          <p:nvPr/>
+        </p:nvCxnSpPr>
+        <p:spPr>
+          <a:xfrm flipH="1">
+            <a:off x="7816149" y="2886084"/>
+            <a:ext cx="861708" cy="332335"/>
+          </a:xfrm>
+          <a:prstGeom prst="straightConnector1">
+            <a:avLst/>
+          </a:prstGeom>
+          <a:ln w="19050">
+            <a:tailEnd type="triangle"/>
+          </a:ln>
+        </p:spPr>
+        <p:style>
+          <a:lnRef idx="1">
+            <a:schemeClr val="dk1"/>
+          </a:lnRef>
+          <a:fillRef idx="0">
+            <a:schemeClr val="dk1"/>
+          </a:fillRef>
+          <a:effectRef idx="0">
+            <a:schemeClr val="dk1"/>
+          </a:effectRef>
+          <a:fontRef idx="minor">
+            <a:schemeClr val="tx1"/>
+          </a:fontRef>
+        </p:style>
+      </p:cxnSp>
+      <p:cxnSp>
+        <p:nvCxnSpPr>
+          <p:cNvPr id="83" name="直接箭头连接符 82">
+            <a:extLst>
+              <a:ext uri="{FF2B5EF4-FFF2-40B4-BE49-F238E27FC236}">
+                <a16:creationId xmlns:a16="http://schemas.microsoft.com/office/drawing/2014/main" id="{F57C1054-9147-B91C-1CB7-4CDC64A15071}"/>
+              </a:ext>
+            </a:extLst>
+          </p:cNvPr>
+          <p:cNvCxnSpPr>
+            <a:cxnSpLocks/>
+          </p:cNvCxnSpPr>
+          <p:nvPr/>
+        </p:nvCxnSpPr>
+        <p:spPr>
+          <a:xfrm>
+            <a:off x="8677857" y="2886084"/>
+            <a:ext cx="697" cy="332335"/>
+          </a:xfrm>
+          <a:prstGeom prst="straightConnector1">
+            <a:avLst/>
+          </a:prstGeom>
+          <a:ln w="19050">
+            <a:tailEnd type="triangle"/>
+          </a:ln>
+        </p:spPr>
+        <p:style>
+          <a:lnRef idx="1">
+            <a:schemeClr val="dk1"/>
+          </a:lnRef>
+          <a:fillRef idx="0">
+            <a:schemeClr val="dk1"/>
+          </a:fillRef>
+          <a:effectRef idx="0">
+            <a:schemeClr val="dk1"/>
+          </a:effectRef>
+          <a:fontRef idx="minor">
+            <a:schemeClr val="tx1"/>
+          </a:fontRef>
+        </p:style>
+      </p:cxnSp>
+      <p:cxnSp>
+        <p:nvCxnSpPr>
+          <p:cNvPr id="84" name="直接箭头连接符 83">
+            <a:extLst>
+              <a:ext uri="{FF2B5EF4-FFF2-40B4-BE49-F238E27FC236}">
+                <a16:creationId xmlns:a16="http://schemas.microsoft.com/office/drawing/2014/main" id="{2A17CCB9-B972-35E5-295F-4C2E42468F78}"/>
+              </a:ext>
+            </a:extLst>
+          </p:cNvPr>
+          <p:cNvCxnSpPr>
+            <a:cxnSpLocks/>
+          </p:cNvCxnSpPr>
+          <p:nvPr/>
+        </p:nvCxnSpPr>
+        <p:spPr>
+          <a:xfrm>
+            <a:off x="8677857" y="2886084"/>
+            <a:ext cx="877244" cy="332335"/>
+          </a:xfrm>
+          <a:prstGeom prst="straightConnector1">
+            <a:avLst/>
+          </a:prstGeom>
+          <a:ln w="19050">
+            <a:tailEnd type="triangle"/>
+          </a:ln>
+        </p:spPr>
+        <p:style>
+          <a:lnRef idx="1">
+            <a:schemeClr val="dk1"/>
+          </a:lnRef>
+          <a:fillRef idx="0">
+            <a:schemeClr val="dk1"/>
+          </a:fillRef>
+          <a:effectRef idx="0">
+            <a:schemeClr val="dk1"/>
+          </a:effectRef>
+          <a:fontRef idx="minor">
+            <a:schemeClr val="tx1"/>
+          </a:fontRef>
+        </p:style>
+      </p:cxnSp>
+      <p:cxnSp>
+        <p:nvCxnSpPr>
+          <p:cNvPr id="85" name="直接箭头连接符 84">
+            <a:extLst>
+              <a:ext uri="{FF2B5EF4-FFF2-40B4-BE49-F238E27FC236}">
+                <a16:creationId xmlns:a16="http://schemas.microsoft.com/office/drawing/2014/main" id="{85F7A3E1-8F69-EC6F-883E-624BC8D52DFC}"/>
+              </a:ext>
+            </a:extLst>
+          </p:cNvPr>
+          <p:cNvCxnSpPr>
+            <a:cxnSpLocks/>
+          </p:cNvCxnSpPr>
+          <p:nvPr/>
+        </p:nvCxnSpPr>
+        <p:spPr>
+          <a:xfrm flipH="1">
+            <a:off x="10556171" y="2895601"/>
+            <a:ext cx="861708" cy="332335"/>
+          </a:xfrm>
+          <a:prstGeom prst="straightConnector1">
+            <a:avLst/>
+          </a:prstGeom>
+          <a:ln w="19050">
+            <a:tailEnd type="triangle"/>
+          </a:ln>
+        </p:spPr>
+        <p:style>
+          <a:lnRef idx="1">
+            <a:schemeClr val="dk1"/>
+          </a:lnRef>
+          <a:fillRef idx="0">
+            <a:schemeClr val="dk1"/>
+          </a:fillRef>
+          <a:effectRef idx="0">
+            <a:schemeClr val="dk1"/>
+          </a:effectRef>
+          <a:fontRef idx="minor">
+            <a:schemeClr val="tx1"/>
+          </a:fontRef>
+        </p:style>
+      </p:cxnSp>
+      <p:cxnSp>
+        <p:nvCxnSpPr>
+          <p:cNvPr id="86" name="直接箭头连接符 85">
+            <a:extLst>
+              <a:ext uri="{FF2B5EF4-FFF2-40B4-BE49-F238E27FC236}">
+                <a16:creationId xmlns:a16="http://schemas.microsoft.com/office/drawing/2014/main" id="{CF58AB94-F370-DFD6-545E-F326A10600FD}"/>
+              </a:ext>
+            </a:extLst>
+          </p:cNvPr>
+          <p:cNvCxnSpPr>
+            <a:cxnSpLocks/>
+          </p:cNvCxnSpPr>
+          <p:nvPr/>
+        </p:nvCxnSpPr>
+        <p:spPr>
+          <a:xfrm>
+            <a:off x="11417879" y="2895601"/>
+            <a:ext cx="697" cy="332335"/>
+          </a:xfrm>
+          <a:prstGeom prst="straightConnector1">
+            <a:avLst/>
+          </a:prstGeom>
+          <a:ln w="19050">
+            <a:tailEnd type="triangle"/>
+          </a:ln>
+        </p:spPr>
+        <p:style>
+          <a:lnRef idx="1">
+            <a:schemeClr val="dk1"/>
+          </a:lnRef>
+          <a:fillRef idx="0">
+            <a:schemeClr val="dk1"/>
+          </a:fillRef>
+          <a:effectRef idx="0">
+            <a:schemeClr val="dk1"/>
+          </a:effectRef>
+          <a:fontRef idx="minor">
+            <a:schemeClr val="tx1"/>
+          </a:fontRef>
+        </p:style>
+      </p:cxnSp>
+      <p:cxnSp>
+        <p:nvCxnSpPr>
+          <p:cNvPr id="87" name="直接箭头连接符 86">
+            <a:extLst>
+              <a:ext uri="{FF2B5EF4-FFF2-40B4-BE49-F238E27FC236}">
+                <a16:creationId xmlns:a16="http://schemas.microsoft.com/office/drawing/2014/main" id="{85D4223B-5194-49FB-9E9D-E63C75443525}"/>
+              </a:ext>
+            </a:extLst>
+          </p:cNvPr>
+          <p:cNvCxnSpPr>
+            <a:cxnSpLocks/>
+          </p:cNvCxnSpPr>
+          <p:nvPr/>
+        </p:nvCxnSpPr>
+        <p:spPr>
+          <a:xfrm>
+            <a:off x="11417879" y="2895601"/>
+            <a:ext cx="877244" cy="332335"/>
+          </a:xfrm>
+          <a:prstGeom prst="straightConnector1">
+            <a:avLst/>
+          </a:prstGeom>
+          <a:ln w="19050">
+            <a:tailEnd type="triangle"/>
+          </a:ln>
+        </p:spPr>
+        <p:style>
+          <a:lnRef idx="1">
+            <a:schemeClr val="dk1"/>
+          </a:lnRef>
+          <a:fillRef idx="0">
+            <a:schemeClr val="dk1"/>
+          </a:fillRef>
+          <a:effectRef idx="0">
+            <a:schemeClr val="dk1"/>
+          </a:effectRef>
+          <a:fontRef idx="minor">
+            <a:schemeClr val="tx1"/>
+          </a:fontRef>
+        </p:style>
+      </p:cxnSp>
+      <p:cxnSp>
+        <p:nvCxnSpPr>
+          <p:cNvPr id="88" name="直接箭头连接符 87">
+            <a:extLst>
+              <a:ext uri="{FF2B5EF4-FFF2-40B4-BE49-F238E27FC236}">
+                <a16:creationId xmlns:a16="http://schemas.microsoft.com/office/drawing/2014/main" id="{E43F1F19-DC9D-BF73-B4C4-B0D171D277EA}"/>
+              </a:ext>
+            </a:extLst>
+          </p:cNvPr>
+          <p:cNvCxnSpPr>
+            <a:cxnSpLocks/>
+          </p:cNvCxnSpPr>
+          <p:nvPr/>
+        </p:nvCxnSpPr>
+        <p:spPr>
+          <a:xfrm flipH="1">
+            <a:off x="13186930" y="2895601"/>
+            <a:ext cx="861708" cy="332335"/>
+          </a:xfrm>
+          <a:prstGeom prst="straightConnector1">
+            <a:avLst/>
+          </a:prstGeom>
+          <a:ln w="19050">
+            <a:tailEnd type="triangle"/>
+          </a:ln>
+        </p:spPr>
+        <p:style>
+          <a:lnRef idx="1">
+            <a:schemeClr val="dk1"/>
+          </a:lnRef>
+          <a:fillRef idx="0">
+            <a:schemeClr val="dk1"/>
+          </a:fillRef>
+          <a:effectRef idx="0">
+            <a:schemeClr val="dk1"/>
+          </a:effectRef>
+          <a:fontRef idx="minor">
+            <a:schemeClr val="tx1"/>
+          </a:fontRef>
+        </p:style>
+      </p:cxnSp>
+      <p:cxnSp>
+        <p:nvCxnSpPr>
+          <p:cNvPr id="89" name="直接箭头连接符 88">
+            <a:extLst>
+              <a:ext uri="{FF2B5EF4-FFF2-40B4-BE49-F238E27FC236}">
+                <a16:creationId xmlns:a16="http://schemas.microsoft.com/office/drawing/2014/main" id="{F501C108-6DFE-BEE1-6AE4-B98D56028881}"/>
+              </a:ext>
+            </a:extLst>
+          </p:cNvPr>
+          <p:cNvCxnSpPr>
+            <a:cxnSpLocks/>
+          </p:cNvCxnSpPr>
+          <p:nvPr/>
+        </p:nvCxnSpPr>
+        <p:spPr>
+          <a:xfrm>
+            <a:off x="14048638" y="2895601"/>
+            <a:ext cx="697" cy="332335"/>
+          </a:xfrm>
+          <a:prstGeom prst="straightConnector1">
+            <a:avLst/>
+          </a:prstGeom>
+          <a:ln w="19050">
+            <a:tailEnd type="triangle"/>
+          </a:ln>
+        </p:spPr>
+        <p:style>
+          <a:lnRef idx="1">
+            <a:schemeClr val="dk1"/>
+          </a:lnRef>
+          <a:fillRef idx="0">
+            <a:schemeClr val="dk1"/>
+          </a:fillRef>
+          <a:effectRef idx="0">
+            <a:schemeClr val="dk1"/>
+          </a:effectRef>
+          <a:fontRef idx="minor">
+            <a:schemeClr val="tx1"/>
+          </a:fontRef>
+        </p:style>
+      </p:cxnSp>
+      <p:cxnSp>
+        <p:nvCxnSpPr>
+          <p:cNvPr id="90" name="直接箭头连接符 89">
+            <a:extLst>
+              <a:ext uri="{FF2B5EF4-FFF2-40B4-BE49-F238E27FC236}">
+                <a16:creationId xmlns:a16="http://schemas.microsoft.com/office/drawing/2014/main" id="{04C143C9-CFB9-D5D2-C666-D468D5F6EE67}"/>
+              </a:ext>
+            </a:extLst>
+          </p:cNvPr>
+          <p:cNvCxnSpPr>
+            <a:cxnSpLocks/>
+          </p:cNvCxnSpPr>
+          <p:nvPr/>
+        </p:nvCxnSpPr>
+        <p:spPr>
+          <a:xfrm>
+            <a:off x="14048638" y="2895601"/>
+            <a:ext cx="877244" cy="332335"/>
+          </a:xfrm>
+          <a:prstGeom prst="straightConnector1">
+            <a:avLst/>
+          </a:prstGeom>
+          <a:ln w="19050">
+            <a:tailEnd type="triangle"/>
+          </a:ln>
+        </p:spPr>
+        <p:style>
+          <a:lnRef idx="1">
+            <a:schemeClr val="dk1"/>
+          </a:lnRef>
+          <a:fillRef idx="0">
+            <a:schemeClr val="dk1"/>
+          </a:fillRef>
+          <a:effectRef idx="0">
+            <a:schemeClr val="dk1"/>
+          </a:effectRef>
+          <a:fontRef idx="minor">
+            <a:schemeClr val="tx1"/>
+          </a:fontRef>
+        </p:style>
+      </p:cxnSp>
+      <p:sp>
+        <p:nvSpPr>
+          <p:cNvPr id="92" name="文本框 91">
+            <a:extLst>
+              <a:ext uri="{FF2B5EF4-FFF2-40B4-BE49-F238E27FC236}">
+                <a16:creationId xmlns:a16="http://schemas.microsoft.com/office/drawing/2014/main" id="{CFA7DE87-F42A-E247-E83B-CE0245318E9C}"/>
+              </a:ext>
+            </a:extLst>
+          </p:cNvPr>
+          <p:cNvSpPr txBox="1"/>
+          <p:nvPr/>
+        </p:nvSpPr>
+        <p:spPr>
+          <a:xfrm flipV="1">
+            <a:off x="3626144" y="3473588"/>
+            <a:ext cx="514776" cy="400110"/>
+          </a:xfrm>
+          <a:prstGeom prst="rect">
+            <a:avLst/>
+          </a:prstGeom>
+          <a:noFill/>
+        </p:spPr>
+        <p:txBody>
+          <a:bodyPr wrap="square">
+            <a:spAutoFit/>
+          </a:bodyPr>
+          <a:lstStyle/>
+          <a:p>
+            <a:pPr algn="ctr"/>
+            <a:r>
+              <a:rPr lang="en-US" altLang="zh-CN" sz="2000" b="1" dirty="0"/>
+              <a:t>…</a:t>
+            </a:r>
+            <a:endParaRPr lang="en-US" sz="2000" b="1" dirty="0"/>
+          </a:p>
+        </p:txBody>
+      </p:sp>
+      <p:sp>
+        <p:nvSpPr>
+          <p:cNvPr id="93" name="文本框 92">
+            <a:extLst>
+              <a:ext uri="{FF2B5EF4-FFF2-40B4-BE49-F238E27FC236}">
+                <a16:creationId xmlns:a16="http://schemas.microsoft.com/office/drawing/2014/main" id="{5A44351F-3200-36D3-1CDA-F7DEC4C31561}"/>
+              </a:ext>
+            </a:extLst>
+          </p:cNvPr>
+          <p:cNvSpPr txBox="1"/>
+          <p:nvPr/>
+        </p:nvSpPr>
+        <p:spPr>
+          <a:xfrm flipV="1">
+            <a:off x="6295324" y="3466567"/>
+            <a:ext cx="514776" cy="400110"/>
+          </a:xfrm>
+          <a:prstGeom prst="rect">
+            <a:avLst/>
+          </a:prstGeom>
+          <a:noFill/>
+        </p:spPr>
+        <p:txBody>
+          <a:bodyPr wrap="square">
+            <a:spAutoFit/>
+          </a:bodyPr>
+          <a:lstStyle/>
+          <a:p>
+            <a:pPr algn="ctr"/>
+            <a:r>
+              <a:rPr lang="en-US" altLang="zh-CN" sz="2000" b="1" dirty="0"/>
+              <a:t>…</a:t>
+            </a:r>
+            <a:endParaRPr lang="en-US" sz="2000" b="1" dirty="0"/>
+          </a:p>
+        </p:txBody>
+      </p:sp>
+      <p:sp>
+        <p:nvSpPr>
+          <p:cNvPr id="94" name="文本框 93">
+            <a:extLst>
+              <a:ext uri="{FF2B5EF4-FFF2-40B4-BE49-F238E27FC236}">
+                <a16:creationId xmlns:a16="http://schemas.microsoft.com/office/drawing/2014/main" id="{641169B9-609D-B0C9-F2AD-6B22DCEC6D85}"/>
+              </a:ext>
+            </a:extLst>
+          </p:cNvPr>
+          <p:cNvSpPr txBox="1"/>
+          <p:nvPr/>
+        </p:nvSpPr>
+        <p:spPr>
+          <a:xfrm flipV="1">
+            <a:off x="8889901" y="3481090"/>
+            <a:ext cx="514776" cy="400110"/>
+          </a:xfrm>
+          <a:prstGeom prst="rect">
+            <a:avLst/>
+          </a:prstGeom>
+          <a:noFill/>
+        </p:spPr>
+        <p:txBody>
+          <a:bodyPr wrap="square">
+            <a:spAutoFit/>
+          </a:bodyPr>
+          <a:lstStyle/>
+          <a:p>
+            <a:pPr algn="ctr"/>
+            <a:r>
+              <a:rPr lang="en-US" altLang="zh-CN" sz="2000" b="1" dirty="0"/>
+              <a:t>…</a:t>
+            </a:r>
+            <a:endParaRPr lang="en-US" sz="2000" b="1" dirty="0"/>
+          </a:p>
+        </p:txBody>
+      </p:sp>
+      <p:sp>
+        <p:nvSpPr>
+          <p:cNvPr id="95" name="文本框 94">
+            <a:extLst>
+              <a:ext uri="{FF2B5EF4-FFF2-40B4-BE49-F238E27FC236}">
+                <a16:creationId xmlns:a16="http://schemas.microsoft.com/office/drawing/2014/main" id="{FC04FA3D-1119-DEEE-5E8F-54493A9009F5}"/>
+              </a:ext>
+            </a:extLst>
+          </p:cNvPr>
+          <p:cNvSpPr txBox="1"/>
+          <p:nvPr/>
+        </p:nvSpPr>
+        <p:spPr>
+          <a:xfrm flipV="1">
+            <a:off x="11622742" y="3465471"/>
+            <a:ext cx="514776" cy="400110"/>
+          </a:xfrm>
+          <a:prstGeom prst="rect">
+            <a:avLst/>
+          </a:prstGeom>
+          <a:noFill/>
+        </p:spPr>
+        <p:txBody>
+          <a:bodyPr wrap="square">
+            <a:spAutoFit/>
+          </a:bodyPr>
+          <a:lstStyle/>
+          <a:p>
+            <a:pPr algn="ctr"/>
+            <a:r>
+              <a:rPr lang="en-US" altLang="zh-CN" sz="2000" b="1" dirty="0"/>
+              <a:t>…</a:t>
+            </a:r>
+            <a:endParaRPr lang="en-US" sz="2000" b="1" dirty="0"/>
+          </a:p>
+        </p:txBody>
+      </p:sp>
+      <p:sp>
+        <p:nvSpPr>
+          <p:cNvPr id="96" name="文本框 95">
+            <a:extLst>
+              <a:ext uri="{FF2B5EF4-FFF2-40B4-BE49-F238E27FC236}">
+                <a16:creationId xmlns:a16="http://schemas.microsoft.com/office/drawing/2014/main" id="{CF08009A-57D7-3F3B-BD6C-AD7061FAD965}"/>
+              </a:ext>
+            </a:extLst>
+          </p:cNvPr>
+          <p:cNvSpPr txBox="1"/>
+          <p:nvPr/>
+        </p:nvSpPr>
+        <p:spPr>
+          <a:xfrm flipV="1">
+            <a:off x="14268660" y="3463811"/>
+            <a:ext cx="514776" cy="400110"/>
+          </a:xfrm>
+          <a:prstGeom prst="rect">
+            <a:avLst/>
+          </a:prstGeom>
+          <a:noFill/>
+        </p:spPr>
+        <p:txBody>
+          <a:bodyPr wrap="square">
+            <a:spAutoFit/>
+          </a:bodyPr>
+          <a:lstStyle/>
+          <a:p>
+            <a:pPr algn="ctr"/>
+            <a:r>
+              <a:rPr lang="en-US" altLang="zh-CN" sz="2000" b="1" dirty="0"/>
+              <a:t>…</a:t>
+            </a:r>
+            <a:endParaRPr lang="en-US" sz="2000" b="1" dirty="0"/>
+          </a:p>
+        </p:txBody>
+      </p:sp>
+      <p:sp>
+        <p:nvSpPr>
+          <p:cNvPr id="97" name="文本框 96">
+            <a:extLst>
+              <a:ext uri="{FF2B5EF4-FFF2-40B4-BE49-F238E27FC236}">
+                <a16:creationId xmlns:a16="http://schemas.microsoft.com/office/drawing/2014/main" id="{AF356F52-87C1-BDBC-EE29-854658B82394}"/>
+              </a:ext>
+            </a:extLst>
+          </p:cNvPr>
+          <p:cNvSpPr txBox="1"/>
+          <p:nvPr/>
+        </p:nvSpPr>
+        <p:spPr>
+          <a:xfrm>
+            <a:off x="-161654" y="2362864"/>
+            <a:ext cx="2350156" cy="523220"/>
+          </a:xfrm>
+          <a:prstGeom prst="rect">
+            <a:avLst/>
+          </a:prstGeom>
+          <a:noFill/>
+          <a:ln w="12700">
+            <a:noFill/>
+          </a:ln>
+        </p:spPr>
+        <p:txBody>
+          <a:bodyPr wrap="square" rtlCol="0">
+            <a:spAutoFit/>
+          </a:bodyPr>
+          <a:lstStyle/>
+          <a:p>
+            <a:pPr algn="ctr"/>
+            <a:r>
+              <a:rPr lang="en-US" altLang="zh-CN" sz="2800" b="1" dirty="0"/>
+              <a:t>Site</a:t>
+            </a:r>
+            <a:r>
+              <a:rPr lang="en-US" altLang="zh-CN" sz="2400" b="1" dirty="0"/>
+              <a:t> </a:t>
+            </a:r>
+            <a:r>
+              <a:rPr lang="en-US" altLang="zh-CN" sz="1600" b="1" dirty="0"/>
+              <a:t>j=(1,2,…5) </a:t>
+            </a:r>
+            <a:endParaRPr lang="en-US" sz="1600" b="1" dirty="0"/>
+          </a:p>
+        </p:txBody>
+      </p:sp>
+      <p:sp>
+        <p:nvSpPr>
+          <p:cNvPr id="98" name="文本框 97">
+            <a:extLst>
+              <a:ext uri="{FF2B5EF4-FFF2-40B4-BE49-F238E27FC236}">
+                <a16:creationId xmlns:a16="http://schemas.microsoft.com/office/drawing/2014/main" id="{55A2A8DB-6DBB-BAB4-88E4-390831EF1293}"/>
+              </a:ext>
+            </a:extLst>
+          </p:cNvPr>
+          <p:cNvSpPr txBox="1"/>
+          <p:nvPr/>
+        </p:nvSpPr>
+        <p:spPr>
+          <a:xfrm>
+            <a:off x="-81934" y="3333557"/>
+            <a:ext cx="2429012" cy="523220"/>
+          </a:xfrm>
+          <a:prstGeom prst="rect">
+            <a:avLst/>
+          </a:prstGeom>
+          <a:noFill/>
+          <a:ln w="12700">
+            <a:noFill/>
+          </a:ln>
+        </p:spPr>
+        <p:txBody>
+          <a:bodyPr wrap="square" rtlCol="0">
+            <a:spAutoFit/>
+          </a:bodyPr>
+          <a:lstStyle/>
+          <a:p>
+            <a:pPr algn="ctr"/>
+            <a:r>
+              <a:rPr lang="en-US" altLang="zh-CN" sz="2800" b="1" dirty="0"/>
+              <a:t>Self control </a:t>
+            </a:r>
+            <a:r>
+              <a:rPr lang="en-US" altLang="zh-CN" sz="1600" b="1" dirty="0"/>
+              <a:t>Y</a:t>
+            </a:r>
+            <a:r>
+              <a:rPr lang="en-US" altLang="zh-CN" sz="1100" b="1" dirty="0"/>
+              <a:t>ij</a:t>
+            </a:r>
+            <a:r>
+              <a:rPr lang="en-US" altLang="zh-CN" sz="1600" b="1" dirty="0"/>
+              <a:t> </a:t>
+            </a:r>
+            <a:endParaRPr lang="en-US" sz="1600" b="1" dirty="0"/>
+          </a:p>
+        </p:txBody>
+      </p:sp>
+      <p:pic>
+        <p:nvPicPr>
+          <p:cNvPr id="101" name="图片 100">
+            <a:extLst>
+              <a:ext uri="{FF2B5EF4-FFF2-40B4-BE49-F238E27FC236}">
+                <a16:creationId xmlns:a16="http://schemas.microsoft.com/office/drawing/2014/main" id="{18048959-9450-DCA9-998F-8BC6BCDEA62D}"/>
+              </a:ext>
+            </a:extLst>
+          </p:cNvPr>
+          <p:cNvPicPr>
+            <a:picLocks noChangeAspect="1"/>
+          </p:cNvPicPr>
+          <p:nvPr/>
+        </p:nvPicPr>
+        <p:blipFill>
+          <a:blip r:embed="rId17"/>
+          <a:stretch>
+            <a:fillRect/>
+          </a:stretch>
+        </p:blipFill>
+        <p:spPr>
+          <a:xfrm>
+            <a:off x="-81934" y="4294734"/>
+            <a:ext cx="15448603" cy="3218967"/>
+          </a:xfrm>
+          <a:prstGeom prst="rect">
+            <a:avLst/>
+          </a:prstGeom>
+        </p:spPr>
+      </p:pic>
+    </p:spTree>
+    <p:extLst>
+      <p:ext uri="{BB962C8B-B14F-4D97-AF65-F5344CB8AC3E}">
+        <p14:creationId xmlns:p14="http://schemas.microsoft.com/office/powerpoint/2010/main" val="3198584661"/>
       </p:ext>
     </p:extLst>
   </p:cSld>
@@ -24705,6 +28623,183 @@
       </p:grpSpPr>
       <p:pic>
         <p:nvPicPr>
+          <p:cNvPr id="7" name="图片 6">
+            <a:extLst>
+              <a:ext uri="{FF2B5EF4-FFF2-40B4-BE49-F238E27FC236}">
+                <a16:creationId xmlns:a16="http://schemas.microsoft.com/office/drawing/2014/main" id="{274EA58B-D5A9-C7A3-A353-931A2D7CAB02}"/>
+              </a:ext>
+            </a:extLst>
+          </p:cNvPr>
+          <p:cNvPicPr>
+            <a:picLocks noChangeAspect="1"/>
+          </p:cNvPicPr>
+          <p:nvPr/>
+        </p:nvPicPr>
+        <p:blipFill>
+          <a:blip r:embed="rId2">
+            <a:extLst>
+              <a:ext uri="{28A0092B-C50C-407E-A947-70E740481C1C}">
+                <a14:useLocalDpi xmlns:a14="http://schemas.microsoft.com/office/drawing/2010/main" val="0"/>
+              </a:ext>
+            </a:extLst>
+          </a:blip>
+          <a:stretch>
+            <a:fillRect/>
+          </a:stretch>
+        </p:blipFill>
+        <p:spPr>
+          <a:xfrm>
+            <a:off x="2357777" y="2679184"/>
+            <a:ext cx="11484887" cy="4178816"/>
+          </a:xfrm>
+          <a:prstGeom prst="rect">
+            <a:avLst/>
+          </a:prstGeom>
+        </p:spPr>
+      </p:pic>
+      <p:pic>
+        <p:nvPicPr>
+          <p:cNvPr id="1028" name="Picture 4" descr=" ">
+            <a:extLst>
+              <a:ext uri="{FF2B5EF4-FFF2-40B4-BE49-F238E27FC236}">
+                <a16:creationId xmlns:a16="http://schemas.microsoft.com/office/drawing/2014/main" id="{B5AE3DF2-59CF-42ED-AAFB-09892F458A9D}"/>
+              </a:ext>
+            </a:extLst>
+          </p:cNvPr>
+          <p:cNvPicPr>
+            <a:picLocks noChangeAspect="1" noChangeArrowheads="1"/>
+          </p:cNvPicPr>
+          <p:nvPr/>
+        </p:nvPicPr>
+        <p:blipFill>
+          <a:blip r:embed="rId3">
+            <a:extLst>
+              <a:ext uri="{BEBA8EAE-BF5A-486C-A8C5-ECC9F3942E4B}">
+                <a14:imgProps xmlns:a14="http://schemas.microsoft.com/office/drawing/2010/main">
+                  <a14:imgLayer r:embed="rId4">
+                    <a14:imgEffect>
+                      <a14:backgroundRemoval t="9766" b="89844" l="2049" r="95287">
+                        <a14:foregroundMark x1="7172" y1="73047" x2="7172" y2="73047"/>
+                        <a14:foregroundMark x1="2459" y1="71484" x2="2459" y2="71484"/>
+                        <a14:foregroundMark x1="90574" y1="70703" x2="90574" y2="70703"/>
+                        <a14:foregroundMark x1="95287" y1="71484" x2="95287" y2="71484"/>
+                        <a14:backgroundMark x1="42828" y1="62109" x2="42828" y2="62109"/>
+                        <a14:backgroundMark x1="46107" y1="39453" x2="46107" y2="39453"/>
+                        <a14:backgroundMark x1="6762" y1="74219" x2="6762" y2="74219"/>
+                        <a14:backgroundMark x1="7172" y1="75781" x2="7172" y2="75781"/>
+                        <a14:backgroundMark x1="6762" y1="74609" x2="6762" y2="74609"/>
+                        <a14:backgroundMark x1="6762" y1="73047" x2="6762" y2="73047"/>
+                        <a14:backgroundMark x1="7172" y1="73828" x2="7172" y2="73828"/>
+                        <a14:backgroundMark x1="7172" y1="73047" x2="7172" y2="73047"/>
+                      </a14:backgroundRemoval>
+                    </a14:imgEffect>
+                  </a14:imgLayer>
+                </a14:imgProps>
+              </a:ext>
+              <a:ext uri="{28A0092B-C50C-407E-A947-70E740481C1C}">
+                <a14:useLocalDpi xmlns:a14="http://schemas.microsoft.com/office/drawing/2010/main" val="0"/>
+              </a:ext>
+            </a:extLst>
+          </a:blip>
+          <a:srcRect/>
+          <a:stretch>
+            <a:fillRect/>
+          </a:stretch>
+        </p:blipFill>
+        <p:spPr bwMode="auto">
+          <a:xfrm rot="5400000">
+            <a:off x="5524839" y="4059059"/>
+            <a:ext cx="2527072" cy="753035"/>
+          </a:xfrm>
+          <a:prstGeom prst="rect">
+            <a:avLst/>
+          </a:prstGeom>
+          <a:noFill/>
+          <a:extLst>
+            <a:ext uri="{909E8E84-426E-40DD-AFC4-6F175D3DCCD1}">
+              <a14:hiddenFill xmlns:a14="http://schemas.microsoft.com/office/drawing/2010/main">
+                <a:solidFill>
+                  <a:srgbClr val="FFFFFF"/>
+                </a:solidFill>
+              </a14:hiddenFill>
+            </a:ext>
+          </a:extLst>
+        </p:spPr>
+      </p:pic>
+      <p:cxnSp>
+        <p:nvCxnSpPr>
+          <p:cNvPr id="14" name="直接连接符 13">
+            <a:extLst>
+              <a:ext uri="{FF2B5EF4-FFF2-40B4-BE49-F238E27FC236}">
+                <a16:creationId xmlns:a16="http://schemas.microsoft.com/office/drawing/2014/main" id="{54DA4483-8311-24FE-E125-673A7F9C748F}"/>
+              </a:ext>
+            </a:extLst>
+          </p:cNvPr>
+          <p:cNvCxnSpPr/>
+          <p:nvPr/>
+        </p:nvCxnSpPr>
+        <p:spPr>
+          <a:xfrm>
+            <a:off x="6573040" y="4394009"/>
+            <a:ext cx="463924" cy="0"/>
+          </a:xfrm>
+          <a:prstGeom prst="line">
+            <a:avLst/>
+          </a:prstGeom>
+          <a:ln w="38100">
+            <a:solidFill>
+              <a:schemeClr val="tx1"/>
+            </a:solidFill>
+            <a:prstDash val="dash"/>
+          </a:ln>
+        </p:spPr>
+        <p:style>
+          <a:lnRef idx="1">
+            <a:schemeClr val="accent1"/>
+          </a:lnRef>
+          <a:fillRef idx="0">
+            <a:schemeClr val="accent1"/>
+          </a:fillRef>
+          <a:effectRef idx="0">
+            <a:schemeClr val="accent1"/>
+          </a:effectRef>
+          <a:fontRef idx="minor">
+            <a:schemeClr val="tx1"/>
+          </a:fontRef>
+        </p:style>
+      </p:cxnSp>
+    </p:spTree>
+    <p:extLst>
+      <p:ext uri="{BB962C8B-B14F-4D97-AF65-F5344CB8AC3E}">
+        <p14:creationId xmlns:p14="http://schemas.microsoft.com/office/powerpoint/2010/main" val="3827266844"/>
+      </p:ext>
+    </p:extLst>
+  </p:cSld>
+  <p:clrMapOvr>
+    <a:masterClrMapping/>
+  </p:clrMapOvr>
+</p:sld>
+</file>
+
+<file path=ppt/slides/slide3.xml><?xml version="1.0" encoding="utf-8"?>
+<p:sld xmlns:a="http://schemas.openxmlformats.org/drawingml/2006/main" xmlns:r="http://schemas.openxmlformats.org/officeDocument/2006/relationships" xmlns:p="http://schemas.openxmlformats.org/presentationml/2006/main">
+  <p:cSld>
+    <p:spTree>
+      <p:nvGrpSpPr>
+        <p:cNvPr id="1" name=""/>
+        <p:cNvGrpSpPr/>
+        <p:nvPr/>
+      </p:nvGrpSpPr>
+      <p:grpSpPr>
+        <a:xfrm>
+          <a:off x="0" y="0"/>
+          <a:ext cx="0" cy="0"/>
+          <a:chOff x="0" y="0"/>
+          <a:chExt cx="0" cy="0"/>
+        </a:xfrm>
+      </p:grpSpPr>
+      <p:pic>
+        <p:nvPicPr>
           <p:cNvPr id="4" name="图片 3">
             <a:extLst>
               <a:ext uri="{FF2B5EF4-FFF2-40B4-BE49-F238E27FC236}">
@@ -27122,7 +31217,7 @@
 </p:sld>
 </file>
 
-<file path=ppt/slides/slide3.xml><?xml version="1.0" encoding="utf-8"?>
+<file path=ppt/slides/slide4.xml><?xml version="1.0" encoding="utf-8"?>
 <p:sld xmlns:a="http://schemas.openxmlformats.org/drawingml/2006/main" xmlns:r="http://schemas.openxmlformats.org/officeDocument/2006/relationships" xmlns:p="http://schemas.openxmlformats.org/presentationml/2006/main">
   <p:cSld>
     <p:spTree>
@@ -31071,7 +35166,7 @@
 </p:sld>
 </file>
 
-<file path=ppt/slides/slide4.xml><?xml version="1.0" encoding="utf-8"?>
+<file path=ppt/slides/slide5.xml><?xml version="1.0" encoding="utf-8"?>
 <p:sld xmlns:a="http://schemas.openxmlformats.org/drawingml/2006/main" xmlns:r="http://schemas.openxmlformats.org/officeDocument/2006/relationships" xmlns:p="http://schemas.openxmlformats.org/presentationml/2006/main">
   <p:cSld>
     <p:spTree>
@@ -31435,7 +35530,7 @@
 </p:sld>
 </file>
 
-<file path=ppt/slides/slide5.xml><?xml version="1.0" encoding="utf-8"?>
+<file path=ppt/slides/slide6.xml><?xml version="1.0" encoding="utf-8"?>
 <p:sld xmlns:a="http://schemas.openxmlformats.org/drawingml/2006/main" xmlns:r="http://schemas.openxmlformats.org/officeDocument/2006/relationships" xmlns:p="http://schemas.openxmlformats.org/presentationml/2006/main">
   <p:cSld>
     <p:spTree>
@@ -31653,7 +35748,7 @@
 </p:sld>
 </file>
 
-<file path=ppt/slides/slide6.xml><?xml version="1.0" encoding="utf-8"?>
+<file path=ppt/slides/slide7.xml><?xml version="1.0" encoding="utf-8"?>
 <p:sld xmlns:a="http://schemas.openxmlformats.org/drawingml/2006/main" xmlns:r="http://schemas.openxmlformats.org/officeDocument/2006/relationships" xmlns:p="http://schemas.openxmlformats.org/presentationml/2006/main">
   <p:cSld>
     <p:spTree>
@@ -31847,7 +35942,7 @@
 </p:sld>
 </file>
 
-<file path=ppt/slides/slide7.xml><?xml version="1.0" encoding="utf-8"?>
+<file path=ppt/slides/slide8.xml><?xml version="1.0" encoding="utf-8"?>
 <p:sld xmlns:a="http://schemas.openxmlformats.org/drawingml/2006/main" xmlns:r="http://schemas.openxmlformats.org/officeDocument/2006/relationships" xmlns:p="http://schemas.openxmlformats.org/presentationml/2006/main">
   <p:cSld>
     <p:spTree>
@@ -33128,7 +37223,7 @@
 </p:sld>
 </file>
 
-<file path=ppt/slides/slide8.xml><?xml version="1.0" encoding="utf-8"?>
+<file path=ppt/slides/slide9.xml><?xml version="1.0" encoding="utf-8"?>
 <p:sld xmlns:a="http://schemas.openxmlformats.org/drawingml/2006/main" xmlns:r="http://schemas.openxmlformats.org/officeDocument/2006/relationships" xmlns:p="http://schemas.openxmlformats.org/presentationml/2006/main">
   <p:cSld>
     <p:spTree>
@@ -33209,4101 +37304,6 @@
     <p:extLst>
       <p:ext uri="{BB962C8B-B14F-4D97-AF65-F5344CB8AC3E}">
         <p14:creationId xmlns:p14="http://schemas.microsoft.com/office/powerpoint/2010/main" val="3759944224"/>
-      </p:ext>
-    </p:extLst>
-  </p:cSld>
-  <p:clrMapOvr>
-    <a:masterClrMapping/>
-  </p:clrMapOvr>
-</p:sld>
-</file>
-
-<file path=ppt/slides/slide9.xml><?xml version="1.0" encoding="utf-8"?>
-<p:sld xmlns:a="http://schemas.openxmlformats.org/drawingml/2006/main" xmlns:r="http://schemas.openxmlformats.org/officeDocument/2006/relationships" xmlns:p="http://schemas.openxmlformats.org/presentationml/2006/main">
-  <p:cSld>
-    <p:spTree>
-      <p:nvGrpSpPr>
-        <p:cNvPr id="1" name=""/>
-        <p:cNvGrpSpPr/>
-        <p:nvPr/>
-      </p:nvGrpSpPr>
-      <p:grpSpPr>
-        <a:xfrm>
-          <a:off x="0" y="0"/>
-          <a:ext cx="0" cy="0"/>
-          <a:chOff x="0" y="0"/>
-          <a:chExt cx="0" cy="0"/>
-        </a:xfrm>
-      </p:grpSpPr>
-      <p:sp>
-        <p:nvSpPr>
-          <p:cNvPr id="4" name="文本框 3">
-            <a:extLst>
-              <a:ext uri="{FF2B5EF4-FFF2-40B4-BE49-F238E27FC236}">
-                <a16:creationId xmlns:a16="http://schemas.microsoft.com/office/drawing/2014/main" id="{713B1022-A295-307B-D581-51BFE2C1A713}"/>
-              </a:ext>
-            </a:extLst>
-          </p:cNvPr>
-          <p:cNvSpPr txBox="1"/>
-          <p:nvPr/>
-        </p:nvSpPr>
-        <p:spPr>
-          <a:xfrm>
-            <a:off x="7554380" y="871369"/>
-            <a:ext cx="2248348" cy="523220"/>
-          </a:xfrm>
-          <a:prstGeom prst="rect">
-            <a:avLst/>
-          </a:prstGeom>
-          <a:noFill/>
-          <a:ln w="12700">
-            <a:solidFill>
-              <a:schemeClr val="tx1"/>
-            </a:solidFill>
-          </a:ln>
-        </p:spPr>
-        <p:txBody>
-          <a:bodyPr wrap="square" rtlCol="0">
-            <a:spAutoFit/>
-          </a:bodyPr>
-          <a:lstStyle/>
-          <a:p>
-            <a:pPr algn="ctr"/>
-            <a:r>
-              <a:rPr lang="en-US" altLang="zh-CN" sz="2800" dirty="0"/>
-              <a:t>Population</a:t>
-            </a:r>
-            <a:endParaRPr lang="en-US" sz="2800" dirty="0"/>
-          </a:p>
-        </p:txBody>
-      </p:sp>
-      <p:sp>
-        <p:nvSpPr>
-          <p:cNvPr id="5" name="文本框 4">
-            <a:extLst>
-              <a:ext uri="{FF2B5EF4-FFF2-40B4-BE49-F238E27FC236}">
-                <a16:creationId xmlns:a16="http://schemas.microsoft.com/office/drawing/2014/main" id="{99AD23E2-6534-EDB2-B66F-D50DD5D75115}"/>
-              </a:ext>
-            </a:extLst>
-          </p:cNvPr>
-          <p:cNvSpPr txBox="1"/>
-          <p:nvPr/>
-        </p:nvSpPr>
-        <p:spPr>
-          <a:xfrm>
-            <a:off x="5517453" y="2368475"/>
-            <a:ext cx="1272586" cy="523220"/>
-          </a:xfrm>
-          <a:prstGeom prst="rect">
-            <a:avLst/>
-          </a:prstGeom>
-          <a:noFill/>
-          <a:ln w="12700">
-            <a:solidFill>
-              <a:schemeClr val="tx1"/>
-            </a:solidFill>
-          </a:ln>
-        </p:spPr>
-        <p:txBody>
-          <a:bodyPr wrap="square" rtlCol="0">
-            <a:spAutoFit/>
-          </a:bodyPr>
-          <a:lstStyle/>
-          <a:p>
-            <a:pPr algn="ctr"/>
-            <a:r>
-              <a:rPr lang="en-US" altLang="zh-CN" sz="2800" dirty="0"/>
-              <a:t>Site 2</a:t>
-            </a:r>
-            <a:endParaRPr lang="en-US" sz="2800" dirty="0"/>
-          </a:p>
-        </p:txBody>
-      </p:sp>
-      <p:sp>
-        <p:nvSpPr>
-          <p:cNvPr id="6" name="文本框 5">
-            <a:extLst>
-              <a:ext uri="{FF2B5EF4-FFF2-40B4-BE49-F238E27FC236}">
-                <a16:creationId xmlns:a16="http://schemas.microsoft.com/office/drawing/2014/main" id="{FD4C39CB-11FB-A8A5-0217-DD4EC0F8FDB2}"/>
-              </a:ext>
-            </a:extLst>
-          </p:cNvPr>
-          <p:cNvSpPr txBox="1"/>
-          <p:nvPr/>
-        </p:nvSpPr>
-        <p:spPr>
-          <a:xfrm>
-            <a:off x="8042262" y="2368475"/>
-            <a:ext cx="1272586" cy="523220"/>
-          </a:xfrm>
-          <a:prstGeom prst="rect">
-            <a:avLst/>
-          </a:prstGeom>
-          <a:noFill/>
-          <a:ln w="12700">
-            <a:solidFill>
-              <a:schemeClr val="tx1"/>
-            </a:solidFill>
-          </a:ln>
-        </p:spPr>
-        <p:txBody>
-          <a:bodyPr wrap="square" rtlCol="0">
-            <a:spAutoFit/>
-          </a:bodyPr>
-          <a:lstStyle/>
-          <a:p>
-            <a:pPr algn="ctr"/>
-            <a:r>
-              <a:rPr lang="en-US" altLang="zh-CN" sz="2800" dirty="0"/>
-              <a:t>Site 3</a:t>
-            </a:r>
-            <a:endParaRPr lang="en-US" sz="2800" dirty="0"/>
-          </a:p>
-        </p:txBody>
-      </p:sp>
-      <p:sp>
-        <p:nvSpPr>
-          <p:cNvPr id="7" name="文本框 6">
-            <a:extLst>
-              <a:ext uri="{FF2B5EF4-FFF2-40B4-BE49-F238E27FC236}">
-                <a16:creationId xmlns:a16="http://schemas.microsoft.com/office/drawing/2014/main" id="{A7C74BFC-4B55-DFA5-B77B-3F8C7A8A8145}"/>
-              </a:ext>
-            </a:extLst>
-          </p:cNvPr>
-          <p:cNvSpPr txBox="1"/>
-          <p:nvPr/>
-        </p:nvSpPr>
-        <p:spPr>
-          <a:xfrm>
-            <a:off x="10743235" y="2368475"/>
-            <a:ext cx="1272586" cy="523220"/>
-          </a:xfrm>
-          <a:prstGeom prst="rect">
-            <a:avLst/>
-          </a:prstGeom>
-          <a:noFill/>
-          <a:ln w="12700">
-            <a:solidFill>
-              <a:schemeClr val="tx1"/>
-            </a:solidFill>
-          </a:ln>
-        </p:spPr>
-        <p:txBody>
-          <a:bodyPr wrap="square" rtlCol="0">
-            <a:spAutoFit/>
-          </a:bodyPr>
-          <a:lstStyle/>
-          <a:p>
-            <a:pPr algn="ctr"/>
-            <a:r>
-              <a:rPr lang="en-US" altLang="zh-CN" sz="2800" dirty="0"/>
-              <a:t>Site 4</a:t>
-            </a:r>
-            <a:endParaRPr lang="en-US" sz="2800" dirty="0"/>
-          </a:p>
-        </p:txBody>
-      </p:sp>
-      <p:sp>
-        <p:nvSpPr>
-          <p:cNvPr id="8" name="文本框 7">
-            <a:extLst>
-              <a:ext uri="{FF2B5EF4-FFF2-40B4-BE49-F238E27FC236}">
-                <a16:creationId xmlns:a16="http://schemas.microsoft.com/office/drawing/2014/main" id="{261C0FAD-A9F8-1349-E9FA-DF7337079945}"/>
-              </a:ext>
-            </a:extLst>
-          </p:cNvPr>
-          <p:cNvSpPr txBox="1"/>
-          <p:nvPr/>
-        </p:nvSpPr>
-        <p:spPr>
-          <a:xfrm>
-            <a:off x="13334779" y="2368475"/>
-            <a:ext cx="1272586" cy="523220"/>
-          </a:xfrm>
-          <a:prstGeom prst="rect">
-            <a:avLst/>
-          </a:prstGeom>
-          <a:noFill/>
-          <a:ln w="12700">
-            <a:solidFill>
-              <a:schemeClr val="tx1"/>
-            </a:solidFill>
-          </a:ln>
-        </p:spPr>
-        <p:txBody>
-          <a:bodyPr wrap="square" rtlCol="0">
-            <a:spAutoFit/>
-          </a:bodyPr>
-          <a:lstStyle/>
-          <a:p>
-            <a:pPr algn="ctr"/>
-            <a:r>
-              <a:rPr lang="en-US" altLang="zh-CN" sz="2800" dirty="0"/>
-              <a:t>Site 5</a:t>
-            </a:r>
-            <a:endParaRPr lang="en-US" sz="2800" dirty="0"/>
-          </a:p>
-        </p:txBody>
-      </p:sp>
-      <p:sp>
-        <p:nvSpPr>
-          <p:cNvPr id="9" name="文本框 8">
-            <a:extLst>
-              <a:ext uri="{FF2B5EF4-FFF2-40B4-BE49-F238E27FC236}">
-                <a16:creationId xmlns:a16="http://schemas.microsoft.com/office/drawing/2014/main" id="{2585E04F-FABA-800F-E2AC-C4259D35B306}"/>
-              </a:ext>
-            </a:extLst>
-          </p:cNvPr>
-          <p:cNvSpPr txBox="1"/>
-          <p:nvPr/>
-        </p:nvSpPr>
-        <p:spPr>
-          <a:xfrm>
-            <a:off x="2804272" y="2368475"/>
-            <a:ext cx="1272586" cy="523220"/>
-          </a:xfrm>
-          <a:prstGeom prst="rect">
-            <a:avLst/>
-          </a:prstGeom>
-          <a:noFill/>
-          <a:ln w="12700">
-            <a:solidFill>
-              <a:schemeClr val="tx1"/>
-            </a:solidFill>
-          </a:ln>
-        </p:spPr>
-        <p:txBody>
-          <a:bodyPr wrap="square" rtlCol="0">
-            <a:spAutoFit/>
-          </a:bodyPr>
-          <a:lstStyle/>
-          <a:p>
-            <a:pPr algn="ctr"/>
-            <a:r>
-              <a:rPr lang="en-US" altLang="zh-CN" sz="2800" dirty="0"/>
-              <a:t>Site 1</a:t>
-            </a:r>
-            <a:endParaRPr lang="en-US" sz="2800" dirty="0"/>
-          </a:p>
-        </p:txBody>
-      </p:sp>
-      <p:sp>
-        <p:nvSpPr>
-          <p:cNvPr id="10" name="椭圆 9">
-            <a:extLst>
-              <a:ext uri="{FF2B5EF4-FFF2-40B4-BE49-F238E27FC236}">
-                <a16:creationId xmlns:a16="http://schemas.microsoft.com/office/drawing/2014/main" id="{FE21D5B5-4BB6-79FA-6061-BEBC461CA14B}"/>
-              </a:ext>
-            </a:extLst>
-          </p:cNvPr>
-          <p:cNvSpPr/>
-          <p:nvPr/>
-        </p:nvSpPr>
-        <p:spPr>
-          <a:xfrm>
-            <a:off x="2267782" y="3224030"/>
-            <a:ext cx="622150" cy="742277"/>
-          </a:xfrm>
-          <a:prstGeom prst="ellipse">
-            <a:avLst/>
-          </a:prstGeom>
-          <a:noFill/>
-          <a:ln>
-            <a:solidFill>
-              <a:schemeClr val="tx1"/>
-            </a:solidFill>
-          </a:ln>
-        </p:spPr>
-        <p:style>
-          <a:lnRef idx="2">
-            <a:schemeClr val="accent1">
-              <a:shade val="15000"/>
-            </a:schemeClr>
-          </a:lnRef>
-          <a:fillRef idx="1">
-            <a:schemeClr val="accent1"/>
-          </a:fillRef>
-          <a:effectRef idx="0">
-            <a:schemeClr val="accent1"/>
-          </a:effectRef>
-          <a:fontRef idx="minor">
-            <a:schemeClr val="lt1"/>
-          </a:fontRef>
-        </p:style>
-        <p:txBody>
-          <a:bodyPr rtlCol="0" anchor="ctr"/>
-          <a:lstStyle/>
-          <a:p>
-            <a:pPr algn="ctr"/>
-            <a:endParaRPr lang="en-US"/>
-          </a:p>
-        </p:txBody>
-      </p:sp>
-      <p:sp>
-        <p:nvSpPr>
-          <p:cNvPr id="11" name="椭圆 10">
-            <a:extLst>
-              <a:ext uri="{FF2B5EF4-FFF2-40B4-BE49-F238E27FC236}">
-                <a16:creationId xmlns:a16="http://schemas.microsoft.com/office/drawing/2014/main" id="{A0A4EE01-9D32-58B3-8778-ACA07A8E96FD}"/>
-              </a:ext>
-            </a:extLst>
-          </p:cNvPr>
-          <p:cNvSpPr/>
-          <p:nvPr/>
-        </p:nvSpPr>
-        <p:spPr>
-          <a:xfrm>
-            <a:off x="3130187" y="3224030"/>
-            <a:ext cx="622150" cy="742277"/>
-          </a:xfrm>
-          <a:prstGeom prst="ellipse">
-            <a:avLst/>
-          </a:prstGeom>
-          <a:noFill/>
-          <a:ln>
-            <a:solidFill>
-              <a:schemeClr val="tx1"/>
-            </a:solidFill>
-          </a:ln>
-        </p:spPr>
-        <p:style>
-          <a:lnRef idx="2">
-            <a:schemeClr val="accent1">
-              <a:shade val="15000"/>
-            </a:schemeClr>
-          </a:lnRef>
-          <a:fillRef idx="1">
-            <a:schemeClr val="accent1"/>
-          </a:fillRef>
-          <a:effectRef idx="0">
-            <a:schemeClr val="accent1"/>
-          </a:effectRef>
-          <a:fontRef idx="minor">
-            <a:schemeClr val="lt1"/>
-          </a:fontRef>
-        </p:style>
-        <p:txBody>
-          <a:bodyPr rtlCol="0" anchor="ctr"/>
-          <a:lstStyle/>
-          <a:p>
-            <a:pPr algn="ctr"/>
-            <a:endParaRPr lang="en-US"/>
-          </a:p>
-        </p:txBody>
-      </p:sp>
-      <p:sp>
-        <p:nvSpPr>
-          <p:cNvPr id="12" name="椭圆 11">
-            <a:extLst>
-              <a:ext uri="{FF2B5EF4-FFF2-40B4-BE49-F238E27FC236}">
-                <a16:creationId xmlns:a16="http://schemas.microsoft.com/office/drawing/2014/main" id="{43DE2C0B-5C74-3A97-914D-FDFA173ACAD3}"/>
-              </a:ext>
-            </a:extLst>
-          </p:cNvPr>
-          <p:cNvSpPr/>
-          <p:nvPr/>
-        </p:nvSpPr>
-        <p:spPr>
-          <a:xfrm>
-            <a:off x="4006734" y="3224030"/>
-            <a:ext cx="622150" cy="742277"/>
-          </a:xfrm>
-          <a:prstGeom prst="ellipse">
-            <a:avLst/>
-          </a:prstGeom>
-          <a:noFill/>
-          <a:ln>
-            <a:solidFill>
-              <a:schemeClr val="tx1"/>
-            </a:solidFill>
-          </a:ln>
-        </p:spPr>
-        <p:style>
-          <a:lnRef idx="2">
-            <a:schemeClr val="accent1">
-              <a:shade val="15000"/>
-            </a:schemeClr>
-          </a:lnRef>
-          <a:fillRef idx="1">
-            <a:schemeClr val="accent1"/>
-          </a:fillRef>
-          <a:effectRef idx="0">
-            <a:schemeClr val="accent1"/>
-          </a:effectRef>
-          <a:fontRef idx="minor">
-            <a:schemeClr val="lt1"/>
-          </a:fontRef>
-        </p:style>
-        <p:txBody>
-          <a:bodyPr rtlCol="0" anchor="ctr"/>
-          <a:lstStyle/>
-          <a:p>
-            <a:pPr algn="ctr"/>
-            <a:endParaRPr lang="en-US"/>
-          </a:p>
-        </p:txBody>
-      </p:sp>
-      <mc:AlternateContent xmlns:mc="http://schemas.openxmlformats.org/markup-compatibility/2006" xmlns:a14="http://schemas.microsoft.com/office/drawing/2010/main">
-        <mc:Choice Requires="a14">
-          <p:sp>
-            <p:nvSpPr>
-              <p:cNvPr id="2" name="文本框 1">
-                <a:extLst>
-                  <a:ext uri="{FF2B5EF4-FFF2-40B4-BE49-F238E27FC236}">
-                    <a16:creationId xmlns:a16="http://schemas.microsoft.com/office/drawing/2014/main" id="{06C8BACC-CFF1-0F4E-7E56-64DE9956219C}"/>
-                  </a:ext>
-                </a:extLst>
-              </p:cNvPr>
-              <p:cNvSpPr txBox="1"/>
-              <p:nvPr/>
-            </p:nvSpPr>
-            <p:spPr>
-              <a:xfrm>
-                <a:off x="2289496" y="3380022"/>
-                <a:ext cx="542894" cy="369332"/>
-              </a:xfrm>
-              <a:prstGeom prst="rect">
-                <a:avLst/>
-              </a:prstGeom>
-              <a:noFill/>
-            </p:spPr>
-            <p:txBody>
-              <a:bodyPr wrap="square" rtlCol="0">
-                <a:spAutoFit/>
-              </a:bodyPr>
-              <a:lstStyle/>
-              <a:p>
-                <a:pPr/>
-                <a14:m>
-                  <m:oMathPara xmlns:m="http://schemas.openxmlformats.org/officeDocument/2006/math">
-                    <m:oMathParaPr>
-                      <m:jc m:val="centerGroup"/>
-                    </m:oMathParaPr>
-                    <m:oMath xmlns:m="http://schemas.openxmlformats.org/officeDocument/2006/math">
-                      <m:sSub>
-                        <m:sSubPr>
-                          <m:ctrlPr>
-                            <a:rPr lang="en-US" b="1" i="1" smtClean="0">
-                              <a:latin typeface="Cambria Math" panose="02040503050406030204" pitchFamily="18" charset="0"/>
-                              <a:ea typeface="Cambria Math" panose="02040503050406030204" pitchFamily="18" charset="0"/>
-                            </a:rPr>
-                          </m:ctrlPr>
-                        </m:sSubPr>
-                        <m:e>
-                          <m:r>
-                            <a:rPr lang="en-US" altLang="zh-CN" b="1" i="0" smtClean="0">
-                              <a:latin typeface="Cambria Math" panose="02040503050406030204" pitchFamily="18" charset="0"/>
-                              <a:ea typeface="Cambria Math" panose="02040503050406030204" pitchFamily="18" charset="0"/>
-                            </a:rPr>
-                            <m:t>𝐘</m:t>
-                          </m:r>
-                        </m:e>
-                        <m:sub>
-                          <m:r>
-                            <a:rPr lang="en-US" altLang="zh-CN" b="1" i="0" smtClean="0">
-                              <a:latin typeface="Cambria Math" panose="02040503050406030204" pitchFamily="18" charset="0"/>
-                              <a:ea typeface="Cambria Math" panose="02040503050406030204" pitchFamily="18" charset="0"/>
-                            </a:rPr>
-                            <m:t>𝟏𝟏</m:t>
-                          </m:r>
-                        </m:sub>
-                      </m:sSub>
-                    </m:oMath>
-                  </m:oMathPara>
-                </a14:m>
-                <a:endParaRPr lang="en-US" b="1" dirty="0">
-                  <a:latin typeface="Times New Roman" panose="02020603050405020304" pitchFamily="18" charset="0"/>
-                  <a:cs typeface="Times New Roman" panose="02020603050405020304" pitchFamily="18" charset="0"/>
-                </a:endParaRPr>
-              </a:p>
-            </p:txBody>
-          </p:sp>
-        </mc:Choice>
-        <mc:Fallback xmlns="">
-          <p:sp>
-            <p:nvSpPr>
-              <p:cNvPr id="2" name="文本框 1">
-                <a:extLst>
-                  <a:ext uri="{FF2B5EF4-FFF2-40B4-BE49-F238E27FC236}">
-                    <a16:creationId xmlns:a16="http://schemas.microsoft.com/office/drawing/2014/main" id="{06C8BACC-CFF1-0F4E-7E56-64DE9956219C}"/>
-                  </a:ext>
-                </a:extLst>
-              </p:cNvPr>
-              <p:cNvSpPr txBox="1">
-                <a:spLocks noRot="1" noChangeAspect="1" noMove="1" noResize="1" noEditPoints="1" noAdjustHandles="1" noChangeArrowheads="1" noChangeShapeType="1" noTextEdit="1"/>
-              </p:cNvSpPr>
-              <p:nvPr/>
-            </p:nvSpPr>
-            <p:spPr>
-              <a:xfrm>
-                <a:off x="2289496" y="3380022"/>
-                <a:ext cx="542894" cy="369332"/>
-              </a:xfrm>
-              <a:prstGeom prst="rect">
-                <a:avLst/>
-              </a:prstGeom>
-              <a:blipFill>
-                <a:blip r:embed="rId2"/>
-                <a:stretch>
-                  <a:fillRect b="-1639"/>
-                </a:stretch>
-              </a:blipFill>
-            </p:spPr>
-            <p:txBody>
-              <a:bodyPr/>
-              <a:lstStyle/>
-              <a:p>
-                <a:r>
-                  <a:rPr lang="en-US">
-                    <a:noFill/>
-                  </a:rPr>
-                  <a:t> </a:t>
-                </a:r>
-              </a:p>
-            </p:txBody>
-          </p:sp>
-        </mc:Fallback>
-      </mc:AlternateContent>
-      <mc:AlternateContent xmlns:mc="http://schemas.openxmlformats.org/markup-compatibility/2006" xmlns:a14="http://schemas.microsoft.com/office/drawing/2010/main">
-        <mc:Choice Requires="a14">
-          <p:sp>
-            <p:nvSpPr>
-              <p:cNvPr id="3" name="文本框 2">
-                <a:extLst>
-                  <a:ext uri="{FF2B5EF4-FFF2-40B4-BE49-F238E27FC236}">
-                    <a16:creationId xmlns:a16="http://schemas.microsoft.com/office/drawing/2014/main" id="{D3552E7A-5358-3C5C-67BA-635363B88E0E}"/>
-                  </a:ext>
-                </a:extLst>
-              </p:cNvPr>
-              <p:cNvSpPr txBox="1"/>
-              <p:nvPr/>
-            </p:nvSpPr>
-            <p:spPr>
-              <a:xfrm>
-                <a:off x="3169120" y="3380022"/>
-                <a:ext cx="542894" cy="369332"/>
-              </a:xfrm>
-              <a:prstGeom prst="rect">
-                <a:avLst/>
-              </a:prstGeom>
-              <a:noFill/>
-            </p:spPr>
-            <p:txBody>
-              <a:bodyPr wrap="square" rtlCol="0">
-                <a:spAutoFit/>
-              </a:bodyPr>
-              <a:lstStyle/>
-              <a:p>
-                <a:pPr/>
-                <a14:m>
-                  <m:oMathPara xmlns:m="http://schemas.openxmlformats.org/officeDocument/2006/math">
-                    <m:oMathParaPr>
-                      <m:jc m:val="centerGroup"/>
-                    </m:oMathParaPr>
-                    <m:oMath xmlns:m="http://schemas.openxmlformats.org/officeDocument/2006/math">
-                      <m:sSub>
-                        <m:sSubPr>
-                          <m:ctrlPr>
-                            <a:rPr lang="en-US" b="1" i="1" smtClean="0">
-                              <a:latin typeface="Cambria Math" panose="02040503050406030204" pitchFamily="18" charset="0"/>
-                              <a:ea typeface="Cambria Math" panose="02040503050406030204" pitchFamily="18" charset="0"/>
-                            </a:rPr>
-                          </m:ctrlPr>
-                        </m:sSubPr>
-                        <m:e>
-                          <m:r>
-                            <a:rPr lang="en-US" altLang="zh-CN" b="1" i="0" smtClean="0">
-                              <a:latin typeface="Cambria Math" panose="02040503050406030204" pitchFamily="18" charset="0"/>
-                              <a:ea typeface="Cambria Math" panose="02040503050406030204" pitchFamily="18" charset="0"/>
-                            </a:rPr>
-                            <m:t>𝐘</m:t>
-                          </m:r>
-                        </m:e>
-                        <m:sub>
-                          <m:r>
-                            <a:rPr lang="en-US" altLang="zh-CN" b="1" i="0" smtClean="0">
-                              <a:latin typeface="Cambria Math" panose="02040503050406030204" pitchFamily="18" charset="0"/>
-                              <a:ea typeface="Cambria Math" panose="02040503050406030204" pitchFamily="18" charset="0"/>
-                            </a:rPr>
-                            <m:t>𝟐𝟏</m:t>
-                          </m:r>
-                        </m:sub>
-                      </m:sSub>
-                    </m:oMath>
-                  </m:oMathPara>
-                </a14:m>
-                <a:endParaRPr lang="en-US" b="1" dirty="0">
-                  <a:latin typeface="Times New Roman" panose="02020603050405020304" pitchFamily="18" charset="0"/>
-                  <a:cs typeface="Times New Roman" panose="02020603050405020304" pitchFamily="18" charset="0"/>
-                </a:endParaRPr>
-              </a:p>
-            </p:txBody>
-          </p:sp>
-        </mc:Choice>
-        <mc:Fallback xmlns="">
-          <p:sp>
-            <p:nvSpPr>
-              <p:cNvPr id="3" name="文本框 2">
-                <a:extLst>
-                  <a:ext uri="{FF2B5EF4-FFF2-40B4-BE49-F238E27FC236}">
-                    <a16:creationId xmlns:a16="http://schemas.microsoft.com/office/drawing/2014/main" id="{D3552E7A-5358-3C5C-67BA-635363B88E0E}"/>
-                  </a:ext>
-                </a:extLst>
-              </p:cNvPr>
-              <p:cNvSpPr txBox="1">
-                <a:spLocks noRot="1" noChangeAspect="1" noMove="1" noResize="1" noEditPoints="1" noAdjustHandles="1" noChangeArrowheads="1" noChangeShapeType="1" noTextEdit="1"/>
-              </p:cNvSpPr>
-              <p:nvPr/>
-            </p:nvSpPr>
-            <p:spPr>
-              <a:xfrm>
-                <a:off x="3169120" y="3380022"/>
-                <a:ext cx="542894" cy="369332"/>
-              </a:xfrm>
-              <a:prstGeom prst="rect">
-                <a:avLst/>
-              </a:prstGeom>
-              <a:blipFill>
-                <a:blip r:embed="rId3"/>
-                <a:stretch>
-                  <a:fillRect b="-1639"/>
-                </a:stretch>
-              </a:blipFill>
-            </p:spPr>
-            <p:txBody>
-              <a:bodyPr/>
-              <a:lstStyle/>
-              <a:p>
-                <a:r>
-                  <a:rPr lang="en-US">
-                    <a:noFill/>
-                  </a:rPr>
-                  <a:t> </a:t>
-                </a:r>
-              </a:p>
-            </p:txBody>
-          </p:sp>
-        </mc:Fallback>
-      </mc:AlternateContent>
-      <mc:AlternateContent xmlns:mc="http://schemas.openxmlformats.org/markup-compatibility/2006" xmlns:a14="http://schemas.microsoft.com/office/drawing/2010/main">
-        <mc:Choice Requires="a14">
-          <p:sp>
-            <p:nvSpPr>
-              <p:cNvPr id="13" name="文本框 12">
-                <a:extLst>
-                  <a:ext uri="{FF2B5EF4-FFF2-40B4-BE49-F238E27FC236}">
-                    <a16:creationId xmlns:a16="http://schemas.microsoft.com/office/drawing/2014/main" id="{DF8907FF-2A21-E72D-5263-65B69AC78003}"/>
-                  </a:ext>
-                </a:extLst>
-              </p:cNvPr>
-              <p:cNvSpPr txBox="1"/>
-              <p:nvPr/>
-            </p:nvSpPr>
-            <p:spPr>
-              <a:xfrm>
-                <a:off x="4055339" y="3380022"/>
-                <a:ext cx="542894" cy="381515"/>
-              </a:xfrm>
-              <a:prstGeom prst="rect">
-                <a:avLst/>
-              </a:prstGeom>
-              <a:noFill/>
-            </p:spPr>
-            <p:txBody>
-              <a:bodyPr wrap="square" rtlCol="0">
-                <a:spAutoFit/>
-              </a:bodyPr>
-              <a:lstStyle/>
-              <a:p>
-                <a:pPr/>
-                <a14:m>
-                  <m:oMathPara xmlns:m="http://schemas.openxmlformats.org/officeDocument/2006/math">
-                    <m:oMathParaPr>
-                      <m:jc m:val="centerGroup"/>
-                    </m:oMathParaPr>
-                    <m:oMath xmlns:m="http://schemas.openxmlformats.org/officeDocument/2006/math">
-                      <m:sSub>
-                        <m:sSubPr>
-                          <m:ctrlPr>
-                            <a:rPr lang="en-US" b="1" i="1" smtClean="0">
-                              <a:latin typeface="Cambria Math" panose="02040503050406030204" pitchFamily="18" charset="0"/>
-                              <a:ea typeface="Cambria Math" panose="02040503050406030204" pitchFamily="18" charset="0"/>
-                            </a:rPr>
-                          </m:ctrlPr>
-                        </m:sSubPr>
-                        <m:e>
-                          <m:r>
-                            <a:rPr lang="en-US" altLang="zh-CN" b="1" i="0" smtClean="0">
-                              <a:latin typeface="Cambria Math" panose="02040503050406030204" pitchFamily="18" charset="0"/>
-                              <a:ea typeface="Cambria Math" panose="02040503050406030204" pitchFamily="18" charset="0"/>
-                            </a:rPr>
-                            <m:t>𝐘</m:t>
-                          </m:r>
-                        </m:e>
-                        <m:sub>
-                          <m:r>
-                            <a:rPr lang="en-US" altLang="zh-CN" b="1" i="0" smtClean="0">
-                              <a:latin typeface="Cambria Math" panose="02040503050406030204" pitchFamily="18" charset="0"/>
-                              <a:ea typeface="Cambria Math" panose="02040503050406030204" pitchFamily="18" charset="0"/>
-                            </a:rPr>
-                            <m:t>𝐧</m:t>
-                          </m:r>
-                          <m:r>
-                            <a:rPr lang="en-US" altLang="zh-CN" b="1" i="0" smtClean="0">
-                              <a:latin typeface="Cambria Math" panose="02040503050406030204" pitchFamily="18" charset="0"/>
-                              <a:ea typeface="Cambria Math" panose="02040503050406030204" pitchFamily="18" charset="0"/>
-                            </a:rPr>
-                            <m:t>,</m:t>
-                          </m:r>
-                          <m:r>
-                            <a:rPr lang="en-US" altLang="zh-CN" b="1" i="0" smtClean="0">
-                              <a:latin typeface="Cambria Math" panose="02040503050406030204" pitchFamily="18" charset="0"/>
-                              <a:ea typeface="Cambria Math" panose="02040503050406030204" pitchFamily="18" charset="0"/>
-                            </a:rPr>
-                            <m:t>𝟏</m:t>
-                          </m:r>
-                        </m:sub>
-                      </m:sSub>
-                    </m:oMath>
-                  </m:oMathPara>
-                </a14:m>
-                <a:endParaRPr lang="en-US" b="1" dirty="0">
-                  <a:latin typeface="Times New Roman" panose="02020603050405020304" pitchFamily="18" charset="0"/>
-                  <a:cs typeface="Times New Roman" panose="02020603050405020304" pitchFamily="18" charset="0"/>
-                </a:endParaRPr>
-              </a:p>
-            </p:txBody>
-          </p:sp>
-        </mc:Choice>
-        <mc:Fallback xmlns="">
-          <p:sp>
-            <p:nvSpPr>
-              <p:cNvPr id="13" name="文本框 12">
-                <a:extLst>
-                  <a:ext uri="{FF2B5EF4-FFF2-40B4-BE49-F238E27FC236}">
-                    <a16:creationId xmlns:a16="http://schemas.microsoft.com/office/drawing/2014/main" id="{DF8907FF-2A21-E72D-5263-65B69AC78003}"/>
-                  </a:ext>
-                </a:extLst>
-              </p:cNvPr>
-              <p:cNvSpPr txBox="1">
-                <a:spLocks noRot="1" noChangeAspect="1" noMove="1" noResize="1" noEditPoints="1" noAdjustHandles="1" noChangeArrowheads="1" noChangeShapeType="1" noTextEdit="1"/>
-              </p:cNvSpPr>
-              <p:nvPr/>
-            </p:nvSpPr>
-            <p:spPr>
-              <a:xfrm>
-                <a:off x="4055339" y="3380022"/>
-                <a:ext cx="542894" cy="381515"/>
-              </a:xfrm>
-              <a:prstGeom prst="rect">
-                <a:avLst/>
-              </a:prstGeom>
-              <a:blipFill>
-                <a:blip r:embed="rId4"/>
-                <a:stretch>
-                  <a:fillRect/>
-                </a:stretch>
-              </a:blipFill>
-            </p:spPr>
-            <p:txBody>
-              <a:bodyPr/>
-              <a:lstStyle/>
-              <a:p>
-                <a:r>
-                  <a:rPr lang="en-US">
-                    <a:noFill/>
-                  </a:rPr>
-                  <a:t> </a:t>
-                </a:r>
-              </a:p>
-            </p:txBody>
-          </p:sp>
-        </mc:Fallback>
-      </mc:AlternateContent>
-      <p:sp>
-        <p:nvSpPr>
-          <p:cNvPr id="32" name="椭圆 31">
-            <a:extLst>
-              <a:ext uri="{FF2B5EF4-FFF2-40B4-BE49-F238E27FC236}">
-                <a16:creationId xmlns:a16="http://schemas.microsoft.com/office/drawing/2014/main" id="{AF040E9B-0DB7-7A7A-46BF-FB56DEE00E41}"/>
-              </a:ext>
-            </a:extLst>
-          </p:cNvPr>
-          <p:cNvSpPr/>
-          <p:nvPr/>
-        </p:nvSpPr>
-        <p:spPr>
-          <a:xfrm>
-            <a:off x="4928928" y="3224030"/>
-            <a:ext cx="622150" cy="742277"/>
-          </a:xfrm>
-          <a:prstGeom prst="ellipse">
-            <a:avLst/>
-          </a:prstGeom>
-          <a:noFill/>
-          <a:ln>
-            <a:solidFill>
-              <a:schemeClr val="tx1"/>
-            </a:solidFill>
-          </a:ln>
-        </p:spPr>
-        <p:style>
-          <a:lnRef idx="2">
-            <a:schemeClr val="accent1">
-              <a:shade val="15000"/>
-            </a:schemeClr>
-          </a:lnRef>
-          <a:fillRef idx="1">
-            <a:schemeClr val="accent1"/>
-          </a:fillRef>
-          <a:effectRef idx="0">
-            <a:schemeClr val="accent1"/>
-          </a:effectRef>
-          <a:fontRef idx="minor">
-            <a:schemeClr val="lt1"/>
-          </a:fontRef>
-        </p:style>
-        <p:txBody>
-          <a:bodyPr rtlCol="0" anchor="ctr"/>
-          <a:lstStyle/>
-          <a:p>
-            <a:pPr algn="ctr"/>
-            <a:endParaRPr lang="en-US"/>
-          </a:p>
-        </p:txBody>
-      </p:sp>
-      <p:sp>
-        <p:nvSpPr>
-          <p:cNvPr id="33" name="椭圆 32">
-            <a:extLst>
-              <a:ext uri="{FF2B5EF4-FFF2-40B4-BE49-F238E27FC236}">
-                <a16:creationId xmlns:a16="http://schemas.microsoft.com/office/drawing/2014/main" id="{6215946F-F72A-9B5E-1A58-1527DEA71E9B}"/>
-              </a:ext>
-            </a:extLst>
-          </p:cNvPr>
-          <p:cNvSpPr/>
-          <p:nvPr/>
-        </p:nvSpPr>
-        <p:spPr>
-          <a:xfrm>
-            <a:off x="5791333" y="3224030"/>
-            <a:ext cx="622150" cy="742277"/>
-          </a:xfrm>
-          <a:prstGeom prst="ellipse">
-            <a:avLst/>
-          </a:prstGeom>
-          <a:noFill/>
-          <a:ln>
-            <a:solidFill>
-              <a:schemeClr val="tx1"/>
-            </a:solidFill>
-          </a:ln>
-        </p:spPr>
-        <p:style>
-          <a:lnRef idx="2">
-            <a:schemeClr val="accent1">
-              <a:shade val="15000"/>
-            </a:schemeClr>
-          </a:lnRef>
-          <a:fillRef idx="1">
-            <a:schemeClr val="accent1"/>
-          </a:fillRef>
-          <a:effectRef idx="0">
-            <a:schemeClr val="accent1"/>
-          </a:effectRef>
-          <a:fontRef idx="minor">
-            <a:schemeClr val="lt1"/>
-          </a:fontRef>
-        </p:style>
-        <p:txBody>
-          <a:bodyPr rtlCol="0" anchor="ctr"/>
-          <a:lstStyle/>
-          <a:p>
-            <a:pPr algn="ctr"/>
-            <a:endParaRPr lang="en-US"/>
-          </a:p>
-        </p:txBody>
-      </p:sp>
-      <p:sp>
-        <p:nvSpPr>
-          <p:cNvPr id="34" name="椭圆 33">
-            <a:extLst>
-              <a:ext uri="{FF2B5EF4-FFF2-40B4-BE49-F238E27FC236}">
-                <a16:creationId xmlns:a16="http://schemas.microsoft.com/office/drawing/2014/main" id="{B0FC1920-0A21-0746-F83D-0E0F8F7853DB}"/>
-              </a:ext>
-            </a:extLst>
-          </p:cNvPr>
-          <p:cNvSpPr/>
-          <p:nvPr/>
-        </p:nvSpPr>
-        <p:spPr>
-          <a:xfrm>
-            <a:off x="6667880" y="3224030"/>
-            <a:ext cx="622150" cy="742277"/>
-          </a:xfrm>
-          <a:prstGeom prst="ellipse">
-            <a:avLst/>
-          </a:prstGeom>
-          <a:noFill/>
-          <a:ln>
-            <a:solidFill>
-              <a:schemeClr val="tx1"/>
-            </a:solidFill>
-          </a:ln>
-        </p:spPr>
-        <p:style>
-          <a:lnRef idx="2">
-            <a:schemeClr val="accent1">
-              <a:shade val="15000"/>
-            </a:schemeClr>
-          </a:lnRef>
-          <a:fillRef idx="1">
-            <a:schemeClr val="accent1"/>
-          </a:fillRef>
-          <a:effectRef idx="0">
-            <a:schemeClr val="accent1"/>
-          </a:effectRef>
-          <a:fontRef idx="minor">
-            <a:schemeClr val="lt1"/>
-          </a:fontRef>
-        </p:style>
-        <p:txBody>
-          <a:bodyPr rtlCol="0" anchor="ctr"/>
-          <a:lstStyle/>
-          <a:p>
-            <a:pPr algn="ctr"/>
-            <a:endParaRPr lang="en-US"/>
-          </a:p>
-        </p:txBody>
-      </p:sp>
-      <mc:AlternateContent xmlns:mc="http://schemas.openxmlformats.org/markup-compatibility/2006" xmlns:a14="http://schemas.microsoft.com/office/drawing/2010/main">
-        <mc:Choice Requires="a14">
-          <p:sp>
-            <p:nvSpPr>
-              <p:cNvPr id="35" name="文本框 34">
-                <a:extLst>
-                  <a:ext uri="{FF2B5EF4-FFF2-40B4-BE49-F238E27FC236}">
-                    <a16:creationId xmlns:a16="http://schemas.microsoft.com/office/drawing/2014/main" id="{28C83437-C1C3-A777-D133-2DB6A84C8D21}"/>
-                  </a:ext>
-                </a:extLst>
-              </p:cNvPr>
-              <p:cNvSpPr txBox="1"/>
-              <p:nvPr/>
-            </p:nvSpPr>
-            <p:spPr>
-              <a:xfrm>
-                <a:off x="4950642" y="3380022"/>
-                <a:ext cx="542894" cy="369332"/>
-              </a:xfrm>
-              <a:prstGeom prst="rect">
-                <a:avLst/>
-              </a:prstGeom>
-              <a:noFill/>
-            </p:spPr>
-            <p:txBody>
-              <a:bodyPr wrap="square" rtlCol="0">
-                <a:spAutoFit/>
-              </a:bodyPr>
-              <a:lstStyle/>
-              <a:p>
-                <a:pPr/>
-                <a14:m>
-                  <m:oMathPara xmlns:m="http://schemas.openxmlformats.org/officeDocument/2006/math">
-                    <m:oMathParaPr>
-                      <m:jc m:val="centerGroup"/>
-                    </m:oMathParaPr>
-                    <m:oMath xmlns:m="http://schemas.openxmlformats.org/officeDocument/2006/math">
-                      <m:sSub>
-                        <m:sSubPr>
-                          <m:ctrlPr>
-                            <a:rPr lang="en-US" b="1" i="1" smtClean="0">
-                              <a:latin typeface="Cambria Math" panose="02040503050406030204" pitchFamily="18" charset="0"/>
-                              <a:ea typeface="Cambria Math" panose="02040503050406030204" pitchFamily="18" charset="0"/>
-                            </a:rPr>
-                          </m:ctrlPr>
-                        </m:sSubPr>
-                        <m:e>
-                          <m:r>
-                            <a:rPr lang="en-US" altLang="zh-CN" b="1" i="0" smtClean="0">
-                              <a:latin typeface="Cambria Math" panose="02040503050406030204" pitchFamily="18" charset="0"/>
-                              <a:ea typeface="Cambria Math" panose="02040503050406030204" pitchFamily="18" charset="0"/>
-                            </a:rPr>
-                            <m:t>𝐘</m:t>
-                          </m:r>
-                        </m:e>
-                        <m:sub>
-                          <m:r>
-                            <a:rPr lang="en-US" altLang="zh-CN" b="1" i="0" smtClean="0">
-                              <a:latin typeface="Cambria Math" panose="02040503050406030204" pitchFamily="18" charset="0"/>
-                              <a:ea typeface="Cambria Math" panose="02040503050406030204" pitchFamily="18" charset="0"/>
-                            </a:rPr>
-                            <m:t>𝟏𝟐</m:t>
-                          </m:r>
-                        </m:sub>
-                      </m:sSub>
-                    </m:oMath>
-                  </m:oMathPara>
-                </a14:m>
-                <a:endParaRPr lang="en-US" b="1" dirty="0">
-                  <a:latin typeface="Times New Roman" panose="02020603050405020304" pitchFamily="18" charset="0"/>
-                  <a:cs typeface="Times New Roman" panose="02020603050405020304" pitchFamily="18" charset="0"/>
-                </a:endParaRPr>
-              </a:p>
-            </p:txBody>
-          </p:sp>
-        </mc:Choice>
-        <mc:Fallback xmlns="">
-          <p:sp>
-            <p:nvSpPr>
-              <p:cNvPr id="35" name="文本框 34">
-                <a:extLst>
-                  <a:ext uri="{FF2B5EF4-FFF2-40B4-BE49-F238E27FC236}">
-                    <a16:creationId xmlns:a16="http://schemas.microsoft.com/office/drawing/2014/main" id="{28C83437-C1C3-A777-D133-2DB6A84C8D21}"/>
-                  </a:ext>
-                </a:extLst>
-              </p:cNvPr>
-              <p:cNvSpPr txBox="1">
-                <a:spLocks noRot="1" noChangeAspect="1" noMove="1" noResize="1" noEditPoints="1" noAdjustHandles="1" noChangeArrowheads="1" noChangeShapeType="1" noTextEdit="1"/>
-              </p:cNvSpPr>
-              <p:nvPr/>
-            </p:nvSpPr>
-            <p:spPr>
-              <a:xfrm>
-                <a:off x="4950642" y="3380022"/>
-                <a:ext cx="542894" cy="369332"/>
-              </a:xfrm>
-              <a:prstGeom prst="rect">
-                <a:avLst/>
-              </a:prstGeom>
-              <a:blipFill>
-                <a:blip r:embed="rId5"/>
-                <a:stretch>
-                  <a:fillRect b="-1639"/>
-                </a:stretch>
-              </a:blipFill>
-            </p:spPr>
-            <p:txBody>
-              <a:bodyPr/>
-              <a:lstStyle/>
-              <a:p>
-                <a:r>
-                  <a:rPr lang="en-US">
-                    <a:noFill/>
-                  </a:rPr>
-                  <a:t> </a:t>
-                </a:r>
-              </a:p>
-            </p:txBody>
-          </p:sp>
-        </mc:Fallback>
-      </mc:AlternateContent>
-      <mc:AlternateContent xmlns:mc="http://schemas.openxmlformats.org/markup-compatibility/2006" xmlns:a14="http://schemas.microsoft.com/office/drawing/2010/main">
-        <mc:Choice Requires="a14">
-          <p:sp>
-            <p:nvSpPr>
-              <p:cNvPr id="36" name="文本框 35">
-                <a:extLst>
-                  <a:ext uri="{FF2B5EF4-FFF2-40B4-BE49-F238E27FC236}">
-                    <a16:creationId xmlns:a16="http://schemas.microsoft.com/office/drawing/2014/main" id="{5174C015-F9C4-71DE-4FBA-F1A97B5DA011}"/>
-                  </a:ext>
-                </a:extLst>
-              </p:cNvPr>
-              <p:cNvSpPr txBox="1"/>
-              <p:nvPr/>
-            </p:nvSpPr>
-            <p:spPr>
-              <a:xfrm>
-                <a:off x="5830266" y="3380022"/>
-                <a:ext cx="542894" cy="369332"/>
-              </a:xfrm>
-              <a:prstGeom prst="rect">
-                <a:avLst/>
-              </a:prstGeom>
-              <a:noFill/>
-            </p:spPr>
-            <p:txBody>
-              <a:bodyPr wrap="square" rtlCol="0">
-                <a:spAutoFit/>
-              </a:bodyPr>
-              <a:lstStyle/>
-              <a:p>
-                <a:pPr/>
-                <a14:m>
-                  <m:oMathPara xmlns:m="http://schemas.openxmlformats.org/officeDocument/2006/math">
-                    <m:oMathParaPr>
-                      <m:jc m:val="centerGroup"/>
-                    </m:oMathParaPr>
-                    <m:oMath xmlns:m="http://schemas.openxmlformats.org/officeDocument/2006/math">
-                      <m:sSub>
-                        <m:sSubPr>
-                          <m:ctrlPr>
-                            <a:rPr lang="en-US" b="1" i="1" smtClean="0">
-                              <a:latin typeface="Cambria Math" panose="02040503050406030204" pitchFamily="18" charset="0"/>
-                              <a:ea typeface="Cambria Math" panose="02040503050406030204" pitchFamily="18" charset="0"/>
-                            </a:rPr>
-                          </m:ctrlPr>
-                        </m:sSubPr>
-                        <m:e>
-                          <m:r>
-                            <a:rPr lang="en-US" altLang="zh-CN" b="1" i="0" smtClean="0">
-                              <a:latin typeface="Cambria Math" panose="02040503050406030204" pitchFamily="18" charset="0"/>
-                              <a:ea typeface="Cambria Math" panose="02040503050406030204" pitchFamily="18" charset="0"/>
-                            </a:rPr>
-                            <m:t>𝐘</m:t>
-                          </m:r>
-                        </m:e>
-                        <m:sub>
-                          <m:r>
-                            <a:rPr lang="en-US" altLang="zh-CN" b="1" i="0" smtClean="0">
-                              <a:latin typeface="Cambria Math" panose="02040503050406030204" pitchFamily="18" charset="0"/>
-                              <a:ea typeface="Cambria Math" panose="02040503050406030204" pitchFamily="18" charset="0"/>
-                            </a:rPr>
-                            <m:t>𝟐𝟐</m:t>
-                          </m:r>
-                        </m:sub>
-                      </m:sSub>
-                    </m:oMath>
-                  </m:oMathPara>
-                </a14:m>
-                <a:endParaRPr lang="en-US" b="1" dirty="0">
-                  <a:latin typeface="Times New Roman" panose="02020603050405020304" pitchFamily="18" charset="0"/>
-                  <a:cs typeface="Times New Roman" panose="02020603050405020304" pitchFamily="18" charset="0"/>
-                </a:endParaRPr>
-              </a:p>
-            </p:txBody>
-          </p:sp>
-        </mc:Choice>
-        <mc:Fallback xmlns="">
-          <p:sp>
-            <p:nvSpPr>
-              <p:cNvPr id="36" name="文本框 35">
-                <a:extLst>
-                  <a:ext uri="{FF2B5EF4-FFF2-40B4-BE49-F238E27FC236}">
-                    <a16:creationId xmlns:a16="http://schemas.microsoft.com/office/drawing/2014/main" id="{5174C015-F9C4-71DE-4FBA-F1A97B5DA011}"/>
-                  </a:ext>
-                </a:extLst>
-              </p:cNvPr>
-              <p:cNvSpPr txBox="1">
-                <a:spLocks noRot="1" noChangeAspect="1" noMove="1" noResize="1" noEditPoints="1" noAdjustHandles="1" noChangeArrowheads="1" noChangeShapeType="1" noTextEdit="1"/>
-              </p:cNvSpPr>
-              <p:nvPr/>
-            </p:nvSpPr>
-            <p:spPr>
-              <a:xfrm>
-                <a:off x="5830266" y="3380022"/>
-                <a:ext cx="542894" cy="369332"/>
-              </a:xfrm>
-              <a:prstGeom prst="rect">
-                <a:avLst/>
-              </a:prstGeom>
-              <a:blipFill>
-                <a:blip r:embed="rId6"/>
-                <a:stretch>
-                  <a:fillRect b="-1639"/>
-                </a:stretch>
-              </a:blipFill>
-            </p:spPr>
-            <p:txBody>
-              <a:bodyPr/>
-              <a:lstStyle/>
-              <a:p>
-                <a:r>
-                  <a:rPr lang="en-US">
-                    <a:noFill/>
-                  </a:rPr>
-                  <a:t> </a:t>
-                </a:r>
-              </a:p>
-            </p:txBody>
-          </p:sp>
-        </mc:Fallback>
-      </mc:AlternateContent>
-      <mc:AlternateContent xmlns:mc="http://schemas.openxmlformats.org/markup-compatibility/2006" xmlns:a14="http://schemas.microsoft.com/office/drawing/2010/main">
-        <mc:Choice Requires="a14">
-          <p:sp>
-            <p:nvSpPr>
-              <p:cNvPr id="37" name="文本框 36">
-                <a:extLst>
-                  <a:ext uri="{FF2B5EF4-FFF2-40B4-BE49-F238E27FC236}">
-                    <a16:creationId xmlns:a16="http://schemas.microsoft.com/office/drawing/2014/main" id="{836FDB6E-E9AE-E611-7F05-B06F2079E50C}"/>
-                  </a:ext>
-                </a:extLst>
-              </p:cNvPr>
-              <p:cNvSpPr txBox="1"/>
-              <p:nvPr/>
-            </p:nvSpPr>
-            <p:spPr>
-              <a:xfrm>
-                <a:off x="6716485" y="3380022"/>
-                <a:ext cx="542894" cy="381515"/>
-              </a:xfrm>
-              <a:prstGeom prst="rect">
-                <a:avLst/>
-              </a:prstGeom>
-              <a:noFill/>
-            </p:spPr>
-            <p:txBody>
-              <a:bodyPr wrap="square" rtlCol="0">
-                <a:spAutoFit/>
-              </a:bodyPr>
-              <a:lstStyle/>
-              <a:p>
-                <a:pPr/>
-                <a14:m>
-                  <m:oMathPara xmlns:m="http://schemas.openxmlformats.org/officeDocument/2006/math">
-                    <m:oMathParaPr>
-                      <m:jc m:val="centerGroup"/>
-                    </m:oMathParaPr>
-                    <m:oMath xmlns:m="http://schemas.openxmlformats.org/officeDocument/2006/math">
-                      <m:sSub>
-                        <m:sSubPr>
-                          <m:ctrlPr>
-                            <a:rPr lang="en-US" b="1" i="1" smtClean="0">
-                              <a:latin typeface="Cambria Math" panose="02040503050406030204" pitchFamily="18" charset="0"/>
-                              <a:ea typeface="Cambria Math" panose="02040503050406030204" pitchFamily="18" charset="0"/>
-                            </a:rPr>
-                          </m:ctrlPr>
-                        </m:sSubPr>
-                        <m:e>
-                          <m:r>
-                            <a:rPr lang="en-US" altLang="zh-CN" b="1" i="0" smtClean="0">
-                              <a:latin typeface="Cambria Math" panose="02040503050406030204" pitchFamily="18" charset="0"/>
-                              <a:ea typeface="Cambria Math" panose="02040503050406030204" pitchFamily="18" charset="0"/>
-                            </a:rPr>
-                            <m:t>𝐘</m:t>
-                          </m:r>
-                        </m:e>
-                        <m:sub>
-                          <m:r>
-                            <a:rPr lang="en-US" altLang="zh-CN" b="1" i="0" smtClean="0">
-                              <a:latin typeface="Cambria Math" panose="02040503050406030204" pitchFamily="18" charset="0"/>
-                              <a:ea typeface="Cambria Math" panose="02040503050406030204" pitchFamily="18" charset="0"/>
-                            </a:rPr>
-                            <m:t>𝐧</m:t>
-                          </m:r>
-                          <m:r>
-                            <a:rPr lang="en-US" altLang="zh-CN" b="1" i="0" smtClean="0">
-                              <a:latin typeface="Cambria Math" panose="02040503050406030204" pitchFamily="18" charset="0"/>
-                              <a:ea typeface="Cambria Math" panose="02040503050406030204" pitchFamily="18" charset="0"/>
-                            </a:rPr>
-                            <m:t>,</m:t>
-                          </m:r>
-                          <m:r>
-                            <a:rPr lang="en-US" altLang="zh-CN" b="1" i="0" smtClean="0">
-                              <a:latin typeface="Cambria Math" panose="02040503050406030204" pitchFamily="18" charset="0"/>
-                              <a:ea typeface="Cambria Math" panose="02040503050406030204" pitchFamily="18" charset="0"/>
-                            </a:rPr>
-                            <m:t>𝟐</m:t>
-                          </m:r>
-                        </m:sub>
-                      </m:sSub>
-                    </m:oMath>
-                  </m:oMathPara>
-                </a14:m>
-                <a:endParaRPr lang="en-US" b="1" dirty="0">
-                  <a:latin typeface="Times New Roman" panose="02020603050405020304" pitchFamily="18" charset="0"/>
-                  <a:cs typeface="Times New Roman" panose="02020603050405020304" pitchFamily="18" charset="0"/>
-                </a:endParaRPr>
-              </a:p>
-            </p:txBody>
-          </p:sp>
-        </mc:Choice>
-        <mc:Fallback xmlns="">
-          <p:sp>
-            <p:nvSpPr>
-              <p:cNvPr id="37" name="文本框 36">
-                <a:extLst>
-                  <a:ext uri="{FF2B5EF4-FFF2-40B4-BE49-F238E27FC236}">
-                    <a16:creationId xmlns:a16="http://schemas.microsoft.com/office/drawing/2014/main" id="{836FDB6E-E9AE-E611-7F05-B06F2079E50C}"/>
-                  </a:ext>
-                </a:extLst>
-              </p:cNvPr>
-              <p:cNvSpPr txBox="1">
-                <a:spLocks noRot="1" noChangeAspect="1" noMove="1" noResize="1" noEditPoints="1" noAdjustHandles="1" noChangeArrowheads="1" noChangeShapeType="1" noTextEdit="1"/>
-              </p:cNvSpPr>
-              <p:nvPr/>
-            </p:nvSpPr>
-            <p:spPr>
-              <a:xfrm>
-                <a:off x="6716485" y="3380022"/>
-                <a:ext cx="542894" cy="381515"/>
-              </a:xfrm>
-              <a:prstGeom prst="rect">
-                <a:avLst/>
-              </a:prstGeom>
-              <a:blipFill>
-                <a:blip r:embed="rId7"/>
-                <a:stretch>
-                  <a:fillRect/>
-                </a:stretch>
-              </a:blipFill>
-            </p:spPr>
-            <p:txBody>
-              <a:bodyPr/>
-              <a:lstStyle/>
-              <a:p>
-                <a:r>
-                  <a:rPr lang="en-US">
-                    <a:noFill/>
-                  </a:rPr>
-                  <a:t> </a:t>
-                </a:r>
-              </a:p>
-            </p:txBody>
-          </p:sp>
-        </mc:Fallback>
-      </mc:AlternateContent>
-      <p:sp>
-        <p:nvSpPr>
-          <p:cNvPr id="38" name="椭圆 37">
-            <a:extLst>
-              <a:ext uri="{FF2B5EF4-FFF2-40B4-BE49-F238E27FC236}">
-                <a16:creationId xmlns:a16="http://schemas.microsoft.com/office/drawing/2014/main" id="{2FE289C6-198B-6182-10B4-ABDC8B10CE9A}"/>
-              </a:ext>
-            </a:extLst>
-          </p:cNvPr>
-          <p:cNvSpPr/>
-          <p:nvPr/>
-        </p:nvSpPr>
-        <p:spPr>
-          <a:xfrm>
-            <a:off x="7544848" y="3224030"/>
-            <a:ext cx="622150" cy="742277"/>
-          </a:xfrm>
-          <a:prstGeom prst="ellipse">
-            <a:avLst/>
-          </a:prstGeom>
-          <a:noFill/>
-          <a:ln>
-            <a:solidFill>
-              <a:schemeClr val="tx1"/>
-            </a:solidFill>
-          </a:ln>
-        </p:spPr>
-        <p:style>
-          <a:lnRef idx="2">
-            <a:schemeClr val="accent1">
-              <a:shade val="15000"/>
-            </a:schemeClr>
-          </a:lnRef>
-          <a:fillRef idx="1">
-            <a:schemeClr val="accent1"/>
-          </a:fillRef>
-          <a:effectRef idx="0">
-            <a:schemeClr val="accent1"/>
-          </a:effectRef>
-          <a:fontRef idx="minor">
-            <a:schemeClr val="lt1"/>
-          </a:fontRef>
-        </p:style>
-        <p:txBody>
-          <a:bodyPr rtlCol="0" anchor="ctr"/>
-          <a:lstStyle/>
-          <a:p>
-            <a:pPr algn="ctr"/>
-            <a:endParaRPr lang="en-US"/>
-          </a:p>
-        </p:txBody>
-      </p:sp>
-      <p:sp>
-        <p:nvSpPr>
-          <p:cNvPr id="39" name="椭圆 38">
-            <a:extLst>
-              <a:ext uri="{FF2B5EF4-FFF2-40B4-BE49-F238E27FC236}">
-                <a16:creationId xmlns:a16="http://schemas.microsoft.com/office/drawing/2014/main" id="{469E7B35-6B3D-6FE9-6959-2D1564B9EE3C}"/>
-              </a:ext>
-            </a:extLst>
-          </p:cNvPr>
-          <p:cNvSpPr/>
-          <p:nvPr/>
-        </p:nvSpPr>
-        <p:spPr>
-          <a:xfrm>
-            <a:off x="8383808" y="3224030"/>
-            <a:ext cx="622150" cy="742277"/>
-          </a:xfrm>
-          <a:prstGeom prst="ellipse">
-            <a:avLst/>
-          </a:prstGeom>
-          <a:noFill/>
-          <a:ln>
-            <a:solidFill>
-              <a:schemeClr val="tx1"/>
-            </a:solidFill>
-          </a:ln>
-        </p:spPr>
-        <p:style>
-          <a:lnRef idx="2">
-            <a:schemeClr val="accent1">
-              <a:shade val="15000"/>
-            </a:schemeClr>
-          </a:lnRef>
-          <a:fillRef idx="1">
-            <a:schemeClr val="accent1"/>
-          </a:fillRef>
-          <a:effectRef idx="0">
-            <a:schemeClr val="accent1"/>
-          </a:effectRef>
-          <a:fontRef idx="minor">
-            <a:schemeClr val="lt1"/>
-          </a:fontRef>
-        </p:style>
-        <p:txBody>
-          <a:bodyPr rtlCol="0" anchor="ctr"/>
-          <a:lstStyle/>
-          <a:p>
-            <a:pPr algn="ctr"/>
-            <a:endParaRPr lang="en-US"/>
-          </a:p>
-        </p:txBody>
-      </p:sp>
-      <p:sp>
-        <p:nvSpPr>
-          <p:cNvPr id="40" name="椭圆 39">
-            <a:extLst>
-              <a:ext uri="{FF2B5EF4-FFF2-40B4-BE49-F238E27FC236}">
-                <a16:creationId xmlns:a16="http://schemas.microsoft.com/office/drawing/2014/main" id="{B8379468-AE08-EE1E-2233-367998A9CD1C}"/>
-              </a:ext>
-            </a:extLst>
-          </p:cNvPr>
-          <p:cNvSpPr/>
-          <p:nvPr/>
-        </p:nvSpPr>
-        <p:spPr>
-          <a:xfrm>
-            <a:off x="9283800" y="3224030"/>
-            <a:ext cx="622150" cy="742277"/>
-          </a:xfrm>
-          <a:prstGeom prst="ellipse">
-            <a:avLst/>
-          </a:prstGeom>
-          <a:noFill/>
-          <a:ln>
-            <a:solidFill>
-              <a:schemeClr val="tx1"/>
-            </a:solidFill>
-          </a:ln>
-        </p:spPr>
-        <p:style>
-          <a:lnRef idx="2">
-            <a:schemeClr val="accent1">
-              <a:shade val="15000"/>
-            </a:schemeClr>
-          </a:lnRef>
-          <a:fillRef idx="1">
-            <a:schemeClr val="accent1"/>
-          </a:fillRef>
-          <a:effectRef idx="0">
-            <a:schemeClr val="accent1"/>
-          </a:effectRef>
-          <a:fontRef idx="minor">
-            <a:schemeClr val="lt1"/>
-          </a:fontRef>
-        </p:style>
-        <p:txBody>
-          <a:bodyPr rtlCol="0" anchor="ctr"/>
-          <a:lstStyle/>
-          <a:p>
-            <a:pPr algn="ctr"/>
-            <a:endParaRPr lang="en-US"/>
-          </a:p>
-        </p:txBody>
-      </p:sp>
-      <mc:AlternateContent xmlns:mc="http://schemas.openxmlformats.org/markup-compatibility/2006" xmlns:a14="http://schemas.microsoft.com/office/drawing/2010/main">
-        <mc:Choice Requires="a14">
-          <p:sp>
-            <p:nvSpPr>
-              <p:cNvPr id="41" name="文本框 40">
-                <a:extLst>
-                  <a:ext uri="{FF2B5EF4-FFF2-40B4-BE49-F238E27FC236}">
-                    <a16:creationId xmlns:a16="http://schemas.microsoft.com/office/drawing/2014/main" id="{E7C41404-BCB6-BCCE-3590-481CB8DC3E2B}"/>
-                  </a:ext>
-                </a:extLst>
-              </p:cNvPr>
-              <p:cNvSpPr txBox="1"/>
-              <p:nvPr/>
-            </p:nvSpPr>
-            <p:spPr>
-              <a:xfrm>
-                <a:off x="7566562" y="3380022"/>
-                <a:ext cx="542894" cy="369332"/>
-              </a:xfrm>
-              <a:prstGeom prst="rect">
-                <a:avLst/>
-              </a:prstGeom>
-              <a:noFill/>
-            </p:spPr>
-            <p:txBody>
-              <a:bodyPr wrap="square" rtlCol="0">
-                <a:spAutoFit/>
-              </a:bodyPr>
-              <a:lstStyle/>
-              <a:p>
-                <a:pPr/>
-                <a14:m>
-                  <m:oMathPara xmlns:m="http://schemas.openxmlformats.org/officeDocument/2006/math">
-                    <m:oMathParaPr>
-                      <m:jc m:val="centerGroup"/>
-                    </m:oMathParaPr>
-                    <m:oMath xmlns:m="http://schemas.openxmlformats.org/officeDocument/2006/math">
-                      <m:sSub>
-                        <m:sSubPr>
-                          <m:ctrlPr>
-                            <a:rPr lang="en-US" b="1" i="1" smtClean="0">
-                              <a:latin typeface="Cambria Math" panose="02040503050406030204" pitchFamily="18" charset="0"/>
-                              <a:ea typeface="Cambria Math" panose="02040503050406030204" pitchFamily="18" charset="0"/>
-                            </a:rPr>
-                          </m:ctrlPr>
-                        </m:sSubPr>
-                        <m:e>
-                          <m:r>
-                            <a:rPr lang="en-US" altLang="zh-CN" b="1" i="0" smtClean="0">
-                              <a:latin typeface="Cambria Math" panose="02040503050406030204" pitchFamily="18" charset="0"/>
-                              <a:ea typeface="Cambria Math" panose="02040503050406030204" pitchFamily="18" charset="0"/>
-                            </a:rPr>
-                            <m:t>𝐘</m:t>
-                          </m:r>
-                        </m:e>
-                        <m:sub>
-                          <m:r>
-                            <a:rPr lang="en-US" altLang="zh-CN" b="1" i="0" smtClean="0">
-                              <a:latin typeface="Cambria Math" panose="02040503050406030204" pitchFamily="18" charset="0"/>
-                              <a:ea typeface="Cambria Math" panose="02040503050406030204" pitchFamily="18" charset="0"/>
-                            </a:rPr>
-                            <m:t>𝟏𝟑</m:t>
-                          </m:r>
-                        </m:sub>
-                      </m:sSub>
-                    </m:oMath>
-                  </m:oMathPara>
-                </a14:m>
-                <a:endParaRPr lang="en-US" b="1" dirty="0">
-                  <a:latin typeface="Times New Roman" panose="02020603050405020304" pitchFamily="18" charset="0"/>
-                  <a:cs typeface="Times New Roman" panose="02020603050405020304" pitchFamily="18" charset="0"/>
-                </a:endParaRPr>
-              </a:p>
-            </p:txBody>
-          </p:sp>
-        </mc:Choice>
-        <mc:Fallback xmlns="">
-          <p:sp>
-            <p:nvSpPr>
-              <p:cNvPr id="41" name="文本框 40">
-                <a:extLst>
-                  <a:ext uri="{FF2B5EF4-FFF2-40B4-BE49-F238E27FC236}">
-                    <a16:creationId xmlns:a16="http://schemas.microsoft.com/office/drawing/2014/main" id="{E7C41404-BCB6-BCCE-3590-481CB8DC3E2B}"/>
-                  </a:ext>
-                </a:extLst>
-              </p:cNvPr>
-              <p:cNvSpPr txBox="1">
-                <a:spLocks noRot="1" noChangeAspect="1" noMove="1" noResize="1" noEditPoints="1" noAdjustHandles="1" noChangeArrowheads="1" noChangeShapeType="1" noTextEdit="1"/>
-              </p:cNvSpPr>
-              <p:nvPr/>
-            </p:nvSpPr>
-            <p:spPr>
-              <a:xfrm>
-                <a:off x="7566562" y="3380022"/>
-                <a:ext cx="542894" cy="369332"/>
-              </a:xfrm>
-              <a:prstGeom prst="rect">
-                <a:avLst/>
-              </a:prstGeom>
-              <a:blipFill>
-                <a:blip r:embed="rId8"/>
-                <a:stretch>
-                  <a:fillRect b="-1639"/>
-                </a:stretch>
-              </a:blipFill>
-            </p:spPr>
-            <p:txBody>
-              <a:bodyPr/>
-              <a:lstStyle/>
-              <a:p>
-                <a:r>
-                  <a:rPr lang="en-US">
-                    <a:noFill/>
-                  </a:rPr>
-                  <a:t> </a:t>
-                </a:r>
-              </a:p>
-            </p:txBody>
-          </p:sp>
-        </mc:Fallback>
-      </mc:AlternateContent>
-      <mc:AlternateContent xmlns:mc="http://schemas.openxmlformats.org/markup-compatibility/2006" xmlns:a14="http://schemas.microsoft.com/office/drawing/2010/main">
-        <mc:Choice Requires="a14">
-          <p:sp>
-            <p:nvSpPr>
-              <p:cNvPr id="42" name="文本框 41">
-                <a:extLst>
-                  <a:ext uri="{FF2B5EF4-FFF2-40B4-BE49-F238E27FC236}">
-                    <a16:creationId xmlns:a16="http://schemas.microsoft.com/office/drawing/2014/main" id="{3A244302-20F6-7A38-F9FC-2D0211E169F2}"/>
-                  </a:ext>
-                </a:extLst>
-              </p:cNvPr>
-              <p:cNvSpPr txBox="1"/>
-              <p:nvPr/>
-            </p:nvSpPr>
-            <p:spPr>
-              <a:xfrm>
-                <a:off x="8422741" y="3380022"/>
-                <a:ext cx="542894" cy="369332"/>
-              </a:xfrm>
-              <a:prstGeom prst="rect">
-                <a:avLst/>
-              </a:prstGeom>
-              <a:noFill/>
-            </p:spPr>
-            <p:txBody>
-              <a:bodyPr wrap="square" rtlCol="0">
-                <a:spAutoFit/>
-              </a:bodyPr>
-              <a:lstStyle/>
-              <a:p>
-                <a:pPr/>
-                <a14:m>
-                  <m:oMathPara xmlns:m="http://schemas.openxmlformats.org/officeDocument/2006/math">
-                    <m:oMathParaPr>
-                      <m:jc m:val="centerGroup"/>
-                    </m:oMathParaPr>
-                    <m:oMath xmlns:m="http://schemas.openxmlformats.org/officeDocument/2006/math">
-                      <m:sSub>
-                        <m:sSubPr>
-                          <m:ctrlPr>
-                            <a:rPr lang="en-US" b="1" i="1" smtClean="0">
-                              <a:latin typeface="Cambria Math" panose="02040503050406030204" pitchFamily="18" charset="0"/>
-                              <a:ea typeface="Cambria Math" panose="02040503050406030204" pitchFamily="18" charset="0"/>
-                            </a:rPr>
-                          </m:ctrlPr>
-                        </m:sSubPr>
-                        <m:e>
-                          <m:r>
-                            <a:rPr lang="en-US" altLang="zh-CN" b="1" i="0" smtClean="0">
-                              <a:latin typeface="Cambria Math" panose="02040503050406030204" pitchFamily="18" charset="0"/>
-                              <a:ea typeface="Cambria Math" panose="02040503050406030204" pitchFamily="18" charset="0"/>
-                            </a:rPr>
-                            <m:t>𝐘</m:t>
-                          </m:r>
-                        </m:e>
-                        <m:sub>
-                          <m:r>
-                            <a:rPr lang="en-US" altLang="zh-CN" b="1" i="0" smtClean="0">
-                              <a:latin typeface="Cambria Math" panose="02040503050406030204" pitchFamily="18" charset="0"/>
-                              <a:ea typeface="Cambria Math" panose="02040503050406030204" pitchFamily="18" charset="0"/>
-                            </a:rPr>
-                            <m:t>𝟐𝟑</m:t>
-                          </m:r>
-                        </m:sub>
-                      </m:sSub>
-                    </m:oMath>
-                  </m:oMathPara>
-                </a14:m>
-                <a:endParaRPr lang="en-US" b="1" dirty="0">
-                  <a:latin typeface="Times New Roman" panose="02020603050405020304" pitchFamily="18" charset="0"/>
-                  <a:cs typeface="Times New Roman" panose="02020603050405020304" pitchFamily="18" charset="0"/>
-                </a:endParaRPr>
-              </a:p>
-            </p:txBody>
-          </p:sp>
-        </mc:Choice>
-        <mc:Fallback xmlns="">
-          <p:sp>
-            <p:nvSpPr>
-              <p:cNvPr id="42" name="文本框 41">
-                <a:extLst>
-                  <a:ext uri="{FF2B5EF4-FFF2-40B4-BE49-F238E27FC236}">
-                    <a16:creationId xmlns:a16="http://schemas.microsoft.com/office/drawing/2014/main" id="{3A244302-20F6-7A38-F9FC-2D0211E169F2}"/>
-                  </a:ext>
-                </a:extLst>
-              </p:cNvPr>
-              <p:cNvSpPr txBox="1">
-                <a:spLocks noRot="1" noChangeAspect="1" noMove="1" noResize="1" noEditPoints="1" noAdjustHandles="1" noChangeArrowheads="1" noChangeShapeType="1" noTextEdit="1"/>
-              </p:cNvSpPr>
-              <p:nvPr/>
-            </p:nvSpPr>
-            <p:spPr>
-              <a:xfrm>
-                <a:off x="8422741" y="3380022"/>
-                <a:ext cx="542894" cy="369332"/>
-              </a:xfrm>
-              <a:prstGeom prst="rect">
-                <a:avLst/>
-              </a:prstGeom>
-              <a:blipFill>
-                <a:blip r:embed="rId9"/>
-                <a:stretch>
-                  <a:fillRect b="-1639"/>
-                </a:stretch>
-              </a:blipFill>
-            </p:spPr>
-            <p:txBody>
-              <a:bodyPr/>
-              <a:lstStyle/>
-              <a:p>
-                <a:r>
-                  <a:rPr lang="en-US">
-                    <a:noFill/>
-                  </a:rPr>
-                  <a:t> </a:t>
-                </a:r>
-              </a:p>
-            </p:txBody>
-          </p:sp>
-        </mc:Fallback>
-      </mc:AlternateContent>
-      <mc:AlternateContent xmlns:mc="http://schemas.openxmlformats.org/markup-compatibility/2006" xmlns:a14="http://schemas.microsoft.com/office/drawing/2010/main">
-        <mc:Choice Requires="a14">
-          <p:sp>
-            <p:nvSpPr>
-              <p:cNvPr id="43" name="文本框 42">
-                <a:extLst>
-                  <a:ext uri="{FF2B5EF4-FFF2-40B4-BE49-F238E27FC236}">
-                    <a16:creationId xmlns:a16="http://schemas.microsoft.com/office/drawing/2014/main" id="{34C3895E-D5E1-5FE9-52FB-8FA1FA043E5F}"/>
-                  </a:ext>
-                </a:extLst>
-              </p:cNvPr>
-              <p:cNvSpPr txBox="1"/>
-              <p:nvPr/>
-            </p:nvSpPr>
-            <p:spPr>
-              <a:xfrm>
-                <a:off x="9332405" y="3380022"/>
-                <a:ext cx="542894" cy="381515"/>
-              </a:xfrm>
-              <a:prstGeom prst="rect">
-                <a:avLst/>
-              </a:prstGeom>
-              <a:noFill/>
-            </p:spPr>
-            <p:txBody>
-              <a:bodyPr wrap="square" rtlCol="0">
-                <a:spAutoFit/>
-              </a:bodyPr>
-              <a:lstStyle/>
-              <a:p>
-                <a:pPr/>
-                <a14:m>
-                  <m:oMathPara xmlns:m="http://schemas.openxmlformats.org/officeDocument/2006/math">
-                    <m:oMathParaPr>
-                      <m:jc m:val="centerGroup"/>
-                    </m:oMathParaPr>
-                    <m:oMath xmlns:m="http://schemas.openxmlformats.org/officeDocument/2006/math">
-                      <m:sSub>
-                        <m:sSubPr>
-                          <m:ctrlPr>
-                            <a:rPr lang="en-US" b="1" i="1" smtClean="0">
-                              <a:latin typeface="Cambria Math" panose="02040503050406030204" pitchFamily="18" charset="0"/>
-                              <a:ea typeface="Cambria Math" panose="02040503050406030204" pitchFamily="18" charset="0"/>
-                            </a:rPr>
-                          </m:ctrlPr>
-                        </m:sSubPr>
-                        <m:e>
-                          <m:r>
-                            <a:rPr lang="en-US" altLang="zh-CN" b="1" i="0" smtClean="0">
-                              <a:latin typeface="Cambria Math" panose="02040503050406030204" pitchFamily="18" charset="0"/>
-                              <a:ea typeface="Cambria Math" panose="02040503050406030204" pitchFamily="18" charset="0"/>
-                            </a:rPr>
-                            <m:t>𝐘</m:t>
-                          </m:r>
-                        </m:e>
-                        <m:sub>
-                          <m:r>
-                            <a:rPr lang="en-US" altLang="zh-CN" b="1" i="0" smtClean="0">
-                              <a:latin typeface="Cambria Math" panose="02040503050406030204" pitchFamily="18" charset="0"/>
-                              <a:ea typeface="Cambria Math" panose="02040503050406030204" pitchFamily="18" charset="0"/>
-                            </a:rPr>
-                            <m:t>𝐧</m:t>
-                          </m:r>
-                          <m:r>
-                            <a:rPr lang="en-US" altLang="zh-CN" b="1" i="0" smtClean="0">
-                              <a:latin typeface="Cambria Math" panose="02040503050406030204" pitchFamily="18" charset="0"/>
-                              <a:ea typeface="Cambria Math" panose="02040503050406030204" pitchFamily="18" charset="0"/>
-                            </a:rPr>
-                            <m:t>,</m:t>
-                          </m:r>
-                          <m:r>
-                            <a:rPr lang="en-US" altLang="zh-CN" b="1" i="0" smtClean="0">
-                              <a:latin typeface="Cambria Math" panose="02040503050406030204" pitchFamily="18" charset="0"/>
-                              <a:ea typeface="Cambria Math" panose="02040503050406030204" pitchFamily="18" charset="0"/>
-                            </a:rPr>
-                            <m:t>𝟑</m:t>
-                          </m:r>
-                        </m:sub>
-                      </m:sSub>
-                    </m:oMath>
-                  </m:oMathPara>
-                </a14:m>
-                <a:endParaRPr lang="en-US" b="1" dirty="0">
-                  <a:latin typeface="Times New Roman" panose="02020603050405020304" pitchFamily="18" charset="0"/>
-                  <a:cs typeface="Times New Roman" panose="02020603050405020304" pitchFamily="18" charset="0"/>
-                </a:endParaRPr>
-              </a:p>
-            </p:txBody>
-          </p:sp>
-        </mc:Choice>
-        <mc:Fallback xmlns="">
-          <p:sp>
-            <p:nvSpPr>
-              <p:cNvPr id="43" name="文本框 42">
-                <a:extLst>
-                  <a:ext uri="{FF2B5EF4-FFF2-40B4-BE49-F238E27FC236}">
-                    <a16:creationId xmlns:a16="http://schemas.microsoft.com/office/drawing/2014/main" id="{34C3895E-D5E1-5FE9-52FB-8FA1FA043E5F}"/>
-                  </a:ext>
-                </a:extLst>
-              </p:cNvPr>
-              <p:cNvSpPr txBox="1">
-                <a:spLocks noRot="1" noChangeAspect="1" noMove="1" noResize="1" noEditPoints="1" noAdjustHandles="1" noChangeArrowheads="1" noChangeShapeType="1" noTextEdit="1"/>
-              </p:cNvSpPr>
-              <p:nvPr/>
-            </p:nvSpPr>
-            <p:spPr>
-              <a:xfrm>
-                <a:off x="9332405" y="3380022"/>
-                <a:ext cx="542894" cy="381515"/>
-              </a:xfrm>
-              <a:prstGeom prst="rect">
-                <a:avLst/>
-              </a:prstGeom>
-              <a:blipFill>
-                <a:blip r:embed="rId10"/>
-                <a:stretch>
-                  <a:fillRect/>
-                </a:stretch>
-              </a:blipFill>
-            </p:spPr>
-            <p:txBody>
-              <a:bodyPr/>
-              <a:lstStyle/>
-              <a:p>
-                <a:r>
-                  <a:rPr lang="en-US">
-                    <a:noFill/>
-                  </a:rPr>
-                  <a:t> </a:t>
-                </a:r>
-              </a:p>
-            </p:txBody>
-          </p:sp>
-        </mc:Fallback>
-      </mc:AlternateContent>
-      <p:sp>
-        <p:nvSpPr>
-          <p:cNvPr id="44" name="椭圆 43">
-            <a:extLst>
-              <a:ext uri="{FF2B5EF4-FFF2-40B4-BE49-F238E27FC236}">
-                <a16:creationId xmlns:a16="http://schemas.microsoft.com/office/drawing/2014/main" id="{50757068-C905-696D-EA0A-3161D322CA71}"/>
-              </a:ext>
-            </a:extLst>
-          </p:cNvPr>
-          <p:cNvSpPr/>
-          <p:nvPr/>
-        </p:nvSpPr>
-        <p:spPr>
-          <a:xfrm>
-            <a:off x="10262930" y="3227936"/>
-            <a:ext cx="622150" cy="742277"/>
-          </a:xfrm>
-          <a:prstGeom prst="ellipse">
-            <a:avLst/>
-          </a:prstGeom>
-          <a:noFill/>
-          <a:ln>
-            <a:solidFill>
-              <a:schemeClr val="tx1"/>
-            </a:solidFill>
-          </a:ln>
-        </p:spPr>
-        <p:style>
-          <a:lnRef idx="2">
-            <a:schemeClr val="accent1">
-              <a:shade val="15000"/>
-            </a:schemeClr>
-          </a:lnRef>
-          <a:fillRef idx="1">
-            <a:schemeClr val="accent1"/>
-          </a:fillRef>
-          <a:effectRef idx="0">
-            <a:schemeClr val="accent1"/>
-          </a:effectRef>
-          <a:fontRef idx="minor">
-            <a:schemeClr val="lt1"/>
-          </a:fontRef>
-        </p:style>
-        <p:txBody>
-          <a:bodyPr rtlCol="0" anchor="ctr"/>
-          <a:lstStyle/>
-          <a:p>
-            <a:pPr algn="ctr"/>
-            <a:endParaRPr lang="en-US"/>
-          </a:p>
-        </p:txBody>
-      </p:sp>
-      <p:sp>
-        <p:nvSpPr>
-          <p:cNvPr id="45" name="椭圆 44">
-            <a:extLst>
-              <a:ext uri="{FF2B5EF4-FFF2-40B4-BE49-F238E27FC236}">
-                <a16:creationId xmlns:a16="http://schemas.microsoft.com/office/drawing/2014/main" id="{60E6AA6C-353E-DF56-A266-F56B222D0AB3}"/>
-              </a:ext>
-            </a:extLst>
-          </p:cNvPr>
-          <p:cNvSpPr/>
-          <p:nvPr/>
-        </p:nvSpPr>
-        <p:spPr>
-          <a:xfrm>
-            <a:off x="11125335" y="3227936"/>
-            <a:ext cx="622150" cy="742277"/>
-          </a:xfrm>
-          <a:prstGeom prst="ellipse">
-            <a:avLst/>
-          </a:prstGeom>
-          <a:noFill/>
-          <a:ln>
-            <a:solidFill>
-              <a:schemeClr val="tx1"/>
-            </a:solidFill>
-          </a:ln>
-        </p:spPr>
-        <p:style>
-          <a:lnRef idx="2">
-            <a:schemeClr val="accent1">
-              <a:shade val="15000"/>
-            </a:schemeClr>
-          </a:lnRef>
-          <a:fillRef idx="1">
-            <a:schemeClr val="accent1"/>
-          </a:fillRef>
-          <a:effectRef idx="0">
-            <a:schemeClr val="accent1"/>
-          </a:effectRef>
-          <a:fontRef idx="minor">
-            <a:schemeClr val="lt1"/>
-          </a:fontRef>
-        </p:style>
-        <p:txBody>
-          <a:bodyPr rtlCol="0" anchor="ctr"/>
-          <a:lstStyle/>
-          <a:p>
-            <a:pPr algn="ctr"/>
-            <a:endParaRPr lang="en-US"/>
-          </a:p>
-        </p:txBody>
-      </p:sp>
-      <p:sp>
-        <p:nvSpPr>
-          <p:cNvPr id="46" name="椭圆 45">
-            <a:extLst>
-              <a:ext uri="{FF2B5EF4-FFF2-40B4-BE49-F238E27FC236}">
-                <a16:creationId xmlns:a16="http://schemas.microsoft.com/office/drawing/2014/main" id="{5D74F325-ED59-1F55-57AE-EDD8DDC02651}"/>
-              </a:ext>
-            </a:extLst>
-          </p:cNvPr>
-          <p:cNvSpPr/>
-          <p:nvPr/>
-        </p:nvSpPr>
-        <p:spPr>
-          <a:xfrm>
-            <a:off x="12001882" y="3227936"/>
-            <a:ext cx="622150" cy="742277"/>
-          </a:xfrm>
-          <a:prstGeom prst="ellipse">
-            <a:avLst/>
-          </a:prstGeom>
-          <a:noFill/>
-          <a:ln>
-            <a:solidFill>
-              <a:schemeClr val="tx1"/>
-            </a:solidFill>
-          </a:ln>
-        </p:spPr>
-        <p:style>
-          <a:lnRef idx="2">
-            <a:schemeClr val="accent1">
-              <a:shade val="15000"/>
-            </a:schemeClr>
-          </a:lnRef>
-          <a:fillRef idx="1">
-            <a:schemeClr val="accent1"/>
-          </a:fillRef>
-          <a:effectRef idx="0">
-            <a:schemeClr val="accent1"/>
-          </a:effectRef>
-          <a:fontRef idx="minor">
-            <a:schemeClr val="lt1"/>
-          </a:fontRef>
-        </p:style>
-        <p:txBody>
-          <a:bodyPr rtlCol="0" anchor="ctr"/>
-          <a:lstStyle/>
-          <a:p>
-            <a:pPr algn="ctr"/>
-            <a:endParaRPr lang="en-US"/>
-          </a:p>
-        </p:txBody>
-      </p:sp>
-      <mc:AlternateContent xmlns:mc="http://schemas.openxmlformats.org/markup-compatibility/2006" xmlns:a14="http://schemas.microsoft.com/office/drawing/2010/main">
-        <mc:Choice Requires="a14">
-          <p:sp>
-            <p:nvSpPr>
-              <p:cNvPr id="47" name="文本框 46">
-                <a:extLst>
-                  <a:ext uri="{FF2B5EF4-FFF2-40B4-BE49-F238E27FC236}">
-                    <a16:creationId xmlns:a16="http://schemas.microsoft.com/office/drawing/2014/main" id="{BF3141B5-C2D1-1956-16EE-F9BB56B0E18C}"/>
-                  </a:ext>
-                </a:extLst>
-              </p:cNvPr>
-              <p:cNvSpPr txBox="1"/>
-              <p:nvPr/>
-            </p:nvSpPr>
-            <p:spPr>
-              <a:xfrm>
-                <a:off x="10284644" y="3383928"/>
-                <a:ext cx="542894" cy="369332"/>
-              </a:xfrm>
-              <a:prstGeom prst="rect">
-                <a:avLst/>
-              </a:prstGeom>
-              <a:noFill/>
-            </p:spPr>
-            <p:txBody>
-              <a:bodyPr wrap="square" rtlCol="0">
-                <a:spAutoFit/>
-              </a:bodyPr>
-              <a:lstStyle/>
-              <a:p>
-                <a:pPr/>
-                <a14:m>
-                  <m:oMathPara xmlns:m="http://schemas.openxmlformats.org/officeDocument/2006/math">
-                    <m:oMathParaPr>
-                      <m:jc m:val="centerGroup"/>
-                    </m:oMathParaPr>
-                    <m:oMath xmlns:m="http://schemas.openxmlformats.org/officeDocument/2006/math">
-                      <m:sSub>
-                        <m:sSubPr>
-                          <m:ctrlPr>
-                            <a:rPr lang="en-US" b="1" i="1" smtClean="0">
-                              <a:latin typeface="Cambria Math" panose="02040503050406030204" pitchFamily="18" charset="0"/>
-                              <a:ea typeface="Cambria Math" panose="02040503050406030204" pitchFamily="18" charset="0"/>
-                            </a:rPr>
-                          </m:ctrlPr>
-                        </m:sSubPr>
-                        <m:e>
-                          <m:r>
-                            <a:rPr lang="en-US" altLang="zh-CN" b="1" i="0" smtClean="0">
-                              <a:latin typeface="Cambria Math" panose="02040503050406030204" pitchFamily="18" charset="0"/>
-                              <a:ea typeface="Cambria Math" panose="02040503050406030204" pitchFamily="18" charset="0"/>
-                            </a:rPr>
-                            <m:t>𝐘</m:t>
-                          </m:r>
-                        </m:e>
-                        <m:sub>
-                          <m:r>
-                            <a:rPr lang="en-US" altLang="zh-CN" b="1" i="0" smtClean="0">
-                              <a:latin typeface="Cambria Math" panose="02040503050406030204" pitchFamily="18" charset="0"/>
-                              <a:ea typeface="Cambria Math" panose="02040503050406030204" pitchFamily="18" charset="0"/>
-                            </a:rPr>
-                            <m:t>𝟏𝟒</m:t>
-                          </m:r>
-                        </m:sub>
-                      </m:sSub>
-                    </m:oMath>
-                  </m:oMathPara>
-                </a14:m>
-                <a:endParaRPr lang="en-US" b="1" dirty="0">
-                  <a:latin typeface="Times New Roman" panose="02020603050405020304" pitchFamily="18" charset="0"/>
-                  <a:cs typeface="Times New Roman" panose="02020603050405020304" pitchFamily="18" charset="0"/>
-                </a:endParaRPr>
-              </a:p>
-            </p:txBody>
-          </p:sp>
-        </mc:Choice>
-        <mc:Fallback xmlns="">
-          <p:sp>
-            <p:nvSpPr>
-              <p:cNvPr id="47" name="文本框 46">
-                <a:extLst>
-                  <a:ext uri="{FF2B5EF4-FFF2-40B4-BE49-F238E27FC236}">
-                    <a16:creationId xmlns:a16="http://schemas.microsoft.com/office/drawing/2014/main" id="{BF3141B5-C2D1-1956-16EE-F9BB56B0E18C}"/>
-                  </a:ext>
-                </a:extLst>
-              </p:cNvPr>
-              <p:cNvSpPr txBox="1">
-                <a:spLocks noRot="1" noChangeAspect="1" noMove="1" noResize="1" noEditPoints="1" noAdjustHandles="1" noChangeArrowheads="1" noChangeShapeType="1" noTextEdit="1"/>
-              </p:cNvSpPr>
-              <p:nvPr/>
-            </p:nvSpPr>
-            <p:spPr>
-              <a:xfrm>
-                <a:off x="10284644" y="3383928"/>
-                <a:ext cx="542894" cy="369332"/>
-              </a:xfrm>
-              <a:prstGeom prst="rect">
-                <a:avLst/>
-              </a:prstGeom>
-              <a:blipFill>
-                <a:blip r:embed="rId11"/>
-                <a:stretch>
-                  <a:fillRect b="-1639"/>
-                </a:stretch>
-              </a:blipFill>
-            </p:spPr>
-            <p:txBody>
-              <a:bodyPr/>
-              <a:lstStyle/>
-              <a:p>
-                <a:r>
-                  <a:rPr lang="en-US">
-                    <a:noFill/>
-                  </a:rPr>
-                  <a:t> </a:t>
-                </a:r>
-              </a:p>
-            </p:txBody>
-          </p:sp>
-        </mc:Fallback>
-      </mc:AlternateContent>
-      <mc:AlternateContent xmlns:mc="http://schemas.openxmlformats.org/markup-compatibility/2006" xmlns:a14="http://schemas.microsoft.com/office/drawing/2010/main">
-        <mc:Choice Requires="a14">
-          <p:sp>
-            <p:nvSpPr>
-              <p:cNvPr id="48" name="文本框 47">
-                <a:extLst>
-                  <a:ext uri="{FF2B5EF4-FFF2-40B4-BE49-F238E27FC236}">
-                    <a16:creationId xmlns:a16="http://schemas.microsoft.com/office/drawing/2014/main" id="{4D5E693F-59E5-6226-FE2C-F624EA1D0062}"/>
-                  </a:ext>
-                </a:extLst>
-              </p:cNvPr>
-              <p:cNvSpPr txBox="1"/>
-              <p:nvPr/>
-            </p:nvSpPr>
-            <p:spPr>
-              <a:xfrm>
-                <a:off x="11164268" y="3383928"/>
-                <a:ext cx="542894" cy="369332"/>
-              </a:xfrm>
-              <a:prstGeom prst="rect">
-                <a:avLst/>
-              </a:prstGeom>
-              <a:noFill/>
-            </p:spPr>
-            <p:txBody>
-              <a:bodyPr wrap="square" rtlCol="0">
-                <a:spAutoFit/>
-              </a:bodyPr>
-              <a:lstStyle/>
-              <a:p>
-                <a:pPr/>
-                <a14:m>
-                  <m:oMathPara xmlns:m="http://schemas.openxmlformats.org/officeDocument/2006/math">
-                    <m:oMathParaPr>
-                      <m:jc m:val="centerGroup"/>
-                    </m:oMathParaPr>
-                    <m:oMath xmlns:m="http://schemas.openxmlformats.org/officeDocument/2006/math">
-                      <m:sSub>
-                        <m:sSubPr>
-                          <m:ctrlPr>
-                            <a:rPr lang="en-US" b="1" i="1" smtClean="0">
-                              <a:latin typeface="Cambria Math" panose="02040503050406030204" pitchFamily="18" charset="0"/>
-                              <a:ea typeface="Cambria Math" panose="02040503050406030204" pitchFamily="18" charset="0"/>
-                            </a:rPr>
-                          </m:ctrlPr>
-                        </m:sSubPr>
-                        <m:e>
-                          <m:r>
-                            <a:rPr lang="en-US" altLang="zh-CN" b="1" i="0" smtClean="0">
-                              <a:latin typeface="Cambria Math" panose="02040503050406030204" pitchFamily="18" charset="0"/>
-                              <a:ea typeface="Cambria Math" panose="02040503050406030204" pitchFamily="18" charset="0"/>
-                            </a:rPr>
-                            <m:t>𝐘</m:t>
-                          </m:r>
-                        </m:e>
-                        <m:sub>
-                          <m:r>
-                            <a:rPr lang="en-US" altLang="zh-CN" b="1" i="0" smtClean="0">
-                              <a:latin typeface="Cambria Math" panose="02040503050406030204" pitchFamily="18" charset="0"/>
-                              <a:ea typeface="Cambria Math" panose="02040503050406030204" pitchFamily="18" charset="0"/>
-                            </a:rPr>
-                            <m:t>𝟐𝟒</m:t>
-                          </m:r>
-                        </m:sub>
-                      </m:sSub>
-                    </m:oMath>
-                  </m:oMathPara>
-                </a14:m>
-                <a:endParaRPr lang="en-US" b="1" dirty="0">
-                  <a:latin typeface="Times New Roman" panose="02020603050405020304" pitchFamily="18" charset="0"/>
-                  <a:cs typeface="Times New Roman" panose="02020603050405020304" pitchFamily="18" charset="0"/>
-                </a:endParaRPr>
-              </a:p>
-            </p:txBody>
-          </p:sp>
-        </mc:Choice>
-        <mc:Fallback xmlns="">
-          <p:sp>
-            <p:nvSpPr>
-              <p:cNvPr id="48" name="文本框 47">
-                <a:extLst>
-                  <a:ext uri="{FF2B5EF4-FFF2-40B4-BE49-F238E27FC236}">
-                    <a16:creationId xmlns:a16="http://schemas.microsoft.com/office/drawing/2014/main" id="{4D5E693F-59E5-6226-FE2C-F624EA1D0062}"/>
-                  </a:ext>
-                </a:extLst>
-              </p:cNvPr>
-              <p:cNvSpPr txBox="1">
-                <a:spLocks noRot="1" noChangeAspect="1" noMove="1" noResize="1" noEditPoints="1" noAdjustHandles="1" noChangeArrowheads="1" noChangeShapeType="1" noTextEdit="1"/>
-              </p:cNvSpPr>
-              <p:nvPr/>
-            </p:nvSpPr>
-            <p:spPr>
-              <a:xfrm>
-                <a:off x="11164268" y="3383928"/>
-                <a:ext cx="542894" cy="369332"/>
-              </a:xfrm>
-              <a:prstGeom prst="rect">
-                <a:avLst/>
-              </a:prstGeom>
-              <a:blipFill>
-                <a:blip r:embed="rId12"/>
-                <a:stretch>
-                  <a:fillRect b="-1639"/>
-                </a:stretch>
-              </a:blipFill>
-            </p:spPr>
-            <p:txBody>
-              <a:bodyPr/>
-              <a:lstStyle/>
-              <a:p>
-                <a:r>
-                  <a:rPr lang="en-US">
-                    <a:noFill/>
-                  </a:rPr>
-                  <a:t> </a:t>
-                </a:r>
-              </a:p>
-            </p:txBody>
-          </p:sp>
-        </mc:Fallback>
-      </mc:AlternateContent>
-      <mc:AlternateContent xmlns:mc="http://schemas.openxmlformats.org/markup-compatibility/2006" xmlns:a14="http://schemas.microsoft.com/office/drawing/2010/main">
-        <mc:Choice Requires="a14">
-          <p:sp>
-            <p:nvSpPr>
-              <p:cNvPr id="49" name="文本框 48">
-                <a:extLst>
-                  <a:ext uri="{FF2B5EF4-FFF2-40B4-BE49-F238E27FC236}">
-                    <a16:creationId xmlns:a16="http://schemas.microsoft.com/office/drawing/2014/main" id="{F871C887-9156-7DE0-1100-AC981F4FF78E}"/>
-                  </a:ext>
-                </a:extLst>
-              </p:cNvPr>
-              <p:cNvSpPr txBox="1"/>
-              <p:nvPr/>
-            </p:nvSpPr>
-            <p:spPr>
-              <a:xfrm>
-                <a:off x="12050487" y="3383928"/>
-                <a:ext cx="542894" cy="381515"/>
-              </a:xfrm>
-              <a:prstGeom prst="rect">
-                <a:avLst/>
-              </a:prstGeom>
-              <a:noFill/>
-            </p:spPr>
-            <p:txBody>
-              <a:bodyPr wrap="square" rtlCol="0">
-                <a:spAutoFit/>
-              </a:bodyPr>
-              <a:lstStyle/>
-              <a:p>
-                <a:pPr/>
-                <a14:m>
-                  <m:oMathPara xmlns:m="http://schemas.openxmlformats.org/officeDocument/2006/math">
-                    <m:oMathParaPr>
-                      <m:jc m:val="centerGroup"/>
-                    </m:oMathParaPr>
-                    <m:oMath xmlns:m="http://schemas.openxmlformats.org/officeDocument/2006/math">
-                      <m:sSub>
-                        <m:sSubPr>
-                          <m:ctrlPr>
-                            <a:rPr lang="en-US" b="1" i="1" smtClean="0">
-                              <a:latin typeface="Cambria Math" panose="02040503050406030204" pitchFamily="18" charset="0"/>
-                              <a:ea typeface="Cambria Math" panose="02040503050406030204" pitchFamily="18" charset="0"/>
-                            </a:rPr>
-                          </m:ctrlPr>
-                        </m:sSubPr>
-                        <m:e>
-                          <m:r>
-                            <a:rPr lang="en-US" altLang="zh-CN" b="1" i="0" smtClean="0">
-                              <a:latin typeface="Cambria Math" panose="02040503050406030204" pitchFamily="18" charset="0"/>
-                              <a:ea typeface="Cambria Math" panose="02040503050406030204" pitchFamily="18" charset="0"/>
-                            </a:rPr>
-                            <m:t>𝐘</m:t>
-                          </m:r>
-                        </m:e>
-                        <m:sub>
-                          <m:r>
-                            <a:rPr lang="en-US" altLang="zh-CN" b="1" i="0" smtClean="0">
-                              <a:latin typeface="Cambria Math" panose="02040503050406030204" pitchFamily="18" charset="0"/>
-                              <a:ea typeface="Cambria Math" panose="02040503050406030204" pitchFamily="18" charset="0"/>
-                            </a:rPr>
-                            <m:t>𝐧</m:t>
-                          </m:r>
-                          <m:r>
-                            <a:rPr lang="en-US" altLang="zh-CN" b="1" i="0" smtClean="0">
-                              <a:latin typeface="Cambria Math" panose="02040503050406030204" pitchFamily="18" charset="0"/>
-                              <a:ea typeface="Cambria Math" panose="02040503050406030204" pitchFamily="18" charset="0"/>
-                            </a:rPr>
-                            <m:t>,</m:t>
-                          </m:r>
-                          <m:r>
-                            <a:rPr lang="en-US" altLang="zh-CN" b="1" i="0" smtClean="0">
-                              <a:latin typeface="Cambria Math" panose="02040503050406030204" pitchFamily="18" charset="0"/>
-                              <a:ea typeface="Cambria Math" panose="02040503050406030204" pitchFamily="18" charset="0"/>
-                            </a:rPr>
-                            <m:t>𝟒</m:t>
-                          </m:r>
-                        </m:sub>
-                      </m:sSub>
-                    </m:oMath>
-                  </m:oMathPara>
-                </a14:m>
-                <a:endParaRPr lang="en-US" b="1" dirty="0">
-                  <a:latin typeface="Times New Roman" panose="02020603050405020304" pitchFamily="18" charset="0"/>
-                  <a:cs typeface="Times New Roman" panose="02020603050405020304" pitchFamily="18" charset="0"/>
-                </a:endParaRPr>
-              </a:p>
-            </p:txBody>
-          </p:sp>
-        </mc:Choice>
-        <mc:Fallback xmlns="">
-          <p:sp>
-            <p:nvSpPr>
-              <p:cNvPr id="49" name="文本框 48">
-                <a:extLst>
-                  <a:ext uri="{FF2B5EF4-FFF2-40B4-BE49-F238E27FC236}">
-                    <a16:creationId xmlns:a16="http://schemas.microsoft.com/office/drawing/2014/main" id="{F871C887-9156-7DE0-1100-AC981F4FF78E}"/>
-                  </a:ext>
-                </a:extLst>
-              </p:cNvPr>
-              <p:cNvSpPr txBox="1">
-                <a:spLocks noRot="1" noChangeAspect="1" noMove="1" noResize="1" noEditPoints="1" noAdjustHandles="1" noChangeArrowheads="1" noChangeShapeType="1" noTextEdit="1"/>
-              </p:cNvSpPr>
-              <p:nvPr/>
-            </p:nvSpPr>
-            <p:spPr>
-              <a:xfrm>
-                <a:off x="12050487" y="3383928"/>
-                <a:ext cx="542894" cy="381515"/>
-              </a:xfrm>
-              <a:prstGeom prst="rect">
-                <a:avLst/>
-              </a:prstGeom>
-              <a:blipFill>
-                <a:blip r:embed="rId13"/>
-                <a:stretch>
-                  <a:fillRect/>
-                </a:stretch>
-              </a:blipFill>
-            </p:spPr>
-            <p:txBody>
-              <a:bodyPr/>
-              <a:lstStyle/>
-              <a:p>
-                <a:r>
-                  <a:rPr lang="en-US">
-                    <a:noFill/>
-                  </a:rPr>
-                  <a:t> </a:t>
-                </a:r>
-              </a:p>
-            </p:txBody>
-          </p:sp>
-        </mc:Fallback>
-      </mc:AlternateContent>
-      <p:sp>
-        <p:nvSpPr>
-          <p:cNvPr id="50" name="椭圆 49">
-            <a:extLst>
-              <a:ext uri="{FF2B5EF4-FFF2-40B4-BE49-F238E27FC236}">
-                <a16:creationId xmlns:a16="http://schemas.microsoft.com/office/drawing/2014/main" id="{0699F467-73BE-AECA-2631-0838F34D3431}"/>
-              </a:ext>
-            </a:extLst>
-          </p:cNvPr>
-          <p:cNvSpPr/>
-          <p:nvPr/>
-        </p:nvSpPr>
-        <p:spPr>
-          <a:xfrm>
-            <a:off x="12914294" y="3224029"/>
-            <a:ext cx="622150" cy="742277"/>
-          </a:xfrm>
-          <a:prstGeom prst="ellipse">
-            <a:avLst/>
-          </a:prstGeom>
-          <a:noFill/>
-          <a:ln>
-            <a:solidFill>
-              <a:schemeClr val="tx1"/>
-            </a:solidFill>
-          </a:ln>
-        </p:spPr>
-        <p:style>
-          <a:lnRef idx="2">
-            <a:schemeClr val="accent1">
-              <a:shade val="15000"/>
-            </a:schemeClr>
-          </a:lnRef>
-          <a:fillRef idx="1">
-            <a:schemeClr val="accent1"/>
-          </a:fillRef>
-          <a:effectRef idx="0">
-            <a:schemeClr val="accent1"/>
-          </a:effectRef>
-          <a:fontRef idx="minor">
-            <a:schemeClr val="lt1"/>
-          </a:fontRef>
-        </p:style>
-        <p:txBody>
-          <a:bodyPr rtlCol="0" anchor="ctr"/>
-          <a:lstStyle/>
-          <a:p>
-            <a:pPr algn="ctr"/>
-            <a:endParaRPr lang="en-US"/>
-          </a:p>
-        </p:txBody>
-      </p:sp>
-      <p:sp>
-        <p:nvSpPr>
-          <p:cNvPr id="51" name="椭圆 50">
-            <a:extLst>
-              <a:ext uri="{FF2B5EF4-FFF2-40B4-BE49-F238E27FC236}">
-                <a16:creationId xmlns:a16="http://schemas.microsoft.com/office/drawing/2014/main" id="{9A9A23F5-3419-D007-6BDC-ED017E13069A}"/>
-              </a:ext>
-            </a:extLst>
-          </p:cNvPr>
-          <p:cNvSpPr/>
-          <p:nvPr/>
-        </p:nvSpPr>
-        <p:spPr>
-          <a:xfrm>
-            <a:off x="13776699" y="3224029"/>
-            <a:ext cx="622150" cy="742277"/>
-          </a:xfrm>
-          <a:prstGeom prst="ellipse">
-            <a:avLst/>
-          </a:prstGeom>
-          <a:noFill/>
-          <a:ln>
-            <a:solidFill>
-              <a:schemeClr val="tx1"/>
-            </a:solidFill>
-          </a:ln>
-        </p:spPr>
-        <p:style>
-          <a:lnRef idx="2">
-            <a:schemeClr val="accent1">
-              <a:shade val="15000"/>
-            </a:schemeClr>
-          </a:lnRef>
-          <a:fillRef idx="1">
-            <a:schemeClr val="accent1"/>
-          </a:fillRef>
-          <a:effectRef idx="0">
-            <a:schemeClr val="accent1"/>
-          </a:effectRef>
-          <a:fontRef idx="minor">
-            <a:schemeClr val="lt1"/>
-          </a:fontRef>
-        </p:style>
-        <p:txBody>
-          <a:bodyPr rtlCol="0" anchor="ctr"/>
-          <a:lstStyle/>
-          <a:p>
-            <a:pPr algn="ctr"/>
-            <a:endParaRPr lang="en-US"/>
-          </a:p>
-        </p:txBody>
-      </p:sp>
-      <p:sp>
-        <p:nvSpPr>
-          <p:cNvPr id="52" name="椭圆 51">
-            <a:extLst>
-              <a:ext uri="{FF2B5EF4-FFF2-40B4-BE49-F238E27FC236}">
-                <a16:creationId xmlns:a16="http://schemas.microsoft.com/office/drawing/2014/main" id="{6AE26DB1-B580-844F-F47D-87F5A9CFBB65}"/>
-              </a:ext>
-            </a:extLst>
-          </p:cNvPr>
-          <p:cNvSpPr/>
-          <p:nvPr/>
-        </p:nvSpPr>
-        <p:spPr>
-          <a:xfrm>
-            <a:off x="14653246" y="3224029"/>
-            <a:ext cx="622150" cy="742277"/>
-          </a:xfrm>
-          <a:prstGeom prst="ellipse">
-            <a:avLst/>
-          </a:prstGeom>
-          <a:noFill/>
-          <a:ln>
-            <a:solidFill>
-              <a:schemeClr val="tx1"/>
-            </a:solidFill>
-          </a:ln>
-        </p:spPr>
-        <p:style>
-          <a:lnRef idx="2">
-            <a:schemeClr val="accent1">
-              <a:shade val="15000"/>
-            </a:schemeClr>
-          </a:lnRef>
-          <a:fillRef idx="1">
-            <a:schemeClr val="accent1"/>
-          </a:fillRef>
-          <a:effectRef idx="0">
-            <a:schemeClr val="accent1"/>
-          </a:effectRef>
-          <a:fontRef idx="minor">
-            <a:schemeClr val="lt1"/>
-          </a:fontRef>
-        </p:style>
-        <p:txBody>
-          <a:bodyPr rtlCol="0" anchor="ctr"/>
-          <a:lstStyle/>
-          <a:p>
-            <a:pPr algn="ctr"/>
-            <a:endParaRPr lang="en-US"/>
-          </a:p>
-        </p:txBody>
-      </p:sp>
-      <mc:AlternateContent xmlns:mc="http://schemas.openxmlformats.org/markup-compatibility/2006" xmlns:a14="http://schemas.microsoft.com/office/drawing/2010/main">
-        <mc:Choice Requires="a14">
-          <p:sp>
-            <p:nvSpPr>
-              <p:cNvPr id="53" name="文本框 52">
-                <a:extLst>
-                  <a:ext uri="{FF2B5EF4-FFF2-40B4-BE49-F238E27FC236}">
-                    <a16:creationId xmlns:a16="http://schemas.microsoft.com/office/drawing/2014/main" id="{1A58BE6B-4FCE-EA0A-93D6-8554FFA4CBBC}"/>
-                  </a:ext>
-                </a:extLst>
-              </p:cNvPr>
-              <p:cNvSpPr txBox="1"/>
-              <p:nvPr/>
-            </p:nvSpPr>
-            <p:spPr>
-              <a:xfrm>
-                <a:off x="12936008" y="3380021"/>
-                <a:ext cx="542894" cy="369332"/>
-              </a:xfrm>
-              <a:prstGeom prst="rect">
-                <a:avLst/>
-              </a:prstGeom>
-              <a:noFill/>
-            </p:spPr>
-            <p:txBody>
-              <a:bodyPr wrap="square" rtlCol="0">
-                <a:spAutoFit/>
-              </a:bodyPr>
-              <a:lstStyle/>
-              <a:p>
-                <a:pPr/>
-                <a14:m>
-                  <m:oMathPara xmlns:m="http://schemas.openxmlformats.org/officeDocument/2006/math">
-                    <m:oMathParaPr>
-                      <m:jc m:val="centerGroup"/>
-                    </m:oMathParaPr>
-                    <m:oMath xmlns:m="http://schemas.openxmlformats.org/officeDocument/2006/math">
-                      <m:sSub>
-                        <m:sSubPr>
-                          <m:ctrlPr>
-                            <a:rPr lang="en-US" b="1" i="1" smtClean="0">
-                              <a:latin typeface="Cambria Math" panose="02040503050406030204" pitchFamily="18" charset="0"/>
-                              <a:ea typeface="Cambria Math" panose="02040503050406030204" pitchFamily="18" charset="0"/>
-                            </a:rPr>
-                          </m:ctrlPr>
-                        </m:sSubPr>
-                        <m:e>
-                          <m:r>
-                            <a:rPr lang="en-US" altLang="zh-CN" b="1" i="0" smtClean="0">
-                              <a:latin typeface="Cambria Math" panose="02040503050406030204" pitchFamily="18" charset="0"/>
-                              <a:ea typeface="Cambria Math" panose="02040503050406030204" pitchFamily="18" charset="0"/>
-                            </a:rPr>
-                            <m:t>𝐘</m:t>
-                          </m:r>
-                        </m:e>
-                        <m:sub>
-                          <m:r>
-                            <a:rPr lang="en-US" altLang="zh-CN" b="1" i="0" smtClean="0">
-                              <a:latin typeface="Cambria Math" panose="02040503050406030204" pitchFamily="18" charset="0"/>
-                              <a:ea typeface="Cambria Math" panose="02040503050406030204" pitchFamily="18" charset="0"/>
-                            </a:rPr>
-                            <m:t>𝟏𝟓</m:t>
-                          </m:r>
-                        </m:sub>
-                      </m:sSub>
-                    </m:oMath>
-                  </m:oMathPara>
-                </a14:m>
-                <a:endParaRPr lang="en-US" b="1" dirty="0">
-                  <a:latin typeface="Times New Roman" panose="02020603050405020304" pitchFamily="18" charset="0"/>
-                  <a:cs typeface="Times New Roman" panose="02020603050405020304" pitchFamily="18" charset="0"/>
-                </a:endParaRPr>
-              </a:p>
-            </p:txBody>
-          </p:sp>
-        </mc:Choice>
-        <mc:Fallback xmlns="">
-          <p:sp>
-            <p:nvSpPr>
-              <p:cNvPr id="53" name="文本框 52">
-                <a:extLst>
-                  <a:ext uri="{FF2B5EF4-FFF2-40B4-BE49-F238E27FC236}">
-                    <a16:creationId xmlns:a16="http://schemas.microsoft.com/office/drawing/2014/main" id="{1A58BE6B-4FCE-EA0A-93D6-8554FFA4CBBC}"/>
-                  </a:ext>
-                </a:extLst>
-              </p:cNvPr>
-              <p:cNvSpPr txBox="1">
-                <a:spLocks noRot="1" noChangeAspect="1" noMove="1" noResize="1" noEditPoints="1" noAdjustHandles="1" noChangeArrowheads="1" noChangeShapeType="1" noTextEdit="1"/>
-              </p:cNvSpPr>
-              <p:nvPr/>
-            </p:nvSpPr>
-            <p:spPr>
-              <a:xfrm>
-                <a:off x="12936008" y="3380021"/>
-                <a:ext cx="542894" cy="369332"/>
-              </a:xfrm>
-              <a:prstGeom prst="rect">
-                <a:avLst/>
-              </a:prstGeom>
-              <a:blipFill>
-                <a:blip r:embed="rId14"/>
-                <a:stretch>
-                  <a:fillRect b="-1639"/>
-                </a:stretch>
-              </a:blipFill>
-            </p:spPr>
-            <p:txBody>
-              <a:bodyPr/>
-              <a:lstStyle/>
-              <a:p>
-                <a:r>
-                  <a:rPr lang="en-US">
-                    <a:noFill/>
-                  </a:rPr>
-                  <a:t> </a:t>
-                </a:r>
-              </a:p>
-            </p:txBody>
-          </p:sp>
-        </mc:Fallback>
-      </mc:AlternateContent>
-      <mc:AlternateContent xmlns:mc="http://schemas.openxmlformats.org/markup-compatibility/2006" xmlns:a14="http://schemas.microsoft.com/office/drawing/2010/main">
-        <mc:Choice Requires="a14">
-          <p:sp>
-            <p:nvSpPr>
-              <p:cNvPr id="54" name="文本框 53">
-                <a:extLst>
-                  <a:ext uri="{FF2B5EF4-FFF2-40B4-BE49-F238E27FC236}">
-                    <a16:creationId xmlns:a16="http://schemas.microsoft.com/office/drawing/2014/main" id="{D27287D4-9760-F25E-E577-E02EA310C1D5}"/>
-                  </a:ext>
-                </a:extLst>
-              </p:cNvPr>
-              <p:cNvSpPr txBox="1"/>
-              <p:nvPr/>
-            </p:nvSpPr>
-            <p:spPr>
-              <a:xfrm>
-                <a:off x="13815632" y="3380021"/>
-                <a:ext cx="542894" cy="369332"/>
-              </a:xfrm>
-              <a:prstGeom prst="rect">
-                <a:avLst/>
-              </a:prstGeom>
-              <a:noFill/>
-            </p:spPr>
-            <p:txBody>
-              <a:bodyPr wrap="square" rtlCol="0">
-                <a:spAutoFit/>
-              </a:bodyPr>
-              <a:lstStyle/>
-              <a:p>
-                <a:pPr/>
-                <a14:m>
-                  <m:oMathPara xmlns:m="http://schemas.openxmlformats.org/officeDocument/2006/math">
-                    <m:oMathParaPr>
-                      <m:jc m:val="centerGroup"/>
-                    </m:oMathParaPr>
-                    <m:oMath xmlns:m="http://schemas.openxmlformats.org/officeDocument/2006/math">
-                      <m:sSub>
-                        <m:sSubPr>
-                          <m:ctrlPr>
-                            <a:rPr lang="en-US" b="1" i="1" smtClean="0">
-                              <a:latin typeface="Cambria Math" panose="02040503050406030204" pitchFamily="18" charset="0"/>
-                              <a:ea typeface="Cambria Math" panose="02040503050406030204" pitchFamily="18" charset="0"/>
-                            </a:rPr>
-                          </m:ctrlPr>
-                        </m:sSubPr>
-                        <m:e>
-                          <m:r>
-                            <a:rPr lang="en-US" altLang="zh-CN" b="1" i="0" smtClean="0">
-                              <a:latin typeface="Cambria Math" panose="02040503050406030204" pitchFamily="18" charset="0"/>
-                              <a:ea typeface="Cambria Math" panose="02040503050406030204" pitchFamily="18" charset="0"/>
-                            </a:rPr>
-                            <m:t>𝐘</m:t>
-                          </m:r>
-                        </m:e>
-                        <m:sub>
-                          <m:r>
-                            <a:rPr lang="en-US" altLang="zh-CN" b="1" i="0" smtClean="0">
-                              <a:latin typeface="Cambria Math" panose="02040503050406030204" pitchFamily="18" charset="0"/>
-                              <a:ea typeface="Cambria Math" panose="02040503050406030204" pitchFamily="18" charset="0"/>
-                            </a:rPr>
-                            <m:t>𝟐𝟓</m:t>
-                          </m:r>
-                        </m:sub>
-                      </m:sSub>
-                    </m:oMath>
-                  </m:oMathPara>
-                </a14:m>
-                <a:endParaRPr lang="en-US" b="1" dirty="0">
-                  <a:latin typeface="Times New Roman" panose="02020603050405020304" pitchFamily="18" charset="0"/>
-                  <a:cs typeface="Times New Roman" panose="02020603050405020304" pitchFamily="18" charset="0"/>
-                </a:endParaRPr>
-              </a:p>
-            </p:txBody>
-          </p:sp>
-        </mc:Choice>
-        <mc:Fallback xmlns="">
-          <p:sp>
-            <p:nvSpPr>
-              <p:cNvPr id="54" name="文本框 53">
-                <a:extLst>
-                  <a:ext uri="{FF2B5EF4-FFF2-40B4-BE49-F238E27FC236}">
-                    <a16:creationId xmlns:a16="http://schemas.microsoft.com/office/drawing/2014/main" id="{D27287D4-9760-F25E-E577-E02EA310C1D5}"/>
-                  </a:ext>
-                </a:extLst>
-              </p:cNvPr>
-              <p:cNvSpPr txBox="1">
-                <a:spLocks noRot="1" noChangeAspect="1" noMove="1" noResize="1" noEditPoints="1" noAdjustHandles="1" noChangeArrowheads="1" noChangeShapeType="1" noTextEdit="1"/>
-              </p:cNvSpPr>
-              <p:nvPr/>
-            </p:nvSpPr>
-            <p:spPr>
-              <a:xfrm>
-                <a:off x="13815632" y="3380021"/>
-                <a:ext cx="542894" cy="369332"/>
-              </a:xfrm>
-              <a:prstGeom prst="rect">
-                <a:avLst/>
-              </a:prstGeom>
-              <a:blipFill>
-                <a:blip r:embed="rId15"/>
-                <a:stretch>
-                  <a:fillRect b="-1639"/>
-                </a:stretch>
-              </a:blipFill>
-            </p:spPr>
-            <p:txBody>
-              <a:bodyPr/>
-              <a:lstStyle/>
-              <a:p>
-                <a:r>
-                  <a:rPr lang="en-US">
-                    <a:noFill/>
-                  </a:rPr>
-                  <a:t> </a:t>
-                </a:r>
-              </a:p>
-            </p:txBody>
-          </p:sp>
-        </mc:Fallback>
-      </mc:AlternateContent>
-      <mc:AlternateContent xmlns:mc="http://schemas.openxmlformats.org/markup-compatibility/2006" xmlns:a14="http://schemas.microsoft.com/office/drawing/2010/main">
-        <mc:Choice Requires="a14">
-          <p:sp>
-            <p:nvSpPr>
-              <p:cNvPr id="55" name="文本框 54">
-                <a:extLst>
-                  <a:ext uri="{FF2B5EF4-FFF2-40B4-BE49-F238E27FC236}">
-                    <a16:creationId xmlns:a16="http://schemas.microsoft.com/office/drawing/2014/main" id="{F805F73A-796B-D63F-A550-4ECBB05324CB}"/>
-                  </a:ext>
-                </a:extLst>
-              </p:cNvPr>
-              <p:cNvSpPr txBox="1"/>
-              <p:nvPr/>
-            </p:nvSpPr>
-            <p:spPr>
-              <a:xfrm>
-                <a:off x="14701851" y="3380021"/>
-                <a:ext cx="542894" cy="381515"/>
-              </a:xfrm>
-              <a:prstGeom prst="rect">
-                <a:avLst/>
-              </a:prstGeom>
-              <a:noFill/>
-            </p:spPr>
-            <p:txBody>
-              <a:bodyPr wrap="square" rtlCol="0">
-                <a:spAutoFit/>
-              </a:bodyPr>
-              <a:lstStyle/>
-              <a:p>
-                <a:pPr/>
-                <a14:m>
-                  <m:oMathPara xmlns:m="http://schemas.openxmlformats.org/officeDocument/2006/math">
-                    <m:oMathParaPr>
-                      <m:jc m:val="centerGroup"/>
-                    </m:oMathParaPr>
-                    <m:oMath xmlns:m="http://schemas.openxmlformats.org/officeDocument/2006/math">
-                      <m:sSub>
-                        <m:sSubPr>
-                          <m:ctrlPr>
-                            <a:rPr lang="en-US" b="1" i="1" smtClean="0">
-                              <a:latin typeface="Cambria Math" panose="02040503050406030204" pitchFamily="18" charset="0"/>
-                              <a:ea typeface="Cambria Math" panose="02040503050406030204" pitchFamily="18" charset="0"/>
-                            </a:rPr>
-                          </m:ctrlPr>
-                        </m:sSubPr>
-                        <m:e>
-                          <m:r>
-                            <a:rPr lang="en-US" altLang="zh-CN" b="1" i="0" smtClean="0">
-                              <a:latin typeface="Cambria Math" panose="02040503050406030204" pitchFamily="18" charset="0"/>
-                              <a:ea typeface="Cambria Math" panose="02040503050406030204" pitchFamily="18" charset="0"/>
-                            </a:rPr>
-                            <m:t>𝐘</m:t>
-                          </m:r>
-                        </m:e>
-                        <m:sub>
-                          <m:r>
-                            <a:rPr lang="en-US" altLang="zh-CN" b="1" i="0" smtClean="0">
-                              <a:latin typeface="Cambria Math" panose="02040503050406030204" pitchFamily="18" charset="0"/>
-                              <a:ea typeface="Cambria Math" panose="02040503050406030204" pitchFamily="18" charset="0"/>
-                            </a:rPr>
-                            <m:t>𝐧</m:t>
-                          </m:r>
-                          <m:r>
-                            <a:rPr lang="en-US" altLang="zh-CN" b="1" i="0" smtClean="0">
-                              <a:latin typeface="Cambria Math" panose="02040503050406030204" pitchFamily="18" charset="0"/>
-                              <a:ea typeface="Cambria Math" panose="02040503050406030204" pitchFamily="18" charset="0"/>
-                            </a:rPr>
-                            <m:t>,</m:t>
-                          </m:r>
-                          <m:r>
-                            <a:rPr lang="en-US" altLang="zh-CN" b="1" i="0" smtClean="0">
-                              <a:latin typeface="Cambria Math" panose="02040503050406030204" pitchFamily="18" charset="0"/>
-                              <a:ea typeface="Cambria Math" panose="02040503050406030204" pitchFamily="18" charset="0"/>
-                            </a:rPr>
-                            <m:t>𝟓</m:t>
-                          </m:r>
-                        </m:sub>
-                      </m:sSub>
-                    </m:oMath>
-                  </m:oMathPara>
-                </a14:m>
-                <a:endParaRPr lang="en-US" b="1" dirty="0">
-                  <a:latin typeface="Times New Roman" panose="02020603050405020304" pitchFamily="18" charset="0"/>
-                  <a:cs typeface="Times New Roman" panose="02020603050405020304" pitchFamily="18" charset="0"/>
-                </a:endParaRPr>
-              </a:p>
-            </p:txBody>
-          </p:sp>
-        </mc:Choice>
-        <mc:Fallback xmlns="">
-          <p:sp>
-            <p:nvSpPr>
-              <p:cNvPr id="55" name="文本框 54">
-                <a:extLst>
-                  <a:ext uri="{FF2B5EF4-FFF2-40B4-BE49-F238E27FC236}">
-                    <a16:creationId xmlns:a16="http://schemas.microsoft.com/office/drawing/2014/main" id="{F805F73A-796B-D63F-A550-4ECBB05324CB}"/>
-                  </a:ext>
-                </a:extLst>
-              </p:cNvPr>
-              <p:cNvSpPr txBox="1">
-                <a:spLocks noRot="1" noChangeAspect="1" noMove="1" noResize="1" noEditPoints="1" noAdjustHandles="1" noChangeArrowheads="1" noChangeShapeType="1" noTextEdit="1"/>
-              </p:cNvSpPr>
-              <p:nvPr/>
-            </p:nvSpPr>
-            <p:spPr>
-              <a:xfrm>
-                <a:off x="14701851" y="3380021"/>
-                <a:ext cx="542894" cy="381515"/>
-              </a:xfrm>
-              <a:prstGeom prst="rect">
-                <a:avLst/>
-              </a:prstGeom>
-              <a:blipFill>
-                <a:blip r:embed="rId16"/>
-                <a:stretch>
-                  <a:fillRect/>
-                </a:stretch>
-              </a:blipFill>
-            </p:spPr>
-            <p:txBody>
-              <a:bodyPr/>
-              <a:lstStyle/>
-              <a:p>
-                <a:r>
-                  <a:rPr lang="en-US">
-                    <a:noFill/>
-                  </a:rPr>
-                  <a:t> </a:t>
-                </a:r>
-              </a:p>
-            </p:txBody>
-          </p:sp>
-        </mc:Fallback>
-      </mc:AlternateContent>
-      <p:cxnSp>
-        <p:nvCxnSpPr>
-          <p:cNvPr id="57" name="直接箭头连接符 56">
-            <a:extLst>
-              <a:ext uri="{FF2B5EF4-FFF2-40B4-BE49-F238E27FC236}">
-                <a16:creationId xmlns:a16="http://schemas.microsoft.com/office/drawing/2014/main" id="{CBE0EEFC-6423-DA24-6661-2B7D0DDEE789}"/>
-              </a:ext>
-            </a:extLst>
-          </p:cNvPr>
-          <p:cNvCxnSpPr>
-            <a:stCxn id="4" idx="2"/>
-            <a:endCxn id="9" idx="0"/>
-          </p:cNvCxnSpPr>
-          <p:nvPr/>
-        </p:nvCxnSpPr>
-        <p:spPr>
-          <a:xfrm flipH="1">
-            <a:off x="3440565" y="1394589"/>
-            <a:ext cx="5237989" cy="973886"/>
-          </a:xfrm>
-          <a:prstGeom prst="straightConnector1">
-            <a:avLst/>
-          </a:prstGeom>
-          <a:ln w="19050">
-            <a:tailEnd type="triangle"/>
-          </a:ln>
-        </p:spPr>
-        <p:style>
-          <a:lnRef idx="1">
-            <a:schemeClr val="dk1"/>
-          </a:lnRef>
-          <a:fillRef idx="0">
-            <a:schemeClr val="dk1"/>
-          </a:fillRef>
-          <a:effectRef idx="0">
-            <a:schemeClr val="dk1"/>
-          </a:effectRef>
-          <a:fontRef idx="minor">
-            <a:schemeClr val="tx1"/>
-          </a:fontRef>
-        </p:style>
-      </p:cxnSp>
-      <p:cxnSp>
-        <p:nvCxnSpPr>
-          <p:cNvPr id="58" name="直接箭头连接符 57">
-            <a:extLst>
-              <a:ext uri="{FF2B5EF4-FFF2-40B4-BE49-F238E27FC236}">
-                <a16:creationId xmlns:a16="http://schemas.microsoft.com/office/drawing/2014/main" id="{CC6C6564-E75A-6CAE-8E09-8CD37F5CA764}"/>
-              </a:ext>
-            </a:extLst>
-          </p:cNvPr>
-          <p:cNvCxnSpPr>
-            <a:cxnSpLocks/>
-            <a:stCxn id="4" idx="2"/>
-            <a:endCxn id="5" idx="0"/>
-          </p:cNvCxnSpPr>
-          <p:nvPr/>
-        </p:nvCxnSpPr>
-        <p:spPr>
-          <a:xfrm flipH="1">
-            <a:off x="6153746" y="1394589"/>
-            <a:ext cx="2524808" cy="973886"/>
-          </a:xfrm>
-          <a:prstGeom prst="straightConnector1">
-            <a:avLst/>
-          </a:prstGeom>
-          <a:ln w="19050">
-            <a:tailEnd type="triangle"/>
-          </a:ln>
-        </p:spPr>
-        <p:style>
-          <a:lnRef idx="1">
-            <a:schemeClr val="dk1"/>
-          </a:lnRef>
-          <a:fillRef idx="0">
-            <a:schemeClr val="dk1"/>
-          </a:fillRef>
-          <a:effectRef idx="0">
-            <a:schemeClr val="dk1"/>
-          </a:effectRef>
-          <a:fontRef idx="minor">
-            <a:schemeClr val="tx1"/>
-          </a:fontRef>
-        </p:style>
-      </p:cxnSp>
-      <p:cxnSp>
-        <p:nvCxnSpPr>
-          <p:cNvPr id="61" name="直接箭头连接符 60">
-            <a:extLst>
-              <a:ext uri="{FF2B5EF4-FFF2-40B4-BE49-F238E27FC236}">
-                <a16:creationId xmlns:a16="http://schemas.microsoft.com/office/drawing/2014/main" id="{395F98AF-3634-B5F5-9DF7-21AD70D2C272}"/>
-              </a:ext>
-            </a:extLst>
-          </p:cNvPr>
-          <p:cNvCxnSpPr>
-            <a:cxnSpLocks/>
-            <a:stCxn id="4" idx="2"/>
-          </p:cNvCxnSpPr>
-          <p:nvPr/>
-        </p:nvCxnSpPr>
-        <p:spPr>
-          <a:xfrm>
-            <a:off x="8678554" y="1394589"/>
-            <a:ext cx="0" cy="973886"/>
-          </a:xfrm>
-          <a:prstGeom prst="straightConnector1">
-            <a:avLst/>
-          </a:prstGeom>
-          <a:ln w="19050">
-            <a:tailEnd type="triangle"/>
-          </a:ln>
-        </p:spPr>
-        <p:style>
-          <a:lnRef idx="1">
-            <a:schemeClr val="dk1"/>
-          </a:lnRef>
-          <a:fillRef idx="0">
-            <a:schemeClr val="dk1"/>
-          </a:fillRef>
-          <a:effectRef idx="0">
-            <a:schemeClr val="dk1"/>
-          </a:effectRef>
-          <a:fontRef idx="minor">
-            <a:schemeClr val="tx1"/>
-          </a:fontRef>
-        </p:style>
-      </p:cxnSp>
-      <p:cxnSp>
-        <p:nvCxnSpPr>
-          <p:cNvPr id="64" name="直接箭头连接符 63">
-            <a:extLst>
-              <a:ext uri="{FF2B5EF4-FFF2-40B4-BE49-F238E27FC236}">
-                <a16:creationId xmlns:a16="http://schemas.microsoft.com/office/drawing/2014/main" id="{BADB3DB2-30C7-D5A8-6818-2540BDE563BB}"/>
-              </a:ext>
-            </a:extLst>
-          </p:cNvPr>
-          <p:cNvCxnSpPr>
-            <a:cxnSpLocks/>
-            <a:stCxn id="4" idx="2"/>
-            <a:endCxn id="7" idx="0"/>
-          </p:cNvCxnSpPr>
-          <p:nvPr/>
-        </p:nvCxnSpPr>
-        <p:spPr>
-          <a:xfrm>
-            <a:off x="8678554" y="1394589"/>
-            <a:ext cx="2700974" cy="973886"/>
-          </a:xfrm>
-          <a:prstGeom prst="straightConnector1">
-            <a:avLst/>
-          </a:prstGeom>
-          <a:ln w="19050">
-            <a:tailEnd type="triangle"/>
-          </a:ln>
-        </p:spPr>
-        <p:style>
-          <a:lnRef idx="1">
-            <a:schemeClr val="dk1"/>
-          </a:lnRef>
-          <a:fillRef idx="0">
-            <a:schemeClr val="dk1"/>
-          </a:fillRef>
-          <a:effectRef idx="0">
-            <a:schemeClr val="dk1"/>
-          </a:effectRef>
-          <a:fontRef idx="minor">
-            <a:schemeClr val="tx1"/>
-          </a:fontRef>
-        </p:style>
-      </p:cxnSp>
-      <p:cxnSp>
-        <p:nvCxnSpPr>
-          <p:cNvPr id="67" name="直接箭头连接符 66">
-            <a:extLst>
-              <a:ext uri="{FF2B5EF4-FFF2-40B4-BE49-F238E27FC236}">
-                <a16:creationId xmlns:a16="http://schemas.microsoft.com/office/drawing/2014/main" id="{650934B1-8BAB-082E-033E-6818D62F6D3A}"/>
-              </a:ext>
-            </a:extLst>
-          </p:cNvPr>
-          <p:cNvCxnSpPr>
-            <a:cxnSpLocks/>
-            <a:endCxn id="8" idx="0"/>
-          </p:cNvCxnSpPr>
-          <p:nvPr/>
-        </p:nvCxnSpPr>
-        <p:spPr>
-          <a:xfrm>
-            <a:off x="8697227" y="1394589"/>
-            <a:ext cx="5273845" cy="973886"/>
-          </a:xfrm>
-          <a:prstGeom prst="straightConnector1">
-            <a:avLst/>
-          </a:prstGeom>
-          <a:ln w="19050">
-            <a:tailEnd type="triangle"/>
-          </a:ln>
-        </p:spPr>
-        <p:style>
-          <a:lnRef idx="1">
-            <a:schemeClr val="dk1"/>
-          </a:lnRef>
-          <a:fillRef idx="0">
-            <a:schemeClr val="dk1"/>
-          </a:fillRef>
-          <a:effectRef idx="0">
-            <a:schemeClr val="dk1"/>
-          </a:effectRef>
-          <a:fontRef idx="minor">
-            <a:schemeClr val="tx1"/>
-          </a:fontRef>
-        </p:style>
-      </p:cxnSp>
-      <p:cxnSp>
-        <p:nvCxnSpPr>
-          <p:cNvPr id="69" name="直接箭头连接符 68">
-            <a:extLst>
-              <a:ext uri="{FF2B5EF4-FFF2-40B4-BE49-F238E27FC236}">
-                <a16:creationId xmlns:a16="http://schemas.microsoft.com/office/drawing/2014/main" id="{935F6829-8C7B-19F7-E921-A5AE84FB08D0}"/>
-              </a:ext>
-            </a:extLst>
-          </p:cNvPr>
-          <p:cNvCxnSpPr>
-            <a:cxnSpLocks/>
-            <a:stCxn id="9" idx="2"/>
-            <a:endCxn id="10" idx="0"/>
-          </p:cNvCxnSpPr>
-          <p:nvPr/>
-        </p:nvCxnSpPr>
-        <p:spPr>
-          <a:xfrm flipH="1">
-            <a:off x="2578857" y="2891695"/>
-            <a:ext cx="861708" cy="332335"/>
-          </a:xfrm>
-          <a:prstGeom prst="straightConnector1">
-            <a:avLst/>
-          </a:prstGeom>
-          <a:ln w="19050">
-            <a:tailEnd type="triangle"/>
-          </a:ln>
-        </p:spPr>
-        <p:style>
-          <a:lnRef idx="1">
-            <a:schemeClr val="dk1"/>
-          </a:lnRef>
-          <a:fillRef idx="0">
-            <a:schemeClr val="dk1"/>
-          </a:fillRef>
-          <a:effectRef idx="0">
-            <a:schemeClr val="dk1"/>
-          </a:effectRef>
-          <a:fontRef idx="minor">
-            <a:schemeClr val="tx1"/>
-          </a:fontRef>
-        </p:style>
-      </p:cxnSp>
-      <p:cxnSp>
-        <p:nvCxnSpPr>
-          <p:cNvPr id="73" name="直接箭头连接符 72">
-            <a:extLst>
-              <a:ext uri="{FF2B5EF4-FFF2-40B4-BE49-F238E27FC236}">
-                <a16:creationId xmlns:a16="http://schemas.microsoft.com/office/drawing/2014/main" id="{217A8EC0-D89A-95B1-6B08-1C99C517D4F4}"/>
-              </a:ext>
-            </a:extLst>
-          </p:cNvPr>
-          <p:cNvCxnSpPr>
-            <a:cxnSpLocks/>
-            <a:stCxn id="9" idx="2"/>
-            <a:endCxn id="11" idx="0"/>
-          </p:cNvCxnSpPr>
-          <p:nvPr/>
-        </p:nvCxnSpPr>
-        <p:spPr>
-          <a:xfrm>
-            <a:off x="3440565" y="2891695"/>
-            <a:ext cx="697" cy="332335"/>
-          </a:xfrm>
-          <a:prstGeom prst="straightConnector1">
-            <a:avLst/>
-          </a:prstGeom>
-          <a:ln w="19050">
-            <a:tailEnd type="triangle"/>
-          </a:ln>
-        </p:spPr>
-        <p:style>
-          <a:lnRef idx="1">
-            <a:schemeClr val="dk1"/>
-          </a:lnRef>
-          <a:fillRef idx="0">
-            <a:schemeClr val="dk1"/>
-          </a:fillRef>
-          <a:effectRef idx="0">
-            <a:schemeClr val="dk1"/>
-          </a:effectRef>
-          <a:fontRef idx="minor">
-            <a:schemeClr val="tx1"/>
-          </a:fontRef>
-        </p:style>
-      </p:cxnSp>
-      <p:cxnSp>
-        <p:nvCxnSpPr>
-          <p:cNvPr id="76" name="直接箭头连接符 75">
-            <a:extLst>
-              <a:ext uri="{FF2B5EF4-FFF2-40B4-BE49-F238E27FC236}">
-                <a16:creationId xmlns:a16="http://schemas.microsoft.com/office/drawing/2014/main" id="{CD47A1D0-60ED-4094-56D2-71F4899BBAA4}"/>
-              </a:ext>
-            </a:extLst>
-          </p:cNvPr>
-          <p:cNvCxnSpPr>
-            <a:cxnSpLocks/>
-            <a:stCxn id="9" idx="2"/>
-            <a:endCxn id="12" idx="0"/>
-          </p:cNvCxnSpPr>
-          <p:nvPr/>
-        </p:nvCxnSpPr>
-        <p:spPr>
-          <a:xfrm>
-            <a:off x="3440565" y="2891695"/>
-            <a:ext cx="877244" cy="332335"/>
-          </a:xfrm>
-          <a:prstGeom prst="straightConnector1">
-            <a:avLst/>
-          </a:prstGeom>
-          <a:ln w="19050">
-            <a:tailEnd type="triangle"/>
-          </a:ln>
-        </p:spPr>
-        <p:style>
-          <a:lnRef idx="1">
-            <a:schemeClr val="dk1"/>
-          </a:lnRef>
-          <a:fillRef idx="0">
-            <a:schemeClr val="dk1"/>
-          </a:fillRef>
-          <a:effectRef idx="0">
-            <a:schemeClr val="dk1"/>
-          </a:effectRef>
-          <a:fontRef idx="minor">
-            <a:schemeClr val="tx1"/>
-          </a:fontRef>
-        </p:style>
-      </p:cxnSp>
-      <p:cxnSp>
-        <p:nvCxnSpPr>
-          <p:cNvPr id="79" name="直接箭头连接符 78">
-            <a:extLst>
-              <a:ext uri="{FF2B5EF4-FFF2-40B4-BE49-F238E27FC236}">
-                <a16:creationId xmlns:a16="http://schemas.microsoft.com/office/drawing/2014/main" id="{D5F8180F-19C5-FA2F-8A17-2AF4B9276372}"/>
-              </a:ext>
-            </a:extLst>
-          </p:cNvPr>
-          <p:cNvCxnSpPr>
-            <a:cxnSpLocks/>
-          </p:cNvCxnSpPr>
-          <p:nvPr/>
-        </p:nvCxnSpPr>
-        <p:spPr>
-          <a:xfrm flipH="1">
-            <a:off x="5215000" y="2891694"/>
-            <a:ext cx="861708" cy="332335"/>
-          </a:xfrm>
-          <a:prstGeom prst="straightConnector1">
-            <a:avLst/>
-          </a:prstGeom>
-          <a:ln w="19050">
-            <a:tailEnd type="triangle"/>
-          </a:ln>
-        </p:spPr>
-        <p:style>
-          <a:lnRef idx="1">
-            <a:schemeClr val="dk1"/>
-          </a:lnRef>
-          <a:fillRef idx="0">
-            <a:schemeClr val="dk1"/>
-          </a:fillRef>
-          <a:effectRef idx="0">
-            <a:schemeClr val="dk1"/>
-          </a:effectRef>
-          <a:fontRef idx="minor">
-            <a:schemeClr val="tx1"/>
-          </a:fontRef>
-        </p:style>
-      </p:cxnSp>
-      <p:cxnSp>
-        <p:nvCxnSpPr>
-          <p:cNvPr id="80" name="直接箭头连接符 79">
-            <a:extLst>
-              <a:ext uri="{FF2B5EF4-FFF2-40B4-BE49-F238E27FC236}">
-                <a16:creationId xmlns:a16="http://schemas.microsoft.com/office/drawing/2014/main" id="{1450B4D8-48C8-B1F3-CB43-B42A4920F3C7}"/>
-              </a:ext>
-            </a:extLst>
-          </p:cNvPr>
-          <p:cNvCxnSpPr>
-            <a:cxnSpLocks/>
-          </p:cNvCxnSpPr>
-          <p:nvPr/>
-        </p:nvCxnSpPr>
-        <p:spPr>
-          <a:xfrm>
-            <a:off x="6076708" y="2891694"/>
-            <a:ext cx="697" cy="332335"/>
-          </a:xfrm>
-          <a:prstGeom prst="straightConnector1">
-            <a:avLst/>
-          </a:prstGeom>
-          <a:ln w="19050">
-            <a:tailEnd type="triangle"/>
-          </a:ln>
-        </p:spPr>
-        <p:style>
-          <a:lnRef idx="1">
-            <a:schemeClr val="dk1"/>
-          </a:lnRef>
-          <a:fillRef idx="0">
-            <a:schemeClr val="dk1"/>
-          </a:fillRef>
-          <a:effectRef idx="0">
-            <a:schemeClr val="dk1"/>
-          </a:effectRef>
-          <a:fontRef idx="minor">
-            <a:schemeClr val="tx1"/>
-          </a:fontRef>
-        </p:style>
-      </p:cxnSp>
-      <p:cxnSp>
-        <p:nvCxnSpPr>
-          <p:cNvPr id="81" name="直接箭头连接符 80">
-            <a:extLst>
-              <a:ext uri="{FF2B5EF4-FFF2-40B4-BE49-F238E27FC236}">
-                <a16:creationId xmlns:a16="http://schemas.microsoft.com/office/drawing/2014/main" id="{B0D5BECD-AAFE-E120-CAFC-7CC1A81EAB47}"/>
-              </a:ext>
-            </a:extLst>
-          </p:cNvPr>
-          <p:cNvCxnSpPr>
-            <a:cxnSpLocks/>
-          </p:cNvCxnSpPr>
-          <p:nvPr/>
-        </p:nvCxnSpPr>
-        <p:spPr>
-          <a:xfrm>
-            <a:off x="6076708" y="2891694"/>
-            <a:ext cx="877244" cy="332335"/>
-          </a:xfrm>
-          <a:prstGeom prst="straightConnector1">
-            <a:avLst/>
-          </a:prstGeom>
-          <a:ln w="19050">
-            <a:tailEnd type="triangle"/>
-          </a:ln>
-        </p:spPr>
-        <p:style>
-          <a:lnRef idx="1">
-            <a:schemeClr val="dk1"/>
-          </a:lnRef>
-          <a:fillRef idx="0">
-            <a:schemeClr val="dk1"/>
-          </a:fillRef>
-          <a:effectRef idx="0">
-            <a:schemeClr val="dk1"/>
-          </a:effectRef>
-          <a:fontRef idx="minor">
-            <a:schemeClr val="tx1"/>
-          </a:fontRef>
-        </p:style>
-      </p:cxnSp>
-      <p:cxnSp>
-        <p:nvCxnSpPr>
-          <p:cNvPr id="82" name="直接箭头连接符 81">
-            <a:extLst>
-              <a:ext uri="{FF2B5EF4-FFF2-40B4-BE49-F238E27FC236}">
-                <a16:creationId xmlns:a16="http://schemas.microsoft.com/office/drawing/2014/main" id="{D8279A5C-F1B8-43E6-068F-90973C0F3F6A}"/>
-              </a:ext>
-            </a:extLst>
-          </p:cNvPr>
-          <p:cNvCxnSpPr>
-            <a:cxnSpLocks/>
-          </p:cNvCxnSpPr>
-          <p:nvPr/>
-        </p:nvCxnSpPr>
-        <p:spPr>
-          <a:xfrm flipH="1">
-            <a:off x="7816149" y="2886084"/>
-            <a:ext cx="861708" cy="332335"/>
-          </a:xfrm>
-          <a:prstGeom prst="straightConnector1">
-            <a:avLst/>
-          </a:prstGeom>
-          <a:ln w="19050">
-            <a:tailEnd type="triangle"/>
-          </a:ln>
-        </p:spPr>
-        <p:style>
-          <a:lnRef idx="1">
-            <a:schemeClr val="dk1"/>
-          </a:lnRef>
-          <a:fillRef idx="0">
-            <a:schemeClr val="dk1"/>
-          </a:fillRef>
-          <a:effectRef idx="0">
-            <a:schemeClr val="dk1"/>
-          </a:effectRef>
-          <a:fontRef idx="minor">
-            <a:schemeClr val="tx1"/>
-          </a:fontRef>
-        </p:style>
-      </p:cxnSp>
-      <p:cxnSp>
-        <p:nvCxnSpPr>
-          <p:cNvPr id="83" name="直接箭头连接符 82">
-            <a:extLst>
-              <a:ext uri="{FF2B5EF4-FFF2-40B4-BE49-F238E27FC236}">
-                <a16:creationId xmlns:a16="http://schemas.microsoft.com/office/drawing/2014/main" id="{F57C1054-9147-B91C-1CB7-4CDC64A15071}"/>
-              </a:ext>
-            </a:extLst>
-          </p:cNvPr>
-          <p:cNvCxnSpPr>
-            <a:cxnSpLocks/>
-          </p:cNvCxnSpPr>
-          <p:nvPr/>
-        </p:nvCxnSpPr>
-        <p:spPr>
-          <a:xfrm>
-            <a:off x="8677857" y="2886084"/>
-            <a:ext cx="697" cy="332335"/>
-          </a:xfrm>
-          <a:prstGeom prst="straightConnector1">
-            <a:avLst/>
-          </a:prstGeom>
-          <a:ln w="19050">
-            <a:tailEnd type="triangle"/>
-          </a:ln>
-        </p:spPr>
-        <p:style>
-          <a:lnRef idx="1">
-            <a:schemeClr val="dk1"/>
-          </a:lnRef>
-          <a:fillRef idx="0">
-            <a:schemeClr val="dk1"/>
-          </a:fillRef>
-          <a:effectRef idx="0">
-            <a:schemeClr val="dk1"/>
-          </a:effectRef>
-          <a:fontRef idx="minor">
-            <a:schemeClr val="tx1"/>
-          </a:fontRef>
-        </p:style>
-      </p:cxnSp>
-      <p:cxnSp>
-        <p:nvCxnSpPr>
-          <p:cNvPr id="84" name="直接箭头连接符 83">
-            <a:extLst>
-              <a:ext uri="{FF2B5EF4-FFF2-40B4-BE49-F238E27FC236}">
-                <a16:creationId xmlns:a16="http://schemas.microsoft.com/office/drawing/2014/main" id="{2A17CCB9-B972-35E5-295F-4C2E42468F78}"/>
-              </a:ext>
-            </a:extLst>
-          </p:cNvPr>
-          <p:cNvCxnSpPr>
-            <a:cxnSpLocks/>
-          </p:cNvCxnSpPr>
-          <p:nvPr/>
-        </p:nvCxnSpPr>
-        <p:spPr>
-          <a:xfrm>
-            <a:off x="8677857" y="2886084"/>
-            <a:ext cx="877244" cy="332335"/>
-          </a:xfrm>
-          <a:prstGeom prst="straightConnector1">
-            <a:avLst/>
-          </a:prstGeom>
-          <a:ln w="19050">
-            <a:tailEnd type="triangle"/>
-          </a:ln>
-        </p:spPr>
-        <p:style>
-          <a:lnRef idx="1">
-            <a:schemeClr val="dk1"/>
-          </a:lnRef>
-          <a:fillRef idx="0">
-            <a:schemeClr val="dk1"/>
-          </a:fillRef>
-          <a:effectRef idx="0">
-            <a:schemeClr val="dk1"/>
-          </a:effectRef>
-          <a:fontRef idx="minor">
-            <a:schemeClr val="tx1"/>
-          </a:fontRef>
-        </p:style>
-      </p:cxnSp>
-      <p:cxnSp>
-        <p:nvCxnSpPr>
-          <p:cNvPr id="85" name="直接箭头连接符 84">
-            <a:extLst>
-              <a:ext uri="{FF2B5EF4-FFF2-40B4-BE49-F238E27FC236}">
-                <a16:creationId xmlns:a16="http://schemas.microsoft.com/office/drawing/2014/main" id="{85F7A3E1-8F69-EC6F-883E-624BC8D52DFC}"/>
-              </a:ext>
-            </a:extLst>
-          </p:cNvPr>
-          <p:cNvCxnSpPr>
-            <a:cxnSpLocks/>
-          </p:cNvCxnSpPr>
-          <p:nvPr/>
-        </p:nvCxnSpPr>
-        <p:spPr>
-          <a:xfrm flipH="1">
-            <a:off x="10556171" y="2895601"/>
-            <a:ext cx="861708" cy="332335"/>
-          </a:xfrm>
-          <a:prstGeom prst="straightConnector1">
-            <a:avLst/>
-          </a:prstGeom>
-          <a:ln w="19050">
-            <a:tailEnd type="triangle"/>
-          </a:ln>
-        </p:spPr>
-        <p:style>
-          <a:lnRef idx="1">
-            <a:schemeClr val="dk1"/>
-          </a:lnRef>
-          <a:fillRef idx="0">
-            <a:schemeClr val="dk1"/>
-          </a:fillRef>
-          <a:effectRef idx="0">
-            <a:schemeClr val="dk1"/>
-          </a:effectRef>
-          <a:fontRef idx="minor">
-            <a:schemeClr val="tx1"/>
-          </a:fontRef>
-        </p:style>
-      </p:cxnSp>
-      <p:cxnSp>
-        <p:nvCxnSpPr>
-          <p:cNvPr id="86" name="直接箭头连接符 85">
-            <a:extLst>
-              <a:ext uri="{FF2B5EF4-FFF2-40B4-BE49-F238E27FC236}">
-                <a16:creationId xmlns:a16="http://schemas.microsoft.com/office/drawing/2014/main" id="{CF58AB94-F370-DFD6-545E-F326A10600FD}"/>
-              </a:ext>
-            </a:extLst>
-          </p:cNvPr>
-          <p:cNvCxnSpPr>
-            <a:cxnSpLocks/>
-          </p:cNvCxnSpPr>
-          <p:nvPr/>
-        </p:nvCxnSpPr>
-        <p:spPr>
-          <a:xfrm>
-            <a:off x="11417879" y="2895601"/>
-            <a:ext cx="697" cy="332335"/>
-          </a:xfrm>
-          <a:prstGeom prst="straightConnector1">
-            <a:avLst/>
-          </a:prstGeom>
-          <a:ln w="19050">
-            <a:tailEnd type="triangle"/>
-          </a:ln>
-        </p:spPr>
-        <p:style>
-          <a:lnRef idx="1">
-            <a:schemeClr val="dk1"/>
-          </a:lnRef>
-          <a:fillRef idx="0">
-            <a:schemeClr val="dk1"/>
-          </a:fillRef>
-          <a:effectRef idx="0">
-            <a:schemeClr val="dk1"/>
-          </a:effectRef>
-          <a:fontRef idx="minor">
-            <a:schemeClr val="tx1"/>
-          </a:fontRef>
-        </p:style>
-      </p:cxnSp>
-      <p:cxnSp>
-        <p:nvCxnSpPr>
-          <p:cNvPr id="87" name="直接箭头连接符 86">
-            <a:extLst>
-              <a:ext uri="{FF2B5EF4-FFF2-40B4-BE49-F238E27FC236}">
-                <a16:creationId xmlns:a16="http://schemas.microsoft.com/office/drawing/2014/main" id="{85D4223B-5194-49FB-9E9D-E63C75443525}"/>
-              </a:ext>
-            </a:extLst>
-          </p:cNvPr>
-          <p:cNvCxnSpPr>
-            <a:cxnSpLocks/>
-          </p:cNvCxnSpPr>
-          <p:nvPr/>
-        </p:nvCxnSpPr>
-        <p:spPr>
-          <a:xfrm>
-            <a:off x="11417879" y="2895601"/>
-            <a:ext cx="877244" cy="332335"/>
-          </a:xfrm>
-          <a:prstGeom prst="straightConnector1">
-            <a:avLst/>
-          </a:prstGeom>
-          <a:ln w="19050">
-            <a:tailEnd type="triangle"/>
-          </a:ln>
-        </p:spPr>
-        <p:style>
-          <a:lnRef idx="1">
-            <a:schemeClr val="dk1"/>
-          </a:lnRef>
-          <a:fillRef idx="0">
-            <a:schemeClr val="dk1"/>
-          </a:fillRef>
-          <a:effectRef idx="0">
-            <a:schemeClr val="dk1"/>
-          </a:effectRef>
-          <a:fontRef idx="minor">
-            <a:schemeClr val="tx1"/>
-          </a:fontRef>
-        </p:style>
-      </p:cxnSp>
-      <p:cxnSp>
-        <p:nvCxnSpPr>
-          <p:cNvPr id="88" name="直接箭头连接符 87">
-            <a:extLst>
-              <a:ext uri="{FF2B5EF4-FFF2-40B4-BE49-F238E27FC236}">
-                <a16:creationId xmlns:a16="http://schemas.microsoft.com/office/drawing/2014/main" id="{E43F1F19-DC9D-BF73-B4C4-B0D171D277EA}"/>
-              </a:ext>
-            </a:extLst>
-          </p:cNvPr>
-          <p:cNvCxnSpPr>
-            <a:cxnSpLocks/>
-          </p:cNvCxnSpPr>
-          <p:nvPr/>
-        </p:nvCxnSpPr>
-        <p:spPr>
-          <a:xfrm flipH="1">
-            <a:off x="13186930" y="2895601"/>
-            <a:ext cx="861708" cy="332335"/>
-          </a:xfrm>
-          <a:prstGeom prst="straightConnector1">
-            <a:avLst/>
-          </a:prstGeom>
-          <a:ln w="19050">
-            <a:tailEnd type="triangle"/>
-          </a:ln>
-        </p:spPr>
-        <p:style>
-          <a:lnRef idx="1">
-            <a:schemeClr val="dk1"/>
-          </a:lnRef>
-          <a:fillRef idx="0">
-            <a:schemeClr val="dk1"/>
-          </a:fillRef>
-          <a:effectRef idx="0">
-            <a:schemeClr val="dk1"/>
-          </a:effectRef>
-          <a:fontRef idx="minor">
-            <a:schemeClr val="tx1"/>
-          </a:fontRef>
-        </p:style>
-      </p:cxnSp>
-      <p:cxnSp>
-        <p:nvCxnSpPr>
-          <p:cNvPr id="89" name="直接箭头连接符 88">
-            <a:extLst>
-              <a:ext uri="{FF2B5EF4-FFF2-40B4-BE49-F238E27FC236}">
-                <a16:creationId xmlns:a16="http://schemas.microsoft.com/office/drawing/2014/main" id="{F501C108-6DFE-BEE1-6AE4-B98D56028881}"/>
-              </a:ext>
-            </a:extLst>
-          </p:cNvPr>
-          <p:cNvCxnSpPr>
-            <a:cxnSpLocks/>
-          </p:cNvCxnSpPr>
-          <p:nvPr/>
-        </p:nvCxnSpPr>
-        <p:spPr>
-          <a:xfrm>
-            <a:off x="14048638" y="2895601"/>
-            <a:ext cx="697" cy="332335"/>
-          </a:xfrm>
-          <a:prstGeom prst="straightConnector1">
-            <a:avLst/>
-          </a:prstGeom>
-          <a:ln w="19050">
-            <a:tailEnd type="triangle"/>
-          </a:ln>
-        </p:spPr>
-        <p:style>
-          <a:lnRef idx="1">
-            <a:schemeClr val="dk1"/>
-          </a:lnRef>
-          <a:fillRef idx="0">
-            <a:schemeClr val="dk1"/>
-          </a:fillRef>
-          <a:effectRef idx="0">
-            <a:schemeClr val="dk1"/>
-          </a:effectRef>
-          <a:fontRef idx="minor">
-            <a:schemeClr val="tx1"/>
-          </a:fontRef>
-        </p:style>
-      </p:cxnSp>
-      <p:cxnSp>
-        <p:nvCxnSpPr>
-          <p:cNvPr id="90" name="直接箭头连接符 89">
-            <a:extLst>
-              <a:ext uri="{FF2B5EF4-FFF2-40B4-BE49-F238E27FC236}">
-                <a16:creationId xmlns:a16="http://schemas.microsoft.com/office/drawing/2014/main" id="{04C143C9-CFB9-D5D2-C666-D468D5F6EE67}"/>
-              </a:ext>
-            </a:extLst>
-          </p:cNvPr>
-          <p:cNvCxnSpPr>
-            <a:cxnSpLocks/>
-          </p:cNvCxnSpPr>
-          <p:nvPr/>
-        </p:nvCxnSpPr>
-        <p:spPr>
-          <a:xfrm>
-            <a:off x="14048638" y="2895601"/>
-            <a:ext cx="877244" cy="332335"/>
-          </a:xfrm>
-          <a:prstGeom prst="straightConnector1">
-            <a:avLst/>
-          </a:prstGeom>
-          <a:ln w="19050">
-            <a:tailEnd type="triangle"/>
-          </a:ln>
-        </p:spPr>
-        <p:style>
-          <a:lnRef idx="1">
-            <a:schemeClr val="dk1"/>
-          </a:lnRef>
-          <a:fillRef idx="0">
-            <a:schemeClr val="dk1"/>
-          </a:fillRef>
-          <a:effectRef idx="0">
-            <a:schemeClr val="dk1"/>
-          </a:effectRef>
-          <a:fontRef idx="minor">
-            <a:schemeClr val="tx1"/>
-          </a:fontRef>
-        </p:style>
-      </p:cxnSp>
-      <p:sp>
-        <p:nvSpPr>
-          <p:cNvPr id="92" name="文本框 91">
-            <a:extLst>
-              <a:ext uri="{FF2B5EF4-FFF2-40B4-BE49-F238E27FC236}">
-                <a16:creationId xmlns:a16="http://schemas.microsoft.com/office/drawing/2014/main" id="{CFA7DE87-F42A-E247-E83B-CE0245318E9C}"/>
-              </a:ext>
-            </a:extLst>
-          </p:cNvPr>
-          <p:cNvSpPr txBox="1"/>
-          <p:nvPr/>
-        </p:nvSpPr>
-        <p:spPr>
-          <a:xfrm flipV="1">
-            <a:off x="3626144" y="3473588"/>
-            <a:ext cx="514776" cy="400110"/>
-          </a:xfrm>
-          <a:prstGeom prst="rect">
-            <a:avLst/>
-          </a:prstGeom>
-          <a:noFill/>
-        </p:spPr>
-        <p:txBody>
-          <a:bodyPr wrap="square">
-            <a:spAutoFit/>
-          </a:bodyPr>
-          <a:lstStyle/>
-          <a:p>
-            <a:pPr algn="ctr"/>
-            <a:r>
-              <a:rPr lang="en-US" altLang="zh-CN" sz="2000" b="1" dirty="0"/>
-              <a:t>…</a:t>
-            </a:r>
-            <a:endParaRPr lang="en-US" sz="2000" b="1" dirty="0"/>
-          </a:p>
-        </p:txBody>
-      </p:sp>
-      <p:sp>
-        <p:nvSpPr>
-          <p:cNvPr id="93" name="文本框 92">
-            <a:extLst>
-              <a:ext uri="{FF2B5EF4-FFF2-40B4-BE49-F238E27FC236}">
-                <a16:creationId xmlns:a16="http://schemas.microsoft.com/office/drawing/2014/main" id="{5A44351F-3200-36D3-1CDA-F7DEC4C31561}"/>
-              </a:ext>
-            </a:extLst>
-          </p:cNvPr>
-          <p:cNvSpPr txBox="1"/>
-          <p:nvPr/>
-        </p:nvSpPr>
-        <p:spPr>
-          <a:xfrm flipV="1">
-            <a:off x="6295324" y="3466567"/>
-            <a:ext cx="514776" cy="400110"/>
-          </a:xfrm>
-          <a:prstGeom prst="rect">
-            <a:avLst/>
-          </a:prstGeom>
-          <a:noFill/>
-        </p:spPr>
-        <p:txBody>
-          <a:bodyPr wrap="square">
-            <a:spAutoFit/>
-          </a:bodyPr>
-          <a:lstStyle/>
-          <a:p>
-            <a:pPr algn="ctr"/>
-            <a:r>
-              <a:rPr lang="en-US" altLang="zh-CN" sz="2000" b="1" dirty="0"/>
-              <a:t>…</a:t>
-            </a:r>
-            <a:endParaRPr lang="en-US" sz="2000" b="1" dirty="0"/>
-          </a:p>
-        </p:txBody>
-      </p:sp>
-      <p:sp>
-        <p:nvSpPr>
-          <p:cNvPr id="94" name="文本框 93">
-            <a:extLst>
-              <a:ext uri="{FF2B5EF4-FFF2-40B4-BE49-F238E27FC236}">
-                <a16:creationId xmlns:a16="http://schemas.microsoft.com/office/drawing/2014/main" id="{641169B9-609D-B0C9-F2AD-6B22DCEC6D85}"/>
-              </a:ext>
-            </a:extLst>
-          </p:cNvPr>
-          <p:cNvSpPr txBox="1"/>
-          <p:nvPr/>
-        </p:nvSpPr>
-        <p:spPr>
-          <a:xfrm flipV="1">
-            <a:off x="8889901" y="3481090"/>
-            <a:ext cx="514776" cy="400110"/>
-          </a:xfrm>
-          <a:prstGeom prst="rect">
-            <a:avLst/>
-          </a:prstGeom>
-          <a:noFill/>
-        </p:spPr>
-        <p:txBody>
-          <a:bodyPr wrap="square">
-            <a:spAutoFit/>
-          </a:bodyPr>
-          <a:lstStyle/>
-          <a:p>
-            <a:pPr algn="ctr"/>
-            <a:r>
-              <a:rPr lang="en-US" altLang="zh-CN" sz="2000" b="1" dirty="0"/>
-              <a:t>…</a:t>
-            </a:r>
-            <a:endParaRPr lang="en-US" sz="2000" b="1" dirty="0"/>
-          </a:p>
-        </p:txBody>
-      </p:sp>
-      <p:sp>
-        <p:nvSpPr>
-          <p:cNvPr id="95" name="文本框 94">
-            <a:extLst>
-              <a:ext uri="{FF2B5EF4-FFF2-40B4-BE49-F238E27FC236}">
-                <a16:creationId xmlns:a16="http://schemas.microsoft.com/office/drawing/2014/main" id="{FC04FA3D-1119-DEEE-5E8F-54493A9009F5}"/>
-              </a:ext>
-            </a:extLst>
-          </p:cNvPr>
-          <p:cNvSpPr txBox="1"/>
-          <p:nvPr/>
-        </p:nvSpPr>
-        <p:spPr>
-          <a:xfrm flipV="1">
-            <a:off x="11622742" y="3465471"/>
-            <a:ext cx="514776" cy="400110"/>
-          </a:xfrm>
-          <a:prstGeom prst="rect">
-            <a:avLst/>
-          </a:prstGeom>
-          <a:noFill/>
-        </p:spPr>
-        <p:txBody>
-          <a:bodyPr wrap="square">
-            <a:spAutoFit/>
-          </a:bodyPr>
-          <a:lstStyle/>
-          <a:p>
-            <a:pPr algn="ctr"/>
-            <a:r>
-              <a:rPr lang="en-US" altLang="zh-CN" sz="2000" b="1" dirty="0"/>
-              <a:t>…</a:t>
-            </a:r>
-            <a:endParaRPr lang="en-US" sz="2000" b="1" dirty="0"/>
-          </a:p>
-        </p:txBody>
-      </p:sp>
-      <p:sp>
-        <p:nvSpPr>
-          <p:cNvPr id="96" name="文本框 95">
-            <a:extLst>
-              <a:ext uri="{FF2B5EF4-FFF2-40B4-BE49-F238E27FC236}">
-                <a16:creationId xmlns:a16="http://schemas.microsoft.com/office/drawing/2014/main" id="{CF08009A-57D7-3F3B-BD6C-AD7061FAD965}"/>
-              </a:ext>
-            </a:extLst>
-          </p:cNvPr>
-          <p:cNvSpPr txBox="1"/>
-          <p:nvPr/>
-        </p:nvSpPr>
-        <p:spPr>
-          <a:xfrm flipV="1">
-            <a:off x="14268660" y="3463811"/>
-            <a:ext cx="514776" cy="400110"/>
-          </a:xfrm>
-          <a:prstGeom prst="rect">
-            <a:avLst/>
-          </a:prstGeom>
-          <a:noFill/>
-        </p:spPr>
-        <p:txBody>
-          <a:bodyPr wrap="square">
-            <a:spAutoFit/>
-          </a:bodyPr>
-          <a:lstStyle/>
-          <a:p>
-            <a:pPr algn="ctr"/>
-            <a:r>
-              <a:rPr lang="en-US" altLang="zh-CN" sz="2000" b="1" dirty="0"/>
-              <a:t>…</a:t>
-            </a:r>
-            <a:endParaRPr lang="en-US" sz="2000" b="1" dirty="0"/>
-          </a:p>
-        </p:txBody>
-      </p:sp>
-      <p:sp>
-        <p:nvSpPr>
-          <p:cNvPr id="97" name="文本框 96">
-            <a:extLst>
-              <a:ext uri="{FF2B5EF4-FFF2-40B4-BE49-F238E27FC236}">
-                <a16:creationId xmlns:a16="http://schemas.microsoft.com/office/drawing/2014/main" id="{AF356F52-87C1-BDBC-EE29-854658B82394}"/>
-              </a:ext>
-            </a:extLst>
-          </p:cNvPr>
-          <p:cNvSpPr txBox="1"/>
-          <p:nvPr/>
-        </p:nvSpPr>
-        <p:spPr>
-          <a:xfrm>
-            <a:off x="-161654" y="2362864"/>
-            <a:ext cx="2350156" cy="523220"/>
-          </a:xfrm>
-          <a:prstGeom prst="rect">
-            <a:avLst/>
-          </a:prstGeom>
-          <a:noFill/>
-          <a:ln w="12700">
-            <a:noFill/>
-          </a:ln>
-        </p:spPr>
-        <p:txBody>
-          <a:bodyPr wrap="square" rtlCol="0">
-            <a:spAutoFit/>
-          </a:bodyPr>
-          <a:lstStyle/>
-          <a:p>
-            <a:pPr algn="ctr"/>
-            <a:r>
-              <a:rPr lang="en-US" altLang="zh-CN" sz="2800" b="1" dirty="0"/>
-              <a:t>Site</a:t>
-            </a:r>
-            <a:r>
-              <a:rPr lang="en-US" altLang="zh-CN" sz="2400" b="1" dirty="0"/>
-              <a:t> </a:t>
-            </a:r>
-            <a:r>
-              <a:rPr lang="en-US" altLang="zh-CN" sz="1600" b="1" dirty="0"/>
-              <a:t>j=(1,2,…5) </a:t>
-            </a:r>
-            <a:endParaRPr lang="en-US" sz="1600" b="1" dirty="0"/>
-          </a:p>
-        </p:txBody>
-      </p:sp>
-      <p:sp>
-        <p:nvSpPr>
-          <p:cNvPr id="98" name="文本框 97">
-            <a:extLst>
-              <a:ext uri="{FF2B5EF4-FFF2-40B4-BE49-F238E27FC236}">
-                <a16:creationId xmlns:a16="http://schemas.microsoft.com/office/drawing/2014/main" id="{55A2A8DB-6DBB-BAB4-88E4-390831EF1293}"/>
-              </a:ext>
-            </a:extLst>
-          </p:cNvPr>
-          <p:cNvSpPr txBox="1"/>
-          <p:nvPr/>
-        </p:nvSpPr>
-        <p:spPr>
-          <a:xfrm>
-            <a:off x="-81934" y="3333557"/>
-            <a:ext cx="2429012" cy="523220"/>
-          </a:xfrm>
-          <a:prstGeom prst="rect">
-            <a:avLst/>
-          </a:prstGeom>
-          <a:noFill/>
-          <a:ln w="12700">
-            <a:noFill/>
-          </a:ln>
-        </p:spPr>
-        <p:txBody>
-          <a:bodyPr wrap="square" rtlCol="0">
-            <a:spAutoFit/>
-          </a:bodyPr>
-          <a:lstStyle/>
-          <a:p>
-            <a:pPr algn="ctr"/>
-            <a:r>
-              <a:rPr lang="en-US" altLang="zh-CN" sz="2800" b="1" dirty="0"/>
-              <a:t>Self control </a:t>
-            </a:r>
-            <a:r>
-              <a:rPr lang="en-US" altLang="zh-CN" sz="1600" b="1" dirty="0"/>
-              <a:t>Y</a:t>
-            </a:r>
-            <a:r>
-              <a:rPr lang="en-US" altLang="zh-CN" sz="1100" b="1" dirty="0"/>
-              <a:t>ij</a:t>
-            </a:r>
-            <a:r>
-              <a:rPr lang="en-US" altLang="zh-CN" sz="1600" b="1" dirty="0"/>
-              <a:t> </a:t>
-            </a:r>
-            <a:endParaRPr lang="en-US" sz="1600" b="1" dirty="0"/>
-          </a:p>
-        </p:txBody>
-      </p:sp>
-      <p:pic>
-        <p:nvPicPr>
-          <p:cNvPr id="101" name="图片 100">
-            <a:extLst>
-              <a:ext uri="{FF2B5EF4-FFF2-40B4-BE49-F238E27FC236}">
-                <a16:creationId xmlns:a16="http://schemas.microsoft.com/office/drawing/2014/main" id="{18048959-9450-DCA9-998F-8BC6BCDEA62D}"/>
-              </a:ext>
-            </a:extLst>
-          </p:cNvPr>
-          <p:cNvPicPr>
-            <a:picLocks noChangeAspect="1"/>
-          </p:cNvPicPr>
-          <p:nvPr/>
-        </p:nvPicPr>
-        <p:blipFill>
-          <a:blip r:embed="rId17"/>
-          <a:stretch>
-            <a:fillRect/>
-          </a:stretch>
-        </p:blipFill>
-        <p:spPr>
-          <a:xfrm>
-            <a:off x="-81934" y="4294734"/>
-            <a:ext cx="15448603" cy="3218967"/>
-          </a:xfrm>
-          <a:prstGeom prst="rect">
-            <a:avLst/>
-          </a:prstGeom>
-        </p:spPr>
-      </p:pic>
-    </p:spTree>
-    <p:extLst>
-      <p:ext uri="{BB962C8B-B14F-4D97-AF65-F5344CB8AC3E}">
-        <p14:creationId xmlns:p14="http://schemas.microsoft.com/office/powerpoint/2010/main" val="3198584661"/>
       </p:ext>
     </p:extLst>
   </p:cSld>

--- a/2023/pic.pptx
+++ b/2023/pic.pptx
@@ -5729,8 +5729,8 @@
         </p:nvSpPr>
         <p:spPr>
           <a:xfrm>
-            <a:off x="11858708" y="2170893"/>
-            <a:ext cx="2227726" cy="523220"/>
+            <a:off x="12228200" y="2170893"/>
+            <a:ext cx="1488741" cy="523220"/>
           </a:xfrm>
           <a:prstGeom prst="rect">
             <a:avLst/>
@@ -5748,12 +5748,12 @@
           <a:p>
             <a:pPr algn="ctr"/>
             <a:r>
-              <a:rPr lang="en-US" altLang="zh-CN" sz="2800" b="1">
+              <a:rPr lang="en-US" altLang="zh-CN" sz="2800" b="1" dirty="0" err="1">
                 <a:solidFill>
                   <a:schemeClr val="accent6"/>
                 </a:solidFill>
               </a:rPr>
-              <a:t>avg_mintemp</a:t>
+              <a:t>avetemp</a:t>
             </a:r>
             <a:endParaRPr lang="en-US" sz="1600" b="1" dirty="0">
               <a:solidFill>
@@ -5861,6 +5861,36 @@
           </a:p>
         </p:txBody>
       </p:sp>
+      <p:pic>
+        <p:nvPicPr>
+          <p:cNvPr id="2" name="图片 1">
+            <a:extLst>
+              <a:ext uri="{FF2B5EF4-FFF2-40B4-BE49-F238E27FC236}">
+                <a16:creationId xmlns:a16="http://schemas.microsoft.com/office/drawing/2014/main" id="{2A7339EC-154D-869A-4E1C-8C1D244E2C00}"/>
+              </a:ext>
+            </a:extLst>
+          </p:cNvPr>
+          <p:cNvPicPr>
+            <a:picLocks noChangeAspect="1"/>
+          </p:cNvPicPr>
+          <p:nvPr/>
+        </p:nvPicPr>
+        <p:blipFill>
+          <a:blip r:embed="rId11"/>
+          <a:stretch>
+            <a:fillRect/>
+          </a:stretch>
+        </p:blipFill>
+        <p:spPr>
+          <a:xfrm>
+            <a:off x="2169204" y="3379599"/>
+            <a:ext cx="11796782" cy="3304318"/>
+          </a:xfrm>
+          <a:prstGeom prst="rect">
+            <a:avLst/>
+          </a:prstGeom>
+        </p:spPr>
+      </p:pic>
     </p:spTree>
     <p:extLst>
       <p:ext uri="{BB962C8B-B14F-4D97-AF65-F5344CB8AC3E}">
